--- a/PCBA allocation procedure and logic - Nov 12.pptx
+++ b/PCBA allocation procedure and logic - Nov 12.pptx
@@ -5,17 +5,18 @@
     <p:sldMasterId id="2147483662" r:id="rId1"/>
   </p:sldMasterIdLst>
   <p:notesMasterIdLst>
-    <p:notesMasterId r:id="rId10"/>
+    <p:notesMasterId r:id="rId11"/>
   </p:notesMasterIdLst>
   <p:sldIdLst>
     <p:sldId id="267" r:id="rId2"/>
     <p:sldId id="291" r:id="rId3"/>
     <p:sldId id="290" r:id="rId4"/>
     <p:sldId id="285" r:id="rId5"/>
-    <p:sldId id="281" r:id="rId6"/>
-    <p:sldId id="286" r:id="rId7"/>
-    <p:sldId id="288" r:id="rId8"/>
-    <p:sldId id="287" r:id="rId9"/>
+    <p:sldId id="292" r:id="rId6"/>
+    <p:sldId id="281" r:id="rId7"/>
+    <p:sldId id="286" r:id="rId8"/>
+    <p:sldId id="288" r:id="rId9"/>
+    <p:sldId id="287" r:id="rId10"/>
   </p:sldIdLst>
   <p:sldSz cx="12192000" cy="6858000"/>
   <p:notesSz cx="6858000" cy="9144000"/>
@@ -234,7 +235,7 @@
           <a:p>
             <a:fld id="{055D18FD-D4CC-4163-B221-261AEA246121}" type="datetimeFigureOut">
               <a:rPr lang="en-US" smtClean="0"/>
-              <a:t>11/12/20</a:t>
+              <a:t>11/16/20</a:t>
             </a:fld>
             <a:endParaRPr lang="en-US"/>
           </a:p>
@@ -569,14 +570,14 @@
           </a:ln>
           <a:extLst>
             <a:ext uri="{909E8E84-426E-40dd-AFC4-6F175D3DCCD1}">
-              <a14:hiddenFill xmlns:a14="http://schemas.microsoft.com/office/drawing/2010/main" xmlns="">
+              <a14:hiddenFill xmlns="" xmlns:a14="http://schemas.microsoft.com/office/drawing/2010/main">
                 <a:solidFill>
                   <a:srgbClr val="FFFFFF"/>
                 </a:solidFill>
               </a14:hiddenFill>
             </a:ext>
             <a:ext uri="{91240B29-F687-4f45-9708-019B960494DF}">
-              <a14:hiddenLine xmlns:a14="http://schemas.microsoft.com/office/drawing/2010/main" xmlns="" w="9525">
+              <a14:hiddenLine xmlns="" xmlns:a14="http://schemas.microsoft.com/office/drawing/2010/main" w="9525">
                 <a:solidFill>
                   <a:srgbClr val="000000"/>
                 </a:solidFill>
@@ -1361,14 +1362,14 @@
           </a:ln>
           <a:extLst>
             <a:ext uri="{909E8E84-426E-40dd-AFC4-6F175D3DCCD1}">
-              <a14:hiddenFill xmlns:a14="http://schemas.microsoft.com/office/drawing/2010/main" xmlns="">
+              <a14:hiddenFill xmlns="" xmlns:a14="http://schemas.microsoft.com/office/drawing/2010/main">
                 <a:solidFill>
                   <a:srgbClr val="FFFFFF"/>
                 </a:solidFill>
               </a14:hiddenFill>
             </a:ext>
             <a:ext uri="{91240B29-F687-4f45-9708-019B960494DF}">
-              <a14:hiddenLine xmlns:a14="http://schemas.microsoft.com/office/drawing/2010/main" xmlns="" w="9525">
+              <a14:hiddenLine xmlns="" xmlns:a14="http://schemas.microsoft.com/office/drawing/2010/main" w="9525">
                 <a:solidFill>
                   <a:srgbClr val="000000"/>
                 </a:solidFill>
@@ -1757,14 +1758,14 @@
           </a:ln>
           <a:extLst>
             <a:ext uri="{909E8E84-426E-40dd-AFC4-6F175D3DCCD1}">
-              <a14:hiddenFill xmlns:a14="http://schemas.microsoft.com/office/drawing/2010/main" xmlns="">
+              <a14:hiddenFill xmlns="" xmlns:a14="http://schemas.microsoft.com/office/drawing/2010/main">
                 <a:solidFill>
                   <a:srgbClr val="FFFFFF"/>
                 </a:solidFill>
               </a14:hiddenFill>
             </a:ext>
             <a:ext uri="{91240B29-F687-4f45-9708-019B960494DF}">
-              <a14:hiddenLine xmlns:a14="http://schemas.microsoft.com/office/drawing/2010/main" xmlns="" w="9525">
+              <a14:hiddenLine xmlns="" xmlns:a14="http://schemas.microsoft.com/office/drawing/2010/main" w="9525">
                 <a:solidFill>
                   <a:srgbClr val="000000"/>
                 </a:solidFill>
@@ -3406,14 +3407,14 @@
           </a:ln>
           <a:extLst>
             <a:ext uri="{909E8E84-426E-40dd-AFC4-6F175D3DCCD1}">
-              <a14:hiddenFill xmlns:a14="http://schemas.microsoft.com/office/drawing/2010/main" xmlns="">
+              <a14:hiddenFill xmlns="" xmlns:a14="http://schemas.microsoft.com/office/drawing/2010/main">
                 <a:solidFill>
                   <a:srgbClr val="FFFFFF"/>
                 </a:solidFill>
               </a14:hiddenFill>
             </a:ext>
             <a:ext uri="{91240B29-F687-4f45-9708-019B960494DF}">
-              <a14:hiddenLine xmlns:a14="http://schemas.microsoft.com/office/drawing/2010/main" xmlns="" w="9525">
+              <a14:hiddenLine xmlns="" xmlns:a14="http://schemas.microsoft.com/office/drawing/2010/main" w="9525">
                 <a:solidFill>
                   <a:srgbClr val="000000"/>
                 </a:solidFill>
@@ -3502,14 +3503,14 @@
           </a:ln>
           <a:extLst>
             <a:ext uri="{909E8E84-426E-40dd-AFC4-6F175D3DCCD1}">
-              <a14:hiddenFill xmlns:a14="http://schemas.microsoft.com/office/drawing/2010/main" xmlns="">
+              <a14:hiddenFill xmlns="" xmlns:a14="http://schemas.microsoft.com/office/drawing/2010/main">
                 <a:solidFill>
                   <a:srgbClr val="FFFFFF"/>
                 </a:solidFill>
               </a14:hiddenFill>
             </a:ext>
             <a:ext uri="{91240B29-F687-4f45-9708-019B960494DF}">
-              <a14:hiddenLine xmlns:a14="http://schemas.microsoft.com/office/drawing/2010/main" xmlns="" w="9525">
+              <a14:hiddenLine xmlns="" xmlns:a14="http://schemas.microsoft.com/office/drawing/2010/main" w="9525">
                 <a:solidFill>
                   <a:srgbClr val="000000"/>
                 </a:solidFill>
@@ -4037,14 +4038,14 @@
           </a:ln>
           <a:extLst>
             <a:ext uri="{909E8E84-426E-40dd-AFC4-6F175D3DCCD1}">
-              <a14:hiddenFill xmlns:a14="http://schemas.microsoft.com/office/drawing/2010/main" xmlns="">
+              <a14:hiddenFill xmlns="" xmlns:a14="http://schemas.microsoft.com/office/drawing/2010/main">
                 <a:solidFill>
                   <a:srgbClr val="FFFFFF"/>
                 </a:solidFill>
               </a14:hiddenFill>
             </a:ext>
             <a:ext uri="{91240B29-F687-4f45-9708-019B960494DF}">
-              <a14:hiddenLine xmlns:a14="http://schemas.microsoft.com/office/drawing/2010/main" xmlns="" w="9525">
+              <a14:hiddenLine xmlns="" xmlns:a14="http://schemas.microsoft.com/office/drawing/2010/main" w="9525">
                 <a:solidFill>
                   <a:srgbClr val="000000"/>
                 </a:solidFill>
@@ -4513,14 +4514,14 @@
           </a:ln>
           <a:extLst>
             <a:ext uri="{909E8E84-426E-40dd-AFC4-6F175D3DCCD1}">
-              <a14:hiddenFill xmlns:a14="http://schemas.microsoft.com/office/drawing/2010/main" xmlns="">
+              <a14:hiddenFill xmlns="" xmlns:a14="http://schemas.microsoft.com/office/drawing/2010/main">
                 <a:solidFill>
                   <a:srgbClr val="FFFFFF"/>
                 </a:solidFill>
               </a14:hiddenFill>
             </a:ext>
             <a:ext uri="{91240B29-F687-4f45-9708-019B960494DF}">
-              <a14:hiddenLine xmlns:a14="http://schemas.microsoft.com/office/drawing/2010/main" xmlns="" w="9525">
+              <a14:hiddenLine xmlns="" xmlns:a14="http://schemas.microsoft.com/office/drawing/2010/main" w="9525">
                 <a:solidFill>
                   <a:srgbClr val="000000"/>
                 </a:solidFill>
@@ -4734,14 +4735,14 @@
           </a:ln>
           <a:extLst>
             <a:ext uri="{909E8E84-426E-40dd-AFC4-6F175D3DCCD1}">
-              <a14:hiddenFill xmlns:a14="http://schemas.microsoft.com/office/drawing/2010/main" xmlns="">
+              <a14:hiddenFill xmlns="" xmlns:a14="http://schemas.microsoft.com/office/drawing/2010/main">
                 <a:solidFill>
                   <a:srgbClr val="FFFFFF"/>
                 </a:solidFill>
               </a14:hiddenFill>
             </a:ext>
             <a:ext uri="{91240B29-F687-4f45-9708-019B960494DF}">
-              <a14:hiddenLine xmlns:a14="http://schemas.microsoft.com/office/drawing/2010/main" xmlns="" w="9525">
+              <a14:hiddenLine xmlns="" xmlns:a14="http://schemas.microsoft.com/office/drawing/2010/main" w="9525">
                 <a:solidFill>
                   <a:srgbClr val="000000"/>
                 </a:solidFill>
@@ -4955,14 +4956,14 @@
           </a:ln>
           <a:extLst>
             <a:ext uri="{909E8E84-426E-40dd-AFC4-6F175D3DCCD1}">
-              <a14:hiddenFill xmlns:a14="http://schemas.microsoft.com/office/drawing/2010/main" xmlns="">
+              <a14:hiddenFill xmlns="" xmlns:a14="http://schemas.microsoft.com/office/drawing/2010/main">
                 <a:solidFill>
                   <a:srgbClr val="FFFFFF"/>
                 </a:solidFill>
               </a14:hiddenFill>
             </a:ext>
             <a:ext uri="{91240B29-F687-4f45-9708-019B960494DF}">
-              <a14:hiddenLine xmlns:a14="http://schemas.microsoft.com/office/drawing/2010/main" xmlns="" w="9525">
+              <a14:hiddenLine xmlns="" xmlns:a14="http://schemas.microsoft.com/office/drawing/2010/main" w="9525">
                 <a:solidFill>
                   <a:srgbClr val="000000"/>
                 </a:solidFill>
@@ -5624,7 +5625,7 @@
           </a:ln>
           <a:extLst>
             <a:ext uri="{91240B29-F687-4f45-9708-019B960494DF}">
-              <a14:hiddenLine xmlns:a14="http://schemas.microsoft.com/office/drawing/2010/main" xmlns="" w="25400" algn="ctr">
+              <a14:hiddenLine xmlns="" xmlns:a14="http://schemas.microsoft.com/office/drawing/2010/main" w="25400" algn="ctr">
                 <a:solidFill>
                   <a:srgbClr val="000000"/>
                 </a:solidFill>
@@ -5780,7 +5781,7 @@
           </a:ln>
           <a:extLst>
             <a:ext uri="{91240B29-F687-4f45-9708-019B960494DF}">
-              <a14:hiddenLine xmlns:a14="http://schemas.microsoft.com/office/drawing/2010/main" xmlns="" w="25400" algn="ctr">
+              <a14:hiddenLine xmlns="" xmlns:a14="http://schemas.microsoft.com/office/drawing/2010/main" w="25400" algn="ctr">
                 <a:solidFill>
                   <a:srgbClr val="000000"/>
                 </a:solidFill>
@@ -5936,7 +5937,7 @@
           </a:ln>
           <a:extLst>
             <a:ext uri="{91240B29-F687-4f45-9708-019B960494DF}">
-              <a14:hiddenLine xmlns:a14="http://schemas.microsoft.com/office/drawing/2010/main" xmlns="" w="25400" algn="ctr">
+              <a14:hiddenLine xmlns="" xmlns:a14="http://schemas.microsoft.com/office/drawing/2010/main" w="25400" algn="ctr">
                 <a:solidFill>
                   <a:srgbClr val="000000"/>
                 </a:solidFill>
@@ -6090,14 +6091,14 @@
           </a:ln>
           <a:extLst>
             <a:ext uri="{909E8E84-426E-40dd-AFC4-6F175D3DCCD1}">
-              <a14:hiddenFill xmlns:a14="http://schemas.microsoft.com/office/drawing/2010/main" xmlns="">
+              <a14:hiddenFill xmlns="" xmlns:a14="http://schemas.microsoft.com/office/drawing/2010/main">
                 <a:solidFill>
                   <a:srgbClr val="FFFFFF"/>
                 </a:solidFill>
               </a14:hiddenFill>
             </a:ext>
             <a:ext uri="{91240B29-F687-4f45-9708-019B960494DF}">
-              <a14:hiddenLine xmlns:a14="http://schemas.microsoft.com/office/drawing/2010/main" xmlns="" w="9525">
+              <a14:hiddenLine xmlns="" xmlns:a14="http://schemas.microsoft.com/office/drawing/2010/main" w="9525">
                 <a:solidFill>
                   <a:srgbClr val="000000"/>
                 </a:solidFill>
@@ -12962,14 +12963,14 @@
           <a:noFill/>
           <a:extLst>
             <a:ext uri="{909E8E84-426E-40dd-AFC4-6F175D3DCCD1}">
-              <a14:hiddenFill xmlns:a14="http://schemas.microsoft.com/office/drawing/2010/main" xmlns="">
+              <a14:hiddenFill xmlns="" xmlns:a14="http://schemas.microsoft.com/office/drawing/2010/main">
                 <a:solidFill>
                   <a:srgbClr val="FFFFFF"/>
                 </a:solidFill>
               </a14:hiddenFill>
             </a:ext>
             <a:ext uri="{91240B29-F687-4f45-9708-019B960494DF}">
-              <a14:hiddenLine xmlns:a14="http://schemas.microsoft.com/office/drawing/2010/main" xmlns="" w="9525">
+              <a14:hiddenLine xmlns="" xmlns:a14="http://schemas.microsoft.com/office/drawing/2010/main" w="9525">
                 <a:solidFill>
                   <a:srgbClr val="000000"/>
                 </a:solidFill>
@@ -15392,14 +15393,14 @@
           </a:ln>
           <a:extLst>
             <a:ext uri="{909E8E84-426E-40dd-AFC4-6F175D3DCCD1}">
-              <a14:hiddenFill xmlns:a14="http://schemas.microsoft.com/office/drawing/2010/main" xmlns="">
+              <a14:hiddenFill xmlns="" xmlns:a14="http://schemas.microsoft.com/office/drawing/2010/main">
                 <a:solidFill>
                   <a:srgbClr val="FFFFFF"/>
                 </a:solidFill>
               </a14:hiddenFill>
             </a:ext>
             <a:ext uri="{91240B29-F687-4f45-9708-019B960494DF}">
-              <a14:hiddenLine xmlns:a14="http://schemas.microsoft.com/office/drawing/2010/main" xmlns="" w="9525">
+              <a14:hiddenLine xmlns="" xmlns:a14="http://schemas.microsoft.com/office/drawing/2010/main" w="9525">
                 <a:solidFill>
                   <a:srgbClr val="000000"/>
                 </a:solidFill>
@@ -15696,14 +15697,14 @@
           </a:ln>
           <a:extLst>
             <a:ext uri="{909E8E84-426E-40dd-AFC4-6F175D3DCCD1}">
-              <a14:hiddenFill xmlns:a14="http://schemas.microsoft.com/office/drawing/2010/main" xmlns="">
+              <a14:hiddenFill xmlns="" xmlns:a14="http://schemas.microsoft.com/office/drawing/2010/main">
                 <a:solidFill>
                   <a:srgbClr val="FFFFFF"/>
                 </a:solidFill>
               </a14:hiddenFill>
             </a:ext>
             <a:ext uri="{91240B29-F687-4f45-9708-019B960494DF}">
-              <a14:hiddenLine xmlns:a14="http://schemas.microsoft.com/office/drawing/2010/main" xmlns="" w="9525">
+              <a14:hiddenLine xmlns="" xmlns:a14="http://schemas.microsoft.com/office/drawing/2010/main" w="9525">
                 <a:solidFill>
                   <a:srgbClr val="000000"/>
                 </a:solidFill>
@@ -15826,14 +15827,14 @@
           </a:ln>
           <a:extLst>
             <a:ext uri="{909E8E84-426E-40dd-AFC4-6F175D3DCCD1}">
-              <a14:hiddenFill xmlns:a14="http://schemas.microsoft.com/office/drawing/2010/main" xmlns="">
+              <a14:hiddenFill xmlns="" xmlns:a14="http://schemas.microsoft.com/office/drawing/2010/main">
                 <a:solidFill>
                   <a:srgbClr val="FFFFFF"/>
                 </a:solidFill>
               </a14:hiddenFill>
             </a:ext>
             <a:ext uri="{91240B29-F687-4f45-9708-019B960494DF}">
-              <a14:hiddenLine xmlns:a14="http://schemas.microsoft.com/office/drawing/2010/main" xmlns="" w="9525">
+              <a14:hiddenLine xmlns="" xmlns:a14="http://schemas.microsoft.com/office/drawing/2010/main" w="9525">
                 <a:solidFill>
                   <a:srgbClr val="000000"/>
                 </a:solidFill>
@@ -16064,14 +16065,14 @@
           <a:noFill/>
           <a:extLst>
             <a:ext uri="{909E8E84-426E-40dd-AFC4-6F175D3DCCD1}">
-              <a14:hiddenFill xmlns:a14="http://schemas.microsoft.com/office/drawing/2010/main" xmlns="">
+              <a14:hiddenFill xmlns="" xmlns:a14="http://schemas.microsoft.com/office/drawing/2010/main">
                 <a:solidFill>
                   <a:srgbClr val="FFFFFF"/>
                 </a:solidFill>
               </a14:hiddenFill>
             </a:ext>
             <a:ext uri="{91240B29-F687-4f45-9708-019B960494DF}">
-              <a14:hiddenLine xmlns:a14="http://schemas.microsoft.com/office/drawing/2010/main" xmlns="" w="9525">
+              <a14:hiddenLine xmlns="" xmlns:a14="http://schemas.microsoft.com/office/drawing/2010/main" w="9525">
                 <a:solidFill>
                   <a:srgbClr val="000000"/>
                 </a:solidFill>
@@ -18037,14 +18038,14 @@
           <a:noFill/>
           <a:extLst>
             <a:ext uri="{909E8E84-426E-40dd-AFC4-6F175D3DCCD1}">
-              <a14:hiddenFill xmlns:a14="http://schemas.microsoft.com/office/drawing/2010/main" xmlns="">
+              <a14:hiddenFill xmlns="" xmlns:a14="http://schemas.microsoft.com/office/drawing/2010/main">
                 <a:solidFill>
                   <a:srgbClr val="FFFFFF"/>
                 </a:solidFill>
               </a14:hiddenFill>
             </a:ext>
             <a:ext uri="{91240B29-F687-4f45-9708-019B960494DF}">
-              <a14:hiddenLine xmlns:a14="http://schemas.microsoft.com/office/drawing/2010/main" xmlns="" w="9525">
+              <a14:hiddenLine xmlns="" xmlns:a14="http://schemas.microsoft.com/office/drawing/2010/main" w="9525">
                 <a:solidFill>
                   <a:srgbClr val="000000"/>
                 </a:solidFill>
@@ -18425,14 +18426,14 @@
           </a:ln>
           <a:extLst>
             <a:ext uri="{909E8E84-426E-40dd-AFC4-6F175D3DCCD1}">
-              <a14:hiddenFill xmlns:a14="http://schemas.microsoft.com/office/drawing/2010/main" xmlns="">
+              <a14:hiddenFill xmlns="" xmlns:a14="http://schemas.microsoft.com/office/drawing/2010/main">
                 <a:solidFill>
                   <a:srgbClr val="FFFFFF"/>
                 </a:solidFill>
               </a14:hiddenFill>
             </a:ext>
             <a:ext uri="{91240B29-F687-4f45-9708-019B960494DF}">
-              <a14:hiddenLine xmlns:a14="http://schemas.microsoft.com/office/drawing/2010/main" xmlns="" w="9525">
+              <a14:hiddenLine xmlns="" xmlns:a14="http://schemas.microsoft.com/office/drawing/2010/main" w="9525">
                 <a:solidFill>
                   <a:srgbClr val="000000"/>
                 </a:solidFill>
@@ -18639,14 +18640,14 @@
           </a:ln>
           <a:extLst>
             <a:ext uri="{909E8E84-426E-40dd-AFC4-6F175D3DCCD1}">
-              <a14:hiddenFill xmlns:a14="http://schemas.microsoft.com/office/drawing/2010/main" xmlns="">
+              <a14:hiddenFill xmlns="" xmlns:a14="http://schemas.microsoft.com/office/drawing/2010/main">
                 <a:solidFill>
                   <a:srgbClr val="FFFFFF"/>
                 </a:solidFill>
               </a14:hiddenFill>
             </a:ext>
             <a:ext uri="{91240B29-F687-4f45-9708-019B960494DF}">
-              <a14:hiddenLine xmlns:a14="http://schemas.microsoft.com/office/drawing/2010/main" xmlns="" w="9525">
+              <a14:hiddenLine xmlns="" xmlns:a14="http://schemas.microsoft.com/office/drawing/2010/main" w="9525">
                 <a:solidFill>
                   <a:srgbClr val="000000"/>
                 </a:solidFill>
@@ -18865,14 +18866,14 @@
           </a:ln>
           <a:extLst>
             <a:ext uri="{909E8E84-426E-40dd-AFC4-6F175D3DCCD1}">
-              <a14:hiddenFill xmlns:a14="http://schemas.microsoft.com/office/drawing/2010/main" xmlns="">
+              <a14:hiddenFill xmlns="" xmlns:a14="http://schemas.microsoft.com/office/drawing/2010/main">
                 <a:solidFill>
                   <a:srgbClr val="FFFFFF"/>
                 </a:solidFill>
               </a14:hiddenFill>
             </a:ext>
             <a:ext uri="{91240B29-F687-4f45-9708-019B960494DF}">
-              <a14:hiddenLine xmlns:a14="http://schemas.microsoft.com/office/drawing/2010/main" xmlns="" w="9525">
+              <a14:hiddenLine xmlns="" xmlns:a14="http://schemas.microsoft.com/office/drawing/2010/main" w="9525">
                 <a:solidFill>
                   <a:srgbClr val="000000"/>
                 </a:solidFill>
@@ -19082,14 +19083,14 @@
           </a:ln>
           <a:extLst>
             <a:ext uri="{909E8E84-426E-40dd-AFC4-6F175D3DCCD1}">
-              <a14:hiddenFill xmlns:a14="http://schemas.microsoft.com/office/drawing/2010/main" xmlns="">
+              <a14:hiddenFill xmlns="" xmlns:a14="http://schemas.microsoft.com/office/drawing/2010/main">
                 <a:solidFill>
                   <a:srgbClr val="FFFFFF"/>
                 </a:solidFill>
               </a14:hiddenFill>
             </a:ext>
             <a:ext uri="{91240B29-F687-4f45-9708-019B960494DF}">
-              <a14:hiddenLine xmlns:a14="http://schemas.microsoft.com/office/drawing/2010/main" xmlns="" w="9525">
+              <a14:hiddenLine xmlns="" xmlns:a14="http://schemas.microsoft.com/office/drawing/2010/main" w="9525">
                 <a:solidFill>
                   <a:srgbClr val="000000"/>
                 </a:solidFill>
@@ -19340,14 +19341,14 @@
           </a:ln>
           <a:extLst>
             <a:ext uri="{909E8E84-426E-40dd-AFC4-6F175D3DCCD1}">
-              <a14:hiddenFill xmlns:a14="http://schemas.microsoft.com/office/drawing/2010/main" xmlns="">
+              <a14:hiddenFill xmlns="" xmlns:a14="http://schemas.microsoft.com/office/drawing/2010/main">
                 <a:solidFill>
                   <a:srgbClr val="FFFFFF"/>
                 </a:solidFill>
               </a14:hiddenFill>
             </a:ext>
             <a:ext uri="{91240B29-F687-4f45-9708-019B960494DF}">
-              <a14:hiddenLine xmlns:a14="http://schemas.microsoft.com/office/drawing/2010/main" xmlns="" w="9525">
+              <a14:hiddenLine xmlns="" xmlns:a14="http://schemas.microsoft.com/office/drawing/2010/main" w="9525">
                 <a:solidFill>
                   <a:srgbClr val="000000"/>
                 </a:solidFill>
@@ -19539,14 +19540,14 @@
           </a:ln>
           <a:extLst>
             <a:ext uri="{909E8E84-426E-40dd-AFC4-6F175D3DCCD1}">
-              <a14:hiddenFill xmlns:a14="http://schemas.microsoft.com/office/drawing/2010/main" xmlns="">
+              <a14:hiddenFill xmlns="" xmlns:a14="http://schemas.microsoft.com/office/drawing/2010/main">
                 <a:solidFill>
                   <a:srgbClr val="FFFFFF"/>
                 </a:solidFill>
               </a14:hiddenFill>
             </a:ext>
             <a:ext uri="{91240B29-F687-4f45-9708-019B960494DF}">
-              <a14:hiddenLine xmlns:a14="http://schemas.microsoft.com/office/drawing/2010/main" xmlns="" w="9525">
+              <a14:hiddenLine xmlns="" xmlns:a14="http://schemas.microsoft.com/office/drawing/2010/main" w="9525">
                 <a:solidFill>
                   <a:srgbClr val="000000"/>
                 </a:solidFill>
@@ -21576,6 +21577,1120 @@
       </p:grpSpPr>
       <p:sp>
         <p:nvSpPr>
+          <p:cNvPr id="5" name="Title 4">
+            <a:extLst>
+              <a:ext uri="{FF2B5EF4-FFF2-40B4-BE49-F238E27FC236}">
+                <a16:creationId xmlns:a16="http://schemas.microsoft.com/office/drawing/2014/main" id="{4B98497C-EAEA-9648-9D7B-2E8DF126FE86}"/>
+              </a:ext>
+            </a:extLst>
+          </p:cNvPr>
+          <p:cNvSpPr>
+            <a:spLocks noGrp="1"/>
+          </p:cNvSpPr>
+          <p:nvPr>
+            <p:ph type="title"/>
+          </p:nvPr>
+        </p:nvSpPr>
+        <p:spPr/>
+        <p:txBody>
+          <a:bodyPr/>
+          <a:lstStyle/>
+          <a:p>
+            <a:r>
+              <a:rPr lang="en-CN" dirty="0"/>
+              <a:t>Order Ranking Logic – under update</a:t>
+            </a:r>
+          </a:p>
+        </p:txBody>
+      </p:sp>
+      <p:sp>
+        <p:nvSpPr>
+          <p:cNvPr id="4" name="Process 3">
+            <a:extLst>
+              <a:ext uri="{FF2B5EF4-FFF2-40B4-BE49-F238E27FC236}">
+                <a16:creationId xmlns:a16="http://schemas.microsoft.com/office/drawing/2014/main" id="{3F05ACD7-DD48-6740-B25F-3B54D9E9C072}"/>
+              </a:ext>
+            </a:extLst>
+          </p:cNvPr>
+          <p:cNvSpPr/>
+          <p:nvPr/>
+        </p:nvSpPr>
+        <p:spPr>
+          <a:xfrm>
+            <a:off x="1539621" y="1681239"/>
+            <a:ext cx="1400505" cy="628355"/>
+          </a:xfrm>
+          <a:prstGeom prst="flowChartProcess">
+            <a:avLst/>
+          </a:prstGeom>
+          <a:noFill/>
+          <a:ln>
+            <a:solidFill>
+              <a:schemeClr val="tx1"/>
+            </a:solidFill>
+          </a:ln>
+          <a:effectLst/>
+        </p:spPr>
+        <p:style>
+          <a:lnRef idx="2">
+            <a:schemeClr val="accent1">
+              <a:shade val="50000"/>
+            </a:schemeClr>
+          </a:lnRef>
+          <a:fillRef idx="1">
+            <a:schemeClr val="accent1"/>
+          </a:fillRef>
+          <a:effectRef idx="0">
+            <a:schemeClr val="accent1"/>
+          </a:effectRef>
+          <a:fontRef idx="minor">
+            <a:schemeClr val="lt1"/>
+          </a:fontRef>
+        </p:style>
+        <p:txBody>
+          <a:bodyPr rtlCol="0" anchor="ctr"/>
+          <a:lstStyle/>
+          <a:p>
+            <a:pPr algn="ctr"/>
+            <a:r>
+              <a:rPr lang="en-CN" sz="1050" b="1" dirty="0">
+                <a:solidFill>
+                  <a:schemeClr val="tx1"/>
+                </a:solidFill>
+              </a:rPr>
+              <a:t>Top priority orders </a:t>
+            </a:r>
+          </a:p>
+          <a:p>
+            <a:pPr algn="ctr"/>
+            <a:r>
+              <a:rPr lang="en-CN" sz="1050" b="1" dirty="0">
+                <a:solidFill>
+                  <a:schemeClr val="tx1"/>
+                </a:solidFill>
+              </a:rPr>
+              <a:t>(PR1/2/3, Top100, L4, BUP)</a:t>
+            </a:r>
+          </a:p>
+        </p:txBody>
+      </p:sp>
+      <p:sp>
+        <p:nvSpPr>
+          <p:cNvPr id="6" name="Process 5">
+            <a:extLst>
+              <a:ext uri="{FF2B5EF4-FFF2-40B4-BE49-F238E27FC236}">
+                <a16:creationId xmlns:a16="http://schemas.microsoft.com/office/drawing/2014/main" id="{B2A9436C-26E6-FF49-87DA-5AB04F671D9D}"/>
+              </a:ext>
+            </a:extLst>
+          </p:cNvPr>
+          <p:cNvSpPr/>
+          <p:nvPr/>
+        </p:nvSpPr>
+        <p:spPr>
+          <a:xfrm>
+            <a:off x="7234923" y="1701438"/>
+            <a:ext cx="1400505" cy="614849"/>
+          </a:xfrm>
+          <a:prstGeom prst="flowChartProcess">
+            <a:avLst/>
+          </a:prstGeom>
+          <a:noFill/>
+          <a:ln>
+            <a:solidFill>
+              <a:schemeClr val="tx1"/>
+            </a:solidFill>
+          </a:ln>
+          <a:effectLst/>
+        </p:spPr>
+        <p:style>
+          <a:lnRef idx="2">
+            <a:schemeClr val="accent1">
+              <a:shade val="50000"/>
+            </a:schemeClr>
+          </a:lnRef>
+          <a:fillRef idx="1">
+            <a:schemeClr val="accent1"/>
+          </a:fillRef>
+          <a:effectRef idx="0">
+            <a:schemeClr val="accent1"/>
+          </a:effectRef>
+          <a:fontRef idx="minor">
+            <a:schemeClr val="lt1"/>
+          </a:fontRef>
+        </p:style>
+        <p:txBody>
+          <a:bodyPr rtlCol="0" anchor="ctr"/>
+          <a:lstStyle/>
+          <a:p>
+            <a:pPr algn="ctr"/>
+            <a:r>
+              <a:rPr lang="en-US" sz="1050" b="1" dirty="0">
+                <a:solidFill>
+                  <a:schemeClr val="tx1"/>
+                </a:solidFill>
+              </a:rPr>
+              <a:t>Order qty</a:t>
+            </a:r>
+            <a:endParaRPr lang="en-CN" sz="1050" dirty="0">
+              <a:solidFill>
+                <a:schemeClr val="tx1"/>
+              </a:solidFill>
+            </a:endParaRPr>
+          </a:p>
+        </p:txBody>
+      </p:sp>
+      <p:sp>
+        <p:nvSpPr>
+          <p:cNvPr id="8" name="TextBox 7">
+            <a:extLst>
+              <a:ext uri="{FF2B5EF4-FFF2-40B4-BE49-F238E27FC236}">
+                <a16:creationId xmlns:a16="http://schemas.microsoft.com/office/drawing/2014/main" id="{819C706F-00EC-E749-B9C0-51384C650EA0}"/>
+              </a:ext>
+            </a:extLst>
+          </p:cNvPr>
+          <p:cNvSpPr txBox="1"/>
+          <p:nvPr/>
+        </p:nvSpPr>
+        <p:spPr>
+          <a:xfrm>
+            <a:off x="1344716" y="4114073"/>
+            <a:ext cx="8164285" cy="738664"/>
+          </a:xfrm>
+          <a:prstGeom prst="rect">
+            <a:avLst/>
+          </a:prstGeom>
+          <a:noFill/>
+        </p:spPr>
+        <p:txBody>
+          <a:bodyPr wrap="square" rtlCol="0">
+            <a:spAutoFit/>
+          </a:bodyPr>
+          <a:lstStyle/>
+          <a:p>
+            <a:r>
+              <a:rPr lang="en-CN" sz="1400" b="1" dirty="0"/>
+              <a:t>Additional considerations:</a:t>
+            </a:r>
+          </a:p>
+          <a:p>
+            <a:pPr marL="285750" indent="-285750">
+              <a:buFont typeface="Arial" panose="020B0604020202020204" pitchFamily="34" charset="0"/>
+              <a:buChar char="•"/>
+            </a:pPr>
+            <a:r>
+              <a:rPr lang="en-US" sz="1400" dirty="0"/>
+              <a:t>D</a:t>
+            </a:r>
+            <a:r>
+              <a:rPr lang="en-CN" sz="1400" dirty="0"/>
+              <a:t>eprioritize MFG hold orders – put behind all other orders</a:t>
+            </a:r>
+          </a:p>
+          <a:p>
+            <a:pPr marL="285750" indent="-285750">
+              <a:buFont typeface="Arial" panose="020B0604020202020204" pitchFamily="34" charset="0"/>
+              <a:buChar char="•"/>
+            </a:pPr>
+            <a:r>
+              <a:rPr lang="en-CN" sz="1400" dirty="0"/>
+              <a:t>DPAS: some under PR7/8 instead of PR1/2/3, recategozied as PR1</a:t>
+            </a:r>
+            <a:endParaRPr lang="en-CN" sz="1400" b="1" dirty="0"/>
+          </a:p>
+        </p:txBody>
+      </p:sp>
+      <p:sp>
+        <p:nvSpPr>
+          <p:cNvPr id="9" name="TextBox 8">
+            <a:extLst>
+              <a:ext uri="{FF2B5EF4-FFF2-40B4-BE49-F238E27FC236}">
+                <a16:creationId xmlns:a16="http://schemas.microsoft.com/office/drawing/2014/main" id="{B14BA020-D561-B648-AE70-6E667593347E}"/>
+              </a:ext>
+            </a:extLst>
+          </p:cNvPr>
+          <p:cNvSpPr txBox="1"/>
+          <p:nvPr/>
+        </p:nvSpPr>
+        <p:spPr>
+          <a:xfrm>
+            <a:off x="3390945" y="2335987"/>
+            <a:ext cx="1554923" cy="461665"/>
+          </a:xfrm>
+          <a:prstGeom prst="rect">
+            <a:avLst/>
+          </a:prstGeom>
+          <a:noFill/>
+        </p:spPr>
+        <p:txBody>
+          <a:bodyPr wrap="square" rtlCol="0">
+            <a:spAutoFit/>
+          </a:bodyPr>
+          <a:lstStyle/>
+          <a:p>
+            <a:pPr algn="ctr"/>
+            <a:r>
+              <a:rPr lang="en-CN" sz="1200" dirty="0"/>
+              <a:t>Prioritize Aged and recommited</a:t>
+            </a:r>
+            <a:r>
+              <a:rPr lang="en-CN" sz="1200" dirty="0">
+                <a:solidFill>
+                  <a:srgbClr val="FF0000"/>
+                </a:solidFill>
+              </a:rPr>
+              <a:t> and YE</a:t>
+            </a:r>
+          </a:p>
+        </p:txBody>
+      </p:sp>
+      <p:sp>
+        <p:nvSpPr>
+          <p:cNvPr id="10" name="Process 9">
+            <a:extLst>
+              <a:ext uri="{FF2B5EF4-FFF2-40B4-BE49-F238E27FC236}">
+                <a16:creationId xmlns:a16="http://schemas.microsoft.com/office/drawing/2014/main" id="{93341E37-5679-154A-BDE3-805DBB290D37}"/>
+              </a:ext>
+            </a:extLst>
+          </p:cNvPr>
+          <p:cNvSpPr/>
+          <p:nvPr/>
+        </p:nvSpPr>
+        <p:spPr>
+          <a:xfrm>
+            <a:off x="3438055" y="1701438"/>
+            <a:ext cx="1400505" cy="593347"/>
+          </a:xfrm>
+          <a:prstGeom prst="flowChartProcess">
+            <a:avLst/>
+          </a:prstGeom>
+          <a:noFill/>
+          <a:ln>
+            <a:solidFill>
+              <a:schemeClr val="tx1"/>
+            </a:solidFill>
+          </a:ln>
+          <a:effectLst/>
+        </p:spPr>
+        <p:style>
+          <a:lnRef idx="2">
+            <a:schemeClr val="accent1">
+              <a:shade val="50000"/>
+            </a:schemeClr>
+          </a:lnRef>
+          <a:fillRef idx="1">
+            <a:schemeClr val="accent1"/>
+          </a:fillRef>
+          <a:effectRef idx="0">
+            <a:schemeClr val="accent1"/>
+          </a:effectRef>
+          <a:fontRef idx="minor">
+            <a:schemeClr val="lt1"/>
+          </a:fontRef>
+        </p:style>
+        <p:txBody>
+          <a:bodyPr rtlCol="0" anchor="ctr"/>
+          <a:lstStyle/>
+          <a:p>
+            <a:pPr algn="ctr"/>
+            <a:r>
+              <a:rPr lang="en-CN" sz="1050" b="1" dirty="0">
+                <a:solidFill>
+                  <a:schemeClr val="tx1"/>
+                </a:solidFill>
+              </a:rPr>
+              <a:t>OSSD</a:t>
+            </a:r>
+          </a:p>
+        </p:txBody>
+      </p:sp>
+      <p:sp>
+        <p:nvSpPr>
+          <p:cNvPr id="11" name="Process 10">
+            <a:extLst>
+              <a:ext uri="{FF2B5EF4-FFF2-40B4-BE49-F238E27FC236}">
+                <a16:creationId xmlns:a16="http://schemas.microsoft.com/office/drawing/2014/main" id="{37E74267-F278-E743-B7DF-DDC61A85D499}"/>
+              </a:ext>
+            </a:extLst>
+          </p:cNvPr>
+          <p:cNvSpPr/>
+          <p:nvPr/>
+        </p:nvSpPr>
+        <p:spPr>
+          <a:xfrm>
+            <a:off x="5336489" y="1701438"/>
+            <a:ext cx="1400506" cy="614849"/>
+          </a:xfrm>
+          <a:prstGeom prst="flowChartProcess">
+            <a:avLst/>
+          </a:prstGeom>
+          <a:noFill/>
+          <a:ln>
+            <a:solidFill>
+              <a:schemeClr val="tx1"/>
+            </a:solidFill>
+          </a:ln>
+          <a:effectLst/>
+        </p:spPr>
+        <p:style>
+          <a:lnRef idx="2">
+            <a:schemeClr val="accent1">
+              <a:shade val="50000"/>
+            </a:schemeClr>
+          </a:lnRef>
+          <a:fillRef idx="1">
+            <a:schemeClr val="accent1"/>
+          </a:fillRef>
+          <a:effectRef idx="0">
+            <a:schemeClr val="accent1"/>
+          </a:effectRef>
+          <a:fontRef idx="minor">
+            <a:schemeClr val="lt1"/>
+          </a:fontRef>
+        </p:style>
+        <p:txBody>
+          <a:bodyPr rtlCol="0" anchor="ctr"/>
+          <a:lstStyle/>
+          <a:p>
+            <a:pPr algn="ctr"/>
+            <a:r>
+              <a:rPr lang="en-CN" sz="1050" b="1" dirty="0">
+                <a:solidFill>
+                  <a:schemeClr val="tx1"/>
+                </a:solidFill>
+              </a:rPr>
+              <a:t>Current FCD</a:t>
+            </a:r>
+          </a:p>
+        </p:txBody>
+      </p:sp>
+      <p:sp>
+        <p:nvSpPr>
+          <p:cNvPr id="12" name="TextBox 11">
+            <a:extLst>
+              <a:ext uri="{FF2B5EF4-FFF2-40B4-BE49-F238E27FC236}">
+                <a16:creationId xmlns:a16="http://schemas.microsoft.com/office/drawing/2014/main" id="{BFDF90D0-B60C-D84D-80FB-5093CE8C2291}"/>
+              </a:ext>
+            </a:extLst>
+          </p:cNvPr>
+          <p:cNvSpPr txBox="1"/>
+          <p:nvPr/>
+        </p:nvSpPr>
+        <p:spPr>
+          <a:xfrm>
+            <a:off x="5233584" y="2335973"/>
+            <a:ext cx="1554923" cy="276999"/>
+          </a:xfrm>
+          <a:prstGeom prst="rect">
+            <a:avLst/>
+          </a:prstGeom>
+          <a:noFill/>
+        </p:spPr>
+        <p:txBody>
+          <a:bodyPr wrap="square" rtlCol="0">
+            <a:spAutoFit/>
+          </a:bodyPr>
+          <a:lstStyle/>
+          <a:p>
+            <a:pPr algn="ctr"/>
+            <a:r>
+              <a:rPr lang="en-CN" sz="1200" dirty="0"/>
+              <a:t>Prioritize earlier FCD</a:t>
+            </a:r>
+          </a:p>
+        </p:txBody>
+      </p:sp>
+      <p:sp>
+        <p:nvSpPr>
+          <p:cNvPr id="13" name="TextBox 12">
+            <a:extLst>
+              <a:ext uri="{FF2B5EF4-FFF2-40B4-BE49-F238E27FC236}">
+                <a16:creationId xmlns:a16="http://schemas.microsoft.com/office/drawing/2014/main" id="{5A778D64-412D-D44E-8ED4-9096215E7FCF}"/>
+              </a:ext>
+            </a:extLst>
+          </p:cNvPr>
+          <p:cNvSpPr txBox="1"/>
+          <p:nvPr/>
+        </p:nvSpPr>
+        <p:spPr>
+          <a:xfrm>
+            <a:off x="9050866" y="2368159"/>
+            <a:ext cx="1554923" cy="276999"/>
+          </a:xfrm>
+          <a:prstGeom prst="rect">
+            <a:avLst/>
+          </a:prstGeom>
+          <a:noFill/>
+        </p:spPr>
+        <p:txBody>
+          <a:bodyPr wrap="square" rtlCol="0">
+            <a:spAutoFit/>
+          </a:bodyPr>
+          <a:lstStyle/>
+          <a:p>
+            <a:pPr algn="ctr"/>
+            <a:r>
+              <a:rPr lang="en-CN" sz="1200" dirty="0"/>
+              <a:t>Prioritize rev order</a:t>
+            </a:r>
+          </a:p>
+        </p:txBody>
+      </p:sp>
+      <p:sp>
+        <p:nvSpPr>
+          <p:cNvPr id="14" name="TextBox 13">
+            <a:extLst>
+              <a:ext uri="{FF2B5EF4-FFF2-40B4-BE49-F238E27FC236}">
+                <a16:creationId xmlns:a16="http://schemas.microsoft.com/office/drawing/2014/main" id="{5A80F245-353C-8141-9177-DD3E68C46ACB}"/>
+              </a:ext>
+            </a:extLst>
+          </p:cNvPr>
+          <p:cNvSpPr txBox="1"/>
+          <p:nvPr/>
+        </p:nvSpPr>
+        <p:spPr>
+          <a:xfrm>
+            <a:off x="1539621" y="2362929"/>
+            <a:ext cx="1400505" cy="1384995"/>
+          </a:xfrm>
+          <a:prstGeom prst="rect">
+            <a:avLst/>
+          </a:prstGeom>
+          <a:noFill/>
+        </p:spPr>
+        <p:txBody>
+          <a:bodyPr wrap="square" rtlCol="0">
+            <a:spAutoFit/>
+          </a:bodyPr>
+          <a:lstStyle/>
+          <a:p>
+            <a:r>
+              <a:rPr lang="en-CN" sz="1200" dirty="0"/>
+              <a:t>Priority number:</a:t>
+            </a:r>
+          </a:p>
+          <a:p>
+            <a:pPr marL="171450" indent="-171450">
+              <a:buFont typeface="Arial" panose="020B0604020202020204" pitchFamily="34" charset="0"/>
+              <a:buChar char="•"/>
+            </a:pPr>
+            <a:r>
+              <a:rPr lang="en-CN" sz="1200" dirty="0"/>
+              <a:t>PR1: 1</a:t>
+            </a:r>
+          </a:p>
+          <a:p>
+            <a:pPr marL="171450" indent="-171450">
+              <a:buFont typeface="Arial" panose="020B0604020202020204" pitchFamily="34" charset="0"/>
+              <a:buChar char="•"/>
+            </a:pPr>
+            <a:r>
+              <a:rPr lang="en-CN" sz="1200" dirty="0"/>
+              <a:t>PR2: 2</a:t>
+            </a:r>
+          </a:p>
+          <a:p>
+            <a:pPr marL="171450" indent="-171450">
+              <a:buFont typeface="Arial" panose="020B0604020202020204" pitchFamily="34" charset="0"/>
+              <a:buChar char="•"/>
+            </a:pPr>
+            <a:r>
+              <a:rPr lang="en-CN" sz="1200" dirty="0"/>
+              <a:t>PR3: 3</a:t>
+            </a:r>
+          </a:p>
+          <a:p>
+            <a:pPr marL="171450" indent="-171450">
+              <a:buFont typeface="Arial" panose="020B0604020202020204" pitchFamily="34" charset="0"/>
+              <a:buChar char="•"/>
+            </a:pPr>
+            <a:r>
+              <a:rPr lang="en-CN" sz="1200" dirty="0"/>
+              <a:t>Top100: 4</a:t>
+            </a:r>
+          </a:p>
+          <a:p>
+            <a:pPr marL="171450" indent="-171450">
+              <a:buFont typeface="Arial" panose="020B0604020202020204" pitchFamily="34" charset="0"/>
+              <a:buChar char="•"/>
+            </a:pPr>
+            <a:r>
+              <a:rPr lang="en-CN" sz="1200" dirty="0"/>
+              <a:t>L4: 5</a:t>
+            </a:r>
+          </a:p>
+          <a:p>
+            <a:pPr marL="171450" indent="-171450">
+              <a:buFont typeface="Arial" panose="020B0604020202020204" pitchFamily="34" charset="0"/>
+              <a:buChar char="•"/>
+            </a:pPr>
+            <a:r>
+              <a:rPr lang="en-CN" sz="1200" dirty="0"/>
+              <a:t>BUP: 6</a:t>
+            </a:r>
+          </a:p>
+        </p:txBody>
+      </p:sp>
+      <p:cxnSp>
+        <p:nvCxnSpPr>
+          <p:cNvPr id="15" name="Straight Arrow Connector 14">
+            <a:extLst>
+              <a:ext uri="{FF2B5EF4-FFF2-40B4-BE49-F238E27FC236}">
+                <a16:creationId xmlns:a16="http://schemas.microsoft.com/office/drawing/2014/main" id="{A9927850-9911-F345-99CB-25887B94A6BD}"/>
+              </a:ext>
+            </a:extLst>
+          </p:cNvPr>
+          <p:cNvCxnSpPr>
+            <a:cxnSpLocks/>
+            <a:stCxn id="4" idx="3"/>
+            <a:endCxn id="10" idx="1"/>
+          </p:cNvCxnSpPr>
+          <p:nvPr/>
+        </p:nvCxnSpPr>
+        <p:spPr>
+          <a:xfrm>
+            <a:off x="2940126" y="1995417"/>
+            <a:ext cx="497929" cy="2695"/>
+          </a:xfrm>
+          <a:prstGeom prst="straightConnector1">
+            <a:avLst/>
+          </a:prstGeom>
+          <a:ln>
+            <a:tailEnd type="triangle"/>
+          </a:ln>
+        </p:spPr>
+        <p:style>
+          <a:lnRef idx="1">
+            <a:schemeClr val="accent1"/>
+          </a:lnRef>
+          <a:fillRef idx="0">
+            <a:schemeClr val="accent1"/>
+          </a:fillRef>
+          <a:effectRef idx="0">
+            <a:schemeClr val="accent1"/>
+          </a:effectRef>
+          <a:fontRef idx="minor">
+            <a:schemeClr val="tx1"/>
+          </a:fontRef>
+        </p:style>
+      </p:cxnSp>
+      <p:cxnSp>
+        <p:nvCxnSpPr>
+          <p:cNvPr id="16" name="Straight Arrow Connector 15">
+            <a:extLst>
+              <a:ext uri="{FF2B5EF4-FFF2-40B4-BE49-F238E27FC236}">
+                <a16:creationId xmlns:a16="http://schemas.microsoft.com/office/drawing/2014/main" id="{90BC6FC7-CA6D-8F47-AE7E-5F478D65C51C}"/>
+              </a:ext>
+            </a:extLst>
+          </p:cNvPr>
+          <p:cNvCxnSpPr>
+            <a:cxnSpLocks/>
+            <a:stCxn id="10" idx="3"/>
+            <a:endCxn id="11" idx="1"/>
+          </p:cNvCxnSpPr>
+          <p:nvPr/>
+        </p:nvCxnSpPr>
+        <p:spPr>
+          <a:xfrm>
+            <a:off x="4838560" y="1998112"/>
+            <a:ext cx="497929" cy="10751"/>
+          </a:xfrm>
+          <a:prstGeom prst="straightConnector1">
+            <a:avLst/>
+          </a:prstGeom>
+          <a:ln>
+            <a:tailEnd type="triangle"/>
+          </a:ln>
+        </p:spPr>
+        <p:style>
+          <a:lnRef idx="1">
+            <a:schemeClr val="accent1"/>
+          </a:lnRef>
+          <a:fillRef idx="0">
+            <a:schemeClr val="accent1"/>
+          </a:fillRef>
+          <a:effectRef idx="0">
+            <a:schemeClr val="accent1"/>
+          </a:effectRef>
+          <a:fontRef idx="minor">
+            <a:schemeClr val="tx1"/>
+          </a:fontRef>
+        </p:style>
+      </p:cxnSp>
+      <p:cxnSp>
+        <p:nvCxnSpPr>
+          <p:cNvPr id="17" name="Straight Arrow Connector 16">
+            <a:extLst>
+              <a:ext uri="{FF2B5EF4-FFF2-40B4-BE49-F238E27FC236}">
+                <a16:creationId xmlns:a16="http://schemas.microsoft.com/office/drawing/2014/main" id="{069DB8E9-C6FF-ED45-A5BC-2D5608131054}"/>
+              </a:ext>
+            </a:extLst>
+          </p:cNvPr>
+          <p:cNvCxnSpPr>
+            <a:cxnSpLocks/>
+            <a:stCxn id="11" idx="3"/>
+            <a:endCxn id="6" idx="1"/>
+          </p:cNvCxnSpPr>
+          <p:nvPr/>
+        </p:nvCxnSpPr>
+        <p:spPr>
+          <a:xfrm>
+            <a:off x="6736995" y="2008863"/>
+            <a:ext cx="497928" cy="0"/>
+          </a:xfrm>
+          <a:prstGeom prst="straightConnector1">
+            <a:avLst/>
+          </a:prstGeom>
+          <a:ln>
+            <a:tailEnd type="triangle"/>
+          </a:ln>
+        </p:spPr>
+        <p:style>
+          <a:lnRef idx="1">
+            <a:schemeClr val="accent1"/>
+          </a:lnRef>
+          <a:fillRef idx="0">
+            <a:schemeClr val="accent1"/>
+          </a:fillRef>
+          <a:effectRef idx="0">
+            <a:schemeClr val="accent1"/>
+          </a:effectRef>
+          <a:fontRef idx="minor">
+            <a:schemeClr val="tx1"/>
+          </a:fontRef>
+        </p:style>
+      </p:cxnSp>
+      <p:sp>
+        <p:nvSpPr>
+          <p:cNvPr id="18" name="Process 17">
+            <a:extLst>
+              <a:ext uri="{FF2B5EF4-FFF2-40B4-BE49-F238E27FC236}">
+                <a16:creationId xmlns:a16="http://schemas.microsoft.com/office/drawing/2014/main" id="{83B557F9-72D0-B74F-8B6C-CC70362ACA73}"/>
+              </a:ext>
+            </a:extLst>
+          </p:cNvPr>
+          <p:cNvSpPr/>
+          <p:nvPr/>
+        </p:nvSpPr>
+        <p:spPr>
+          <a:xfrm>
+            <a:off x="9128076" y="1701438"/>
+            <a:ext cx="1400505" cy="614849"/>
+          </a:xfrm>
+          <a:prstGeom prst="flowChartProcess">
+            <a:avLst/>
+          </a:prstGeom>
+          <a:noFill/>
+          <a:ln>
+            <a:solidFill>
+              <a:schemeClr val="tx1"/>
+            </a:solidFill>
+          </a:ln>
+          <a:effectLst/>
+        </p:spPr>
+        <p:style>
+          <a:lnRef idx="2">
+            <a:schemeClr val="accent1">
+              <a:shade val="50000"/>
+            </a:schemeClr>
+          </a:lnRef>
+          <a:fillRef idx="1">
+            <a:schemeClr val="accent1"/>
+          </a:fillRef>
+          <a:effectRef idx="0">
+            <a:schemeClr val="accent1"/>
+          </a:effectRef>
+          <a:fontRef idx="minor">
+            <a:schemeClr val="lt1"/>
+          </a:fontRef>
+        </p:style>
+        <p:txBody>
+          <a:bodyPr rtlCol="0" anchor="ctr"/>
+          <a:lstStyle/>
+          <a:p>
+            <a:pPr algn="ctr"/>
+            <a:r>
+              <a:rPr lang="en-US" sz="1050" b="1" dirty="0">
+                <a:solidFill>
+                  <a:schemeClr val="tx1"/>
+                </a:solidFill>
+              </a:rPr>
+              <a:t>Rev/non-rev</a:t>
+            </a:r>
+            <a:endParaRPr lang="en-CN" sz="1050" dirty="0">
+              <a:solidFill>
+                <a:schemeClr val="tx1"/>
+              </a:solidFill>
+            </a:endParaRPr>
+          </a:p>
+        </p:txBody>
+      </p:sp>
+      <p:sp>
+        <p:nvSpPr>
+          <p:cNvPr id="19" name="TextBox 18">
+            <a:extLst>
+              <a:ext uri="{FF2B5EF4-FFF2-40B4-BE49-F238E27FC236}">
+                <a16:creationId xmlns:a16="http://schemas.microsoft.com/office/drawing/2014/main" id="{2F737487-4D4B-E649-8643-28C2685770E8}"/>
+              </a:ext>
+            </a:extLst>
+          </p:cNvPr>
+          <p:cNvSpPr txBox="1"/>
+          <p:nvPr/>
+        </p:nvSpPr>
+        <p:spPr>
+          <a:xfrm>
+            <a:off x="7297850" y="2362929"/>
+            <a:ext cx="1405477" cy="461665"/>
+          </a:xfrm>
+          <a:prstGeom prst="rect">
+            <a:avLst/>
+          </a:prstGeom>
+          <a:noFill/>
+        </p:spPr>
+        <p:txBody>
+          <a:bodyPr wrap="square" rtlCol="0">
+            <a:spAutoFit/>
+          </a:bodyPr>
+          <a:lstStyle/>
+          <a:p>
+            <a:pPr algn="ctr"/>
+            <a:r>
+              <a:rPr lang="en-CN" sz="1200" dirty="0"/>
+              <a:t>Prioritize smaller qty order</a:t>
+            </a:r>
+          </a:p>
+        </p:txBody>
+      </p:sp>
+      <p:cxnSp>
+        <p:nvCxnSpPr>
+          <p:cNvPr id="20" name="Straight Arrow Connector 19">
+            <a:extLst>
+              <a:ext uri="{FF2B5EF4-FFF2-40B4-BE49-F238E27FC236}">
+                <a16:creationId xmlns:a16="http://schemas.microsoft.com/office/drawing/2014/main" id="{136E01A9-C166-744A-8AC4-D78B27B6A9B6}"/>
+              </a:ext>
+            </a:extLst>
+          </p:cNvPr>
+          <p:cNvCxnSpPr>
+            <a:cxnSpLocks/>
+            <a:endCxn id="18" idx="1"/>
+          </p:cNvCxnSpPr>
+          <p:nvPr/>
+        </p:nvCxnSpPr>
+        <p:spPr>
+          <a:xfrm>
+            <a:off x="8635428" y="2003487"/>
+            <a:ext cx="492648" cy="5376"/>
+          </a:xfrm>
+          <a:prstGeom prst="straightConnector1">
+            <a:avLst/>
+          </a:prstGeom>
+          <a:ln>
+            <a:tailEnd type="triangle"/>
+          </a:ln>
+        </p:spPr>
+        <p:style>
+          <a:lnRef idx="1">
+            <a:schemeClr val="accent1"/>
+          </a:lnRef>
+          <a:fillRef idx="0">
+            <a:schemeClr val="accent1"/>
+          </a:fillRef>
+          <a:effectRef idx="0">
+            <a:schemeClr val="accent1"/>
+          </a:effectRef>
+          <a:fontRef idx="minor">
+            <a:schemeClr val="tx1"/>
+          </a:fontRef>
+        </p:style>
+      </p:cxnSp>
+      <p:sp>
+        <p:nvSpPr>
+          <p:cNvPr id="2" name="TextBox 1">
+            <a:extLst>
+              <a:ext uri="{FF2B5EF4-FFF2-40B4-BE49-F238E27FC236}">
+                <a16:creationId xmlns:a16="http://schemas.microsoft.com/office/drawing/2014/main" id="{97B6BEF5-7520-8640-AE8B-22D6C75462C2}"/>
+              </a:ext>
+            </a:extLst>
+          </p:cNvPr>
+          <p:cNvSpPr txBox="1"/>
+          <p:nvPr/>
+        </p:nvSpPr>
+        <p:spPr>
+          <a:xfrm>
+            <a:off x="3445748" y="1399349"/>
+            <a:ext cx="3316614" cy="307777"/>
+          </a:xfrm>
+          <a:prstGeom prst="rect">
+            <a:avLst/>
+          </a:prstGeom>
+          <a:noFill/>
+        </p:spPr>
+        <p:txBody>
+          <a:bodyPr wrap="none" rtlCol="0">
+            <a:spAutoFit/>
+          </a:bodyPr>
+          <a:lstStyle/>
+          <a:p>
+            <a:r>
+              <a:rPr lang="en-CN" sz="1400" dirty="0"/>
+              <a:t>(date offset by PCBA to DF transit time)</a:t>
+            </a:r>
+          </a:p>
+        </p:txBody>
+      </p:sp>
+      <p:sp>
+        <p:nvSpPr>
+          <p:cNvPr id="3" name="TextBox 2">
+            <a:extLst>
+              <a:ext uri="{FF2B5EF4-FFF2-40B4-BE49-F238E27FC236}">
+                <a16:creationId xmlns:a16="http://schemas.microsoft.com/office/drawing/2014/main" id="{FCB1C6AC-07E7-834E-BDAC-006E77878B95}"/>
+              </a:ext>
+            </a:extLst>
+          </p:cNvPr>
+          <p:cNvSpPr txBox="1"/>
+          <p:nvPr/>
+        </p:nvSpPr>
+        <p:spPr>
+          <a:xfrm>
+            <a:off x="1344716" y="4983107"/>
+            <a:ext cx="9816662" cy="369332"/>
+          </a:xfrm>
+          <a:prstGeom prst="rect">
+            <a:avLst/>
+          </a:prstGeom>
+          <a:noFill/>
+        </p:spPr>
+        <p:txBody>
+          <a:bodyPr wrap="square" rtlCol="0">
+            <a:spAutoFit/>
+          </a:bodyPr>
+          <a:lstStyle/>
+          <a:p>
+            <a:r>
+              <a:rPr lang="en-CN" dirty="0">
+                <a:solidFill>
+                  <a:schemeClr val="accent6">
+                    <a:lumMod val="75000"/>
+                  </a:schemeClr>
+                </a:solidFill>
+              </a:rPr>
+              <a:t>Logic discussed and aligned with all DF managers; PPF team alignment in progress.</a:t>
+            </a:r>
+          </a:p>
+        </p:txBody>
+      </p:sp>
+      <p:sp>
+        <p:nvSpPr>
+          <p:cNvPr id="21" name="Process 20">
+            <a:extLst>
+              <a:ext uri="{FF2B5EF4-FFF2-40B4-BE49-F238E27FC236}">
+                <a16:creationId xmlns:a16="http://schemas.microsoft.com/office/drawing/2014/main" id="{5B904B13-F251-4942-A358-17F47640986B}"/>
+              </a:ext>
+            </a:extLst>
+          </p:cNvPr>
+          <p:cNvSpPr/>
+          <p:nvPr/>
+        </p:nvSpPr>
+        <p:spPr>
+          <a:xfrm>
+            <a:off x="3189090" y="2873680"/>
+            <a:ext cx="1554923" cy="593347"/>
+          </a:xfrm>
+          <a:prstGeom prst="flowChartProcess">
+            <a:avLst/>
+          </a:prstGeom>
+          <a:noFill/>
+          <a:ln>
+            <a:solidFill>
+              <a:srgbClr val="FFC080"/>
+            </a:solidFill>
+          </a:ln>
+          <a:effectLst/>
+        </p:spPr>
+        <p:style>
+          <a:lnRef idx="2">
+            <a:schemeClr val="accent1">
+              <a:shade val="50000"/>
+            </a:schemeClr>
+          </a:lnRef>
+          <a:fillRef idx="1">
+            <a:schemeClr val="accent1"/>
+          </a:fillRef>
+          <a:effectRef idx="0">
+            <a:schemeClr val="accent1"/>
+          </a:effectRef>
+          <a:fontRef idx="minor">
+            <a:schemeClr val="lt1"/>
+          </a:fontRef>
+        </p:style>
+        <p:txBody>
+          <a:bodyPr rtlCol="0" anchor="ctr"/>
+          <a:lstStyle/>
+          <a:p>
+            <a:pPr algn="ctr"/>
+            <a:r>
+              <a:rPr lang="en-CN" sz="1000" dirty="0">
+                <a:solidFill>
+                  <a:srgbClr val="FFC000"/>
+                </a:solidFill>
+              </a:rPr>
+              <a:t>Manual </a:t>
+            </a:r>
+            <a:r>
+              <a:rPr lang="en-CN" sz="1000" b="1" dirty="0">
+                <a:solidFill>
+                  <a:srgbClr val="FFC000"/>
+                </a:solidFill>
+              </a:rPr>
+              <a:t>exceptional</a:t>
+            </a:r>
+            <a:r>
+              <a:rPr lang="en-CN" sz="1000" dirty="0">
+                <a:solidFill>
+                  <a:srgbClr val="FFC000"/>
+                </a:solidFill>
+              </a:rPr>
+              <a:t> priority injection by PSP</a:t>
+            </a:r>
+          </a:p>
+        </p:txBody>
+      </p:sp>
+      <p:cxnSp>
+        <p:nvCxnSpPr>
+          <p:cNvPr id="22" name="Elbow Connector 21">
+            <a:extLst>
+              <a:ext uri="{FF2B5EF4-FFF2-40B4-BE49-F238E27FC236}">
+                <a16:creationId xmlns:a16="http://schemas.microsoft.com/office/drawing/2014/main" id="{F0F6E11C-96E1-B24E-AB12-562588E92669}"/>
+              </a:ext>
+            </a:extLst>
+          </p:cNvPr>
+          <p:cNvCxnSpPr>
+            <a:cxnSpLocks/>
+            <a:stCxn id="21" idx="1"/>
+          </p:cNvCxnSpPr>
+          <p:nvPr/>
+        </p:nvCxnSpPr>
+        <p:spPr>
+          <a:xfrm rot="10800000">
+            <a:off x="2806262" y="2325236"/>
+            <a:ext cx="382828" cy="845118"/>
+          </a:xfrm>
+          <a:prstGeom prst="bentConnector2">
+            <a:avLst/>
+          </a:prstGeom>
+          <a:ln>
+            <a:solidFill>
+              <a:srgbClr val="FFC080"/>
+            </a:solidFill>
+            <a:tailEnd type="triangle"/>
+          </a:ln>
+        </p:spPr>
+        <p:style>
+          <a:lnRef idx="1">
+            <a:schemeClr val="accent1"/>
+          </a:lnRef>
+          <a:fillRef idx="0">
+            <a:schemeClr val="accent1"/>
+          </a:fillRef>
+          <a:effectRef idx="0">
+            <a:schemeClr val="accent1"/>
+          </a:effectRef>
+          <a:fontRef idx="minor">
+            <a:schemeClr val="tx1"/>
+          </a:fontRef>
+        </p:style>
+      </p:cxnSp>
+      <p:sp>
+        <p:nvSpPr>
+          <p:cNvPr id="24" name="TextBox 23">
+            <a:extLst>
+              <a:ext uri="{FF2B5EF4-FFF2-40B4-BE49-F238E27FC236}">
+                <a16:creationId xmlns:a16="http://schemas.microsoft.com/office/drawing/2014/main" id="{F876017D-9B15-1A42-BDFB-3D7E0E9D2516}"/>
+              </a:ext>
+            </a:extLst>
+          </p:cNvPr>
+          <p:cNvSpPr txBox="1"/>
+          <p:nvPr/>
+        </p:nvSpPr>
+        <p:spPr>
+          <a:xfrm>
+            <a:off x="1361538" y="5676730"/>
+            <a:ext cx="10349467" cy="769441"/>
+          </a:xfrm>
+          <a:prstGeom prst="rect">
+            <a:avLst/>
+          </a:prstGeom>
+          <a:solidFill>
+            <a:schemeClr val="bg1"/>
+          </a:solidFill>
+        </p:spPr>
+        <p:txBody>
+          <a:bodyPr wrap="square" rtlCol="0">
+            <a:spAutoFit/>
+          </a:bodyPr>
+          <a:lstStyle/>
+          <a:p>
+            <a:r>
+              <a:rPr lang="en-CN" sz="1600" dirty="0"/>
+              <a:t>Note: </a:t>
+            </a:r>
+          </a:p>
+          <a:p>
+            <a:pPr marL="171450" indent="-171450">
+              <a:buFont typeface="Arial" panose="020B0604020202020204" pitchFamily="34" charset="0"/>
+              <a:buChar char="•"/>
+            </a:pPr>
+            <a:r>
+              <a:rPr lang="en-CN" sz="1400" dirty="0"/>
+              <a:t>Minor change on the logic to put order qty ahead of rev/non-rev compare with initial version reviewed with DF managers</a:t>
+            </a:r>
+          </a:p>
+          <a:p>
+            <a:pPr marL="171450" indent="-171450">
+              <a:buFont typeface="Arial" panose="020B0604020202020204" pitchFamily="34" charset="0"/>
+              <a:buChar char="•"/>
+            </a:pPr>
+            <a:r>
+              <a:rPr lang="en-CN" sz="1400" dirty="0"/>
+              <a:t>We will continue to review if different logic should be put in for different situation (e.g. qend, or even different BU if we should)</a:t>
+            </a:r>
+          </a:p>
+        </p:txBody>
+      </p:sp>
+    </p:spTree>
+    <p:extLst>
+      <p:ext uri="{BB962C8B-B14F-4D97-AF65-F5344CB8AC3E}">
+        <p14:creationId xmlns:p14="http://schemas.microsoft.com/office/powerpoint/2010/main" val="696312626"/>
+      </p:ext>
+    </p:extLst>
+  </p:cSld>
+  <p:clrMapOvr>
+    <a:masterClrMapping/>
+  </p:clrMapOvr>
+  <p:transition spd="med">
+    <p:fade/>
+  </p:transition>
+</p:sld>
+</file>
+
+<file path=ppt/slides/slide6.xml><?xml version="1.0" encoding="utf-8"?>
+<p:sld xmlns:a="http://schemas.openxmlformats.org/drawingml/2006/main" xmlns:r="http://schemas.openxmlformats.org/officeDocument/2006/relationships" xmlns:p="http://schemas.openxmlformats.org/presentationml/2006/main">
+  <p:cSld>
+    <p:spTree>
+      <p:nvGrpSpPr>
+        <p:cNvPr id="1" name=""/>
+        <p:cNvGrpSpPr/>
+        <p:nvPr/>
+      </p:nvGrpSpPr>
+      <p:grpSpPr>
+        <a:xfrm>
+          <a:off x="0" y="0"/>
+          <a:ext cx="0" cy="0"/>
+          <a:chOff x="0" y="0"/>
+          <a:chExt cx="0" cy="0"/>
+        </a:xfrm>
+      </p:grpSpPr>
+      <p:sp>
+        <p:nvSpPr>
           <p:cNvPr id="2" name="Title 1">
             <a:extLst>
               <a:ext uri="{FF2B5EF4-FFF2-40B4-BE49-F238E27FC236}">
@@ -23155,7 +24270,7 @@
 </p:sld>
 </file>
 
-<file path=ppt/slides/slide6.xml><?xml version="1.0" encoding="utf-8"?>
+<file path=ppt/slides/slide7.xml><?xml version="1.0" encoding="utf-8"?>
 <p:sld xmlns:a="http://schemas.openxmlformats.org/drawingml/2006/main" xmlns:r="http://schemas.openxmlformats.org/officeDocument/2006/relationships" xmlns:p="http://schemas.openxmlformats.org/presentationml/2006/main">
   <p:cSld>
     <p:spTree>
@@ -24317,7 +25432,7 @@
 </p:sld>
 </file>
 
-<file path=ppt/slides/slide7.xml><?xml version="1.0" encoding="utf-8"?>
+<file path=ppt/slides/slide8.xml><?xml version="1.0" encoding="utf-8"?>
 <p:sld xmlns:a="http://schemas.openxmlformats.org/drawingml/2006/main" xmlns:r="http://schemas.openxmlformats.org/officeDocument/2006/relationships" xmlns:p="http://schemas.openxmlformats.org/presentationml/2006/main">
   <p:cSld>
     <p:spTree>
@@ -24484,7 +25599,7 @@
 </p:sld>
 </file>
 
-<file path=ppt/slides/slide8.xml><?xml version="1.0" encoding="utf-8"?>
+<file path=ppt/slides/slide9.xml><?xml version="1.0" encoding="utf-8"?>
 <p:sld xmlns:a="http://schemas.openxmlformats.org/drawingml/2006/main" xmlns:r="http://schemas.openxmlformats.org/officeDocument/2006/relationships" xmlns:p="http://schemas.openxmlformats.org/presentationml/2006/main">
   <p:cSld>
     <p:spTree>

--- a/PCBA allocation procedure and logic - Nov 12.pptx
+++ b/PCBA allocation procedure and logic - Nov 12.pptx
@@ -12,8 +12,8 @@
     <p:sldId id="291" r:id="rId3"/>
     <p:sldId id="290" r:id="rId4"/>
     <p:sldId id="285" r:id="rId5"/>
-    <p:sldId id="292" r:id="rId6"/>
-    <p:sldId id="281" r:id="rId7"/>
+    <p:sldId id="281" r:id="rId6"/>
+    <p:sldId id="879" r:id="rId7"/>
     <p:sldId id="286" r:id="rId8"/>
     <p:sldId id="288" r:id="rId9"/>
     <p:sldId id="287" r:id="rId10"/>
@@ -235,7 +235,7 @@
           <a:p>
             <a:fld id="{055D18FD-D4CC-4163-B221-261AEA246121}" type="datetimeFigureOut">
               <a:rPr lang="en-US" smtClean="0"/>
-              <a:t>11/16/20</a:t>
+              <a:t>11/19/20</a:t>
             </a:fld>
             <a:endParaRPr lang="en-US"/>
           </a:p>
@@ -21577,1120 +21577,6 @@
       </p:grpSpPr>
       <p:sp>
         <p:nvSpPr>
-          <p:cNvPr id="5" name="Title 4">
-            <a:extLst>
-              <a:ext uri="{FF2B5EF4-FFF2-40B4-BE49-F238E27FC236}">
-                <a16:creationId xmlns:a16="http://schemas.microsoft.com/office/drawing/2014/main" id="{4B98497C-EAEA-9648-9D7B-2E8DF126FE86}"/>
-              </a:ext>
-            </a:extLst>
-          </p:cNvPr>
-          <p:cNvSpPr>
-            <a:spLocks noGrp="1"/>
-          </p:cNvSpPr>
-          <p:nvPr>
-            <p:ph type="title"/>
-          </p:nvPr>
-        </p:nvSpPr>
-        <p:spPr/>
-        <p:txBody>
-          <a:bodyPr/>
-          <a:lstStyle/>
-          <a:p>
-            <a:r>
-              <a:rPr lang="en-CN" dirty="0"/>
-              <a:t>Order Ranking Logic – under update</a:t>
-            </a:r>
-          </a:p>
-        </p:txBody>
-      </p:sp>
-      <p:sp>
-        <p:nvSpPr>
-          <p:cNvPr id="4" name="Process 3">
-            <a:extLst>
-              <a:ext uri="{FF2B5EF4-FFF2-40B4-BE49-F238E27FC236}">
-                <a16:creationId xmlns:a16="http://schemas.microsoft.com/office/drawing/2014/main" id="{3F05ACD7-DD48-6740-B25F-3B54D9E9C072}"/>
-              </a:ext>
-            </a:extLst>
-          </p:cNvPr>
-          <p:cNvSpPr/>
-          <p:nvPr/>
-        </p:nvSpPr>
-        <p:spPr>
-          <a:xfrm>
-            <a:off x="1539621" y="1681239"/>
-            <a:ext cx="1400505" cy="628355"/>
-          </a:xfrm>
-          <a:prstGeom prst="flowChartProcess">
-            <a:avLst/>
-          </a:prstGeom>
-          <a:noFill/>
-          <a:ln>
-            <a:solidFill>
-              <a:schemeClr val="tx1"/>
-            </a:solidFill>
-          </a:ln>
-          <a:effectLst/>
-        </p:spPr>
-        <p:style>
-          <a:lnRef idx="2">
-            <a:schemeClr val="accent1">
-              <a:shade val="50000"/>
-            </a:schemeClr>
-          </a:lnRef>
-          <a:fillRef idx="1">
-            <a:schemeClr val="accent1"/>
-          </a:fillRef>
-          <a:effectRef idx="0">
-            <a:schemeClr val="accent1"/>
-          </a:effectRef>
-          <a:fontRef idx="minor">
-            <a:schemeClr val="lt1"/>
-          </a:fontRef>
-        </p:style>
-        <p:txBody>
-          <a:bodyPr rtlCol="0" anchor="ctr"/>
-          <a:lstStyle/>
-          <a:p>
-            <a:pPr algn="ctr"/>
-            <a:r>
-              <a:rPr lang="en-CN" sz="1050" b="1" dirty="0">
-                <a:solidFill>
-                  <a:schemeClr val="tx1"/>
-                </a:solidFill>
-              </a:rPr>
-              <a:t>Top priority orders </a:t>
-            </a:r>
-          </a:p>
-          <a:p>
-            <a:pPr algn="ctr"/>
-            <a:r>
-              <a:rPr lang="en-CN" sz="1050" b="1" dirty="0">
-                <a:solidFill>
-                  <a:schemeClr val="tx1"/>
-                </a:solidFill>
-              </a:rPr>
-              <a:t>(PR1/2/3, Top100, L4, BUP)</a:t>
-            </a:r>
-          </a:p>
-        </p:txBody>
-      </p:sp>
-      <p:sp>
-        <p:nvSpPr>
-          <p:cNvPr id="6" name="Process 5">
-            <a:extLst>
-              <a:ext uri="{FF2B5EF4-FFF2-40B4-BE49-F238E27FC236}">
-                <a16:creationId xmlns:a16="http://schemas.microsoft.com/office/drawing/2014/main" id="{B2A9436C-26E6-FF49-87DA-5AB04F671D9D}"/>
-              </a:ext>
-            </a:extLst>
-          </p:cNvPr>
-          <p:cNvSpPr/>
-          <p:nvPr/>
-        </p:nvSpPr>
-        <p:spPr>
-          <a:xfrm>
-            <a:off x="7234923" y="1701438"/>
-            <a:ext cx="1400505" cy="614849"/>
-          </a:xfrm>
-          <a:prstGeom prst="flowChartProcess">
-            <a:avLst/>
-          </a:prstGeom>
-          <a:noFill/>
-          <a:ln>
-            <a:solidFill>
-              <a:schemeClr val="tx1"/>
-            </a:solidFill>
-          </a:ln>
-          <a:effectLst/>
-        </p:spPr>
-        <p:style>
-          <a:lnRef idx="2">
-            <a:schemeClr val="accent1">
-              <a:shade val="50000"/>
-            </a:schemeClr>
-          </a:lnRef>
-          <a:fillRef idx="1">
-            <a:schemeClr val="accent1"/>
-          </a:fillRef>
-          <a:effectRef idx="0">
-            <a:schemeClr val="accent1"/>
-          </a:effectRef>
-          <a:fontRef idx="minor">
-            <a:schemeClr val="lt1"/>
-          </a:fontRef>
-        </p:style>
-        <p:txBody>
-          <a:bodyPr rtlCol="0" anchor="ctr"/>
-          <a:lstStyle/>
-          <a:p>
-            <a:pPr algn="ctr"/>
-            <a:r>
-              <a:rPr lang="en-US" sz="1050" b="1" dirty="0">
-                <a:solidFill>
-                  <a:schemeClr val="tx1"/>
-                </a:solidFill>
-              </a:rPr>
-              <a:t>Order qty</a:t>
-            </a:r>
-            <a:endParaRPr lang="en-CN" sz="1050" dirty="0">
-              <a:solidFill>
-                <a:schemeClr val="tx1"/>
-              </a:solidFill>
-            </a:endParaRPr>
-          </a:p>
-        </p:txBody>
-      </p:sp>
-      <p:sp>
-        <p:nvSpPr>
-          <p:cNvPr id="8" name="TextBox 7">
-            <a:extLst>
-              <a:ext uri="{FF2B5EF4-FFF2-40B4-BE49-F238E27FC236}">
-                <a16:creationId xmlns:a16="http://schemas.microsoft.com/office/drawing/2014/main" id="{819C706F-00EC-E749-B9C0-51384C650EA0}"/>
-              </a:ext>
-            </a:extLst>
-          </p:cNvPr>
-          <p:cNvSpPr txBox="1"/>
-          <p:nvPr/>
-        </p:nvSpPr>
-        <p:spPr>
-          <a:xfrm>
-            <a:off x="1344716" y="4114073"/>
-            <a:ext cx="8164285" cy="738664"/>
-          </a:xfrm>
-          <a:prstGeom prst="rect">
-            <a:avLst/>
-          </a:prstGeom>
-          <a:noFill/>
-        </p:spPr>
-        <p:txBody>
-          <a:bodyPr wrap="square" rtlCol="0">
-            <a:spAutoFit/>
-          </a:bodyPr>
-          <a:lstStyle/>
-          <a:p>
-            <a:r>
-              <a:rPr lang="en-CN" sz="1400" b="1" dirty="0"/>
-              <a:t>Additional considerations:</a:t>
-            </a:r>
-          </a:p>
-          <a:p>
-            <a:pPr marL="285750" indent="-285750">
-              <a:buFont typeface="Arial" panose="020B0604020202020204" pitchFamily="34" charset="0"/>
-              <a:buChar char="•"/>
-            </a:pPr>
-            <a:r>
-              <a:rPr lang="en-US" sz="1400" dirty="0"/>
-              <a:t>D</a:t>
-            </a:r>
-            <a:r>
-              <a:rPr lang="en-CN" sz="1400" dirty="0"/>
-              <a:t>eprioritize MFG hold orders – put behind all other orders</a:t>
-            </a:r>
-          </a:p>
-          <a:p>
-            <a:pPr marL="285750" indent="-285750">
-              <a:buFont typeface="Arial" panose="020B0604020202020204" pitchFamily="34" charset="0"/>
-              <a:buChar char="•"/>
-            </a:pPr>
-            <a:r>
-              <a:rPr lang="en-CN" sz="1400" dirty="0"/>
-              <a:t>DPAS: some under PR7/8 instead of PR1/2/3, recategozied as PR1</a:t>
-            </a:r>
-            <a:endParaRPr lang="en-CN" sz="1400" b="1" dirty="0"/>
-          </a:p>
-        </p:txBody>
-      </p:sp>
-      <p:sp>
-        <p:nvSpPr>
-          <p:cNvPr id="9" name="TextBox 8">
-            <a:extLst>
-              <a:ext uri="{FF2B5EF4-FFF2-40B4-BE49-F238E27FC236}">
-                <a16:creationId xmlns:a16="http://schemas.microsoft.com/office/drawing/2014/main" id="{B14BA020-D561-B648-AE70-6E667593347E}"/>
-              </a:ext>
-            </a:extLst>
-          </p:cNvPr>
-          <p:cNvSpPr txBox="1"/>
-          <p:nvPr/>
-        </p:nvSpPr>
-        <p:spPr>
-          <a:xfrm>
-            <a:off x="3390945" y="2335987"/>
-            <a:ext cx="1554923" cy="461665"/>
-          </a:xfrm>
-          <a:prstGeom prst="rect">
-            <a:avLst/>
-          </a:prstGeom>
-          <a:noFill/>
-        </p:spPr>
-        <p:txBody>
-          <a:bodyPr wrap="square" rtlCol="0">
-            <a:spAutoFit/>
-          </a:bodyPr>
-          <a:lstStyle/>
-          <a:p>
-            <a:pPr algn="ctr"/>
-            <a:r>
-              <a:rPr lang="en-CN" sz="1200" dirty="0"/>
-              <a:t>Prioritize Aged and recommited</a:t>
-            </a:r>
-            <a:r>
-              <a:rPr lang="en-CN" sz="1200" dirty="0">
-                <a:solidFill>
-                  <a:srgbClr val="FF0000"/>
-                </a:solidFill>
-              </a:rPr>
-              <a:t> and YE</a:t>
-            </a:r>
-          </a:p>
-        </p:txBody>
-      </p:sp>
-      <p:sp>
-        <p:nvSpPr>
-          <p:cNvPr id="10" name="Process 9">
-            <a:extLst>
-              <a:ext uri="{FF2B5EF4-FFF2-40B4-BE49-F238E27FC236}">
-                <a16:creationId xmlns:a16="http://schemas.microsoft.com/office/drawing/2014/main" id="{93341E37-5679-154A-BDE3-805DBB290D37}"/>
-              </a:ext>
-            </a:extLst>
-          </p:cNvPr>
-          <p:cNvSpPr/>
-          <p:nvPr/>
-        </p:nvSpPr>
-        <p:spPr>
-          <a:xfrm>
-            <a:off x="3438055" y="1701438"/>
-            <a:ext cx="1400505" cy="593347"/>
-          </a:xfrm>
-          <a:prstGeom prst="flowChartProcess">
-            <a:avLst/>
-          </a:prstGeom>
-          <a:noFill/>
-          <a:ln>
-            <a:solidFill>
-              <a:schemeClr val="tx1"/>
-            </a:solidFill>
-          </a:ln>
-          <a:effectLst/>
-        </p:spPr>
-        <p:style>
-          <a:lnRef idx="2">
-            <a:schemeClr val="accent1">
-              <a:shade val="50000"/>
-            </a:schemeClr>
-          </a:lnRef>
-          <a:fillRef idx="1">
-            <a:schemeClr val="accent1"/>
-          </a:fillRef>
-          <a:effectRef idx="0">
-            <a:schemeClr val="accent1"/>
-          </a:effectRef>
-          <a:fontRef idx="minor">
-            <a:schemeClr val="lt1"/>
-          </a:fontRef>
-        </p:style>
-        <p:txBody>
-          <a:bodyPr rtlCol="0" anchor="ctr"/>
-          <a:lstStyle/>
-          <a:p>
-            <a:pPr algn="ctr"/>
-            <a:r>
-              <a:rPr lang="en-CN" sz="1050" b="1" dirty="0">
-                <a:solidFill>
-                  <a:schemeClr val="tx1"/>
-                </a:solidFill>
-              </a:rPr>
-              <a:t>OSSD</a:t>
-            </a:r>
-          </a:p>
-        </p:txBody>
-      </p:sp>
-      <p:sp>
-        <p:nvSpPr>
-          <p:cNvPr id="11" name="Process 10">
-            <a:extLst>
-              <a:ext uri="{FF2B5EF4-FFF2-40B4-BE49-F238E27FC236}">
-                <a16:creationId xmlns:a16="http://schemas.microsoft.com/office/drawing/2014/main" id="{37E74267-F278-E743-B7DF-DDC61A85D499}"/>
-              </a:ext>
-            </a:extLst>
-          </p:cNvPr>
-          <p:cNvSpPr/>
-          <p:nvPr/>
-        </p:nvSpPr>
-        <p:spPr>
-          <a:xfrm>
-            <a:off x="5336489" y="1701438"/>
-            <a:ext cx="1400506" cy="614849"/>
-          </a:xfrm>
-          <a:prstGeom prst="flowChartProcess">
-            <a:avLst/>
-          </a:prstGeom>
-          <a:noFill/>
-          <a:ln>
-            <a:solidFill>
-              <a:schemeClr val="tx1"/>
-            </a:solidFill>
-          </a:ln>
-          <a:effectLst/>
-        </p:spPr>
-        <p:style>
-          <a:lnRef idx="2">
-            <a:schemeClr val="accent1">
-              <a:shade val="50000"/>
-            </a:schemeClr>
-          </a:lnRef>
-          <a:fillRef idx="1">
-            <a:schemeClr val="accent1"/>
-          </a:fillRef>
-          <a:effectRef idx="0">
-            <a:schemeClr val="accent1"/>
-          </a:effectRef>
-          <a:fontRef idx="minor">
-            <a:schemeClr val="lt1"/>
-          </a:fontRef>
-        </p:style>
-        <p:txBody>
-          <a:bodyPr rtlCol="0" anchor="ctr"/>
-          <a:lstStyle/>
-          <a:p>
-            <a:pPr algn="ctr"/>
-            <a:r>
-              <a:rPr lang="en-CN" sz="1050" b="1" dirty="0">
-                <a:solidFill>
-                  <a:schemeClr val="tx1"/>
-                </a:solidFill>
-              </a:rPr>
-              <a:t>Current FCD</a:t>
-            </a:r>
-          </a:p>
-        </p:txBody>
-      </p:sp>
-      <p:sp>
-        <p:nvSpPr>
-          <p:cNvPr id="12" name="TextBox 11">
-            <a:extLst>
-              <a:ext uri="{FF2B5EF4-FFF2-40B4-BE49-F238E27FC236}">
-                <a16:creationId xmlns:a16="http://schemas.microsoft.com/office/drawing/2014/main" id="{BFDF90D0-B60C-D84D-80FB-5093CE8C2291}"/>
-              </a:ext>
-            </a:extLst>
-          </p:cNvPr>
-          <p:cNvSpPr txBox="1"/>
-          <p:nvPr/>
-        </p:nvSpPr>
-        <p:spPr>
-          <a:xfrm>
-            <a:off x="5233584" y="2335973"/>
-            <a:ext cx="1554923" cy="276999"/>
-          </a:xfrm>
-          <a:prstGeom prst="rect">
-            <a:avLst/>
-          </a:prstGeom>
-          <a:noFill/>
-        </p:spPr>
-        <p:txBody>
-          <a:bodyPr wrap="square" rtlCol="0">
-            <a:spAutoFit/>
-          </a:bodyPr>
-          <a:lstStyle/>
-          <a:p>
-            <a:pPr algn="ctr"/>
-            <a:r>
-              <a:rPr lang="en-CN" sz="1200" dirty="0"/>
-              <a:t>Prioritize earlier FCD</a:t>
-            </a:r>
-          </a:p>
-        </p:txBody>
-      </p:sp>
-      <p:sp>
-        <p:nvSpPr>
-          <p:cNvPr id="13" name="TextBox 12">
-            <a:extLst>
-              <a:ext uri="{FF2B5EF4-FFF2-40B4-BE49-F238E27FC236}">
-                <a16:creationId xmlns:a16="http://schemas.microsoft.com/office/drawing/2014/main" id="{5A778D64-412D-D44E-8ED4-9096215E7FCF}"/>
-              </a:ext>
-            </a:extLst>
-          </p:cNvPr>
-          <p:cNvSpPr txBox="1"/>
-          <p:nvPr/>
-        </p:nvSpPr>
-        <p:spPr>
-          <a:xfrm>
-            <a:off x="9050866" y="2368159"/>
-            <a:ext cx="1554923" cy="276999"/>
-          </a:xfrm>
-          <a:prstGeom prst="rect">
-            <a:avLst/>
-          </a:prstGeom>
-          <a:noFill/>
-        </p:spPr>
-        <p:txBody>
-          <a:bodyPr wrap="square" rtlCol="0">
-            <a:spAutoFit/>
-          </a:bodyPr>
-          <a:lstStyle/>
-          <a:p>
-            <a:pPr algn="ctr"/>
-            <a:r>
-              <a:rPr lang="en-CN" sz="1200" dirty="0"/>
-              <a:t>Prioritize rev order</a:t>
-            </a:r>
-          </a:p>
-        </p:txBody>
-      </p:sp>
-      <p:sp>
-        <p:nvSpPr>
-          <p:cNvPr id="14" name="TextBox 13">
-            <a:extLst>
-              <a:ext uri="{FF2B5EF4-FFF2-40B4-BE49-F238E27FC236}">
-                <a16:creationId xmlns:a16="http://schemas.microsoft.com/office/drawing/2014/main" id="{5A80F245-353C-8141-9177-DD3E68C46ACB}"/>
-              </a:ext>
-            </a:extLst>
-          </p:cNvPr>
-          <p:cNvSpPr txBox="1"/>
-          <p:nvPr/>
-        </p:nvSpPr>
-        <p:spPr>
-          <a:xfrm>
-            <a:off x="1539621" y="2362929"/>
-            <a:ext cx="1400505" cy="1384995"/>
-          </a:xfrm>
-          <a:prstGeom prst="rect">
-            <a:avLst/>
-          </a:prstGeom>
-          <a:noFill/>
-        </p:spPr>
-        <p:txBody>
-          <a:bodyPr wrap="square" rtlCol="0">
-            <a:spAutoFit/>
-          </a:bodyPr>
-          <a:lstStyle/>
-          <a:p>
-            <a:r>
-              <a:rPr lang="en-CN" sz="1200" dirty="0"/>
-              <a:t>Priority number:</a:t>
-            </a:r>
-          </a:p>
-          <a:p>
-            <a:pPr marL="171450" indent="-171450">
-              <a:buFont typeface="Arial" panose="020B0604020202020204" pitchFamily="34" charset="0"/>
-              <a:buChar char="•"/>
-            </a:pPr>
-            <a:r>
-              <a:rPr lang="en-CN" sz="1200" dirty="0"/>
-              <a:t>PR1: 1</a:t>
-            </a:r>
-          </a:p>
-          <a:p>
-            <a:pPr marL="171450" indent="-171450">
-              <a:buFont typeface="Arial" panose="020B0604020202020204" pitchFamily="34" charset="0"/>
-              <a:buChar char="•"/>
-            </a:pPr>
-            <a:r>
-              <a:rPr lang="en-CN" sz="1200" dirty="0"/>
-              <a:t>PR2: 2</a:t>
-            </a:r>
-          </a:p>
-          <a:p>
-            <a:pPr marL="171450" indent="-171450">
-              <a:buFont typeface="Arial" panose="020B0604020202020204" pitchFamily="34" charset="0"/>
-              <a:buChar char="•"/>
-            </a:pPr>
-            <a:r>
-              <a:rPr lang="en-CN" sz="1200" dirty="0"/>
-              <a:t>PR3: 3</a:t>
-            </a:r>
-          </a:p>
-          <a:p>
-            <a:pPr marL="171450" indent="-171450">
-              <a:buFont typeface="Arial" panose="020B0604020202020204" pitchFamily="34" charset="0"/>
-              <a:buChar char="•"/>
-            </a:pPr>
-            <a:r>
-              <a:rPr lang="en-CN" sz="1200" dirty="0"/>
-              <a:t>Top100: 4</a:t>
-            </a:r>
-          </a:p>
-          <a:p>
-            <a:pPr marL="171450" indent="-171450">
-              <a:buFont typeface="Arial" panose="020B0604020202020204" pitchFamily="34" charset="0"/>
-              <a:buChar char="•"/>
-            </a:pPr>
-            <a:r>
-              <a:rPr lang="en-CN" sz="1200" dirty="0"/>
-              <a:t>L4: 5</a:t>
-            </a:r>
-          </a:p>
-          <a:p>
-            <a:pPr marL="171450" indent="-171450">
-              <a:buFont typeface="Arial" panose="020B0604020202020204" pitchFamily="34" charset="0"/>
-              <a:buChar char="•"/>
-            </a:pPr>
-            <a:r>
-              <a:rPr lang="en-CN" sz="1200" dirty="0"/>
-              <a:t>BUP: 6</a:t>
-            </a:r>
-          </a:p>
-        </p:txBody>
-      </p:sp>
-      <p:cxnSp>
-        <p:nvCxnSpPr>
-          <p:cNvPr id="15" name="Straight Arrow Connector 14">
-            <a:extLst>
-              <a:ext uri="{FF2B5EF4-FFF2-40B4-BE49-F238E27FC236}">
-                <a16:creationId xmlns:a16="http://schemas.microsoft.com/office/drawing/2014/main" id="{A9927850-9911-F345-99CB-25887B94A6BD}"/>
-              </a:ext>
-            </a:extLst>
-          </p:cNvPr>
-          <p:cNvCxnSpPr>
-            <a:cxnSpLocks/>
-            <a:stCxn id="4" idx="3"/>
-            <a:endCxn id="10" idx="1"/>
-          </p:cNvCxnSpPr>
-          <p:nvPr/>
-        </p:nvCxnSpPr>
-        <p:spPr>
-          <a:xfrm>
-            <a:off x="2940126" y="1995417"/>
-            <a:ext cx="497929" cy="2695"/>
-          </a:xfrm>
-          <a:prstGeom prst="straightConnector1">
-            <a:avLst/>
-          </a:prstGeom>
-          <a:ln>
-            <a:tailEnd type="triangle"/>
-          </a:ln>
-        </p:spPr>
-        <p:style>
-          <a:lnRef idx="1">
-            <a:schemeClr val="accent1"/>
-          </a:lnRef>
-          <a:fillRef idx="0">
-            <a:schemeClr val="accent1"/>
-          </a:fillRef>
-          <a:effectRef idx="0">
-            <a:schemeClr val="accent1"/>
-          </a:effectRef>
-          <a:fontRef idx="minor">
-            <a:schemeClr val="tx1"/>
-          </a:fontRef>
-        </p:style>
-      </p:cxnSp>
-      <p:cxnSp>
-        <p:nvCxnSpPr>
-          <p:cNvPr id="16" name="Straight Arrow Connector 15">
-            <a:extLst>
-              <a:ext uri="{FF2B5EF4-FFF2-40B4-BE49-F238E27FC236}">
-                <a16:creationId xmlns:a16="http://schemas.microsoft.com/office/drawing/2014/main" id="{90BC6FC7-CA6D-8F47-AE7E-5F478D65C51C}"/>
-              </a:ext>
-            </a:extLst>
-          </p:cNvPr>
-          <p:cNvCxnSpPr>
-            <a:cxnSpLocks/>
-            <a:stCxn id="10" idx="3"/>
-            <a:endCxn id="11" idx="1"/>
-          </p:cNvCxnSpPr>
-          <p:nvPr/>
-        </p:nvCxnSpPr>
-        <p:spPr>
-          <a:xfrm>
-            <a:off x="4838560" y="1998112"/>
-            <a:ext cx="497929" cy="10751"/>
-          </a:xfrm>
-          <a:prstGeom prst="straightConnector1">
-            <a:avLst/>
-          </a:prstGeom>
-          <a:ln>
-            <a:tailEnd type="triangle"/>
-          </a:ln>
-        </p:spPr>
-        <p:style>
-          <a:lnRef idx="1">
-            <a:schemeClr val="accent1"/>
-          </a:lnRef>
-          <a:fillRef idx="0">
-            <a:schemeClr val="accent1"/>
-          </a:fillRef>
-          <a:effectRef idx="0">
-            <a:schemeClr val="accent1"/>
-          </a:effectRef>
-          <a:fontRef idx="minor">
-            <a:schemeClr val="tx1"/>
-          </a:fontRef>
-        </p:style>
-      </p:cxnSp>
-      <p:cxnSp>
-        <p:nvCxnSpPr>
-          <p:cNvPr id="17" name="Straight Arrow Connector 16">
-            <a:extLst>
-              <a:ext uri="{FF2B5EF4-FFF2-40B4-BE49-F238E27FC236}">
-                <a16:creationId xmlns:a16="http://schemas.microsoft.com/office/drawing/2014/main" id="{069DB8E9-C6FF-ED45-A5BC-2D5608131054}"/>
-              </a:ext>
-            </a:extLst>
-          </p:cNvPr>
-          <p:cNvCxnSpPr>
-            <a:cxnSpLocks/>
-            <a:stCxn id="11" idx="3"/>
-            <a:endCxn id="6" idx="1"/>
-          </p:cNvCxnSpPr>
-          <p:nvPr/>
-        </p:nvCxnSpPr>
-        <p:spPr>
-          <a:xfrm>
-            <a:off x="6736995" y="2008863"/>
-            <a:ext cx="497928" cy="0"/>
-          </a:xfrm>
-          <a:prstGeom prst="straightConnector1">
-            <a:avLst/>
-          </a:prstGeom>
-          <a:ln>
-            <a:tailEnd type="triangle"/>
-          </a:ln>
-        </p:spPr>
-        <p:style>
-          <a:lnRef idx="1">
-            <a:schemeClr val="accent1"/>
-          </a:lnRef>
-          <a:fillRef idx="0">
-            <a:schemeClr val="accent1"/>
-          </a:fillRef>
-          <a:effectRef idx="0">
-            <a:schemeClr val="accent1"/>
-          </a:effectRef>
-          <a:fontRef idx="minor">
-            <a:schemeClr val="tx1"/>
-          </a:fontRef>
-        </p:style>
-      </p:cxnSp>
-      <p:sp>
-        <p:nvSpPr>
-          <p:cNvPr id="18" name="Process 17">
-            <a:extLst>
-              <a:ext uri="{FF2B5EF4-FFF2-40B4-BE49-F238E27FC236}">
-                <a16:creationId xmlns:a16="http://schemas.microsoft.com/office/drawing/2014/main" id="{83B557F9-72D0-B74F-8B6C-CC70362ACA73}"/>
-              </a:ext>
-            </a:extLst>
-          </p:cNvPr>
-          <p:cNvSpPr/>
-          <p:nvPr/>
-        </p:nvSpPr>
-        <p:spPr>
-          <a:xfrm>
-            <a:off x="9128076" y="1701438"/>
-            <a:ext cx="1400505" cy="614849"/>
-          </a:xfrm>
-          <a:prstGeom prst="flowChartProcess">
-            <a:avLst/>
-          </a:prstGeom>
-          <a:noFill/>
-          <a:ln>
-            <a:solidFill>
-              <a:schemeClr val="tx1"/>
-            </a:solidFill>
-          </a:ln>
-          <a:effectLst/>
-        </p:spPr>
-        <p:style>
-          <a:lnRef idx="2">
-            <a:schemeClr val="accent1">
-              <a:shade val="50000"/>
-            </a:schemeClr>
-          </a:lnRef>
-          <a:fillRef idx="1">
-            <a:schemeClr val="accent1"/>
-          </a:fillRef>
-          <a:effectRef idx="0">
-            <a:schemeClr val="accent1"/>
-          </a:effectRef>
-          <a:fontRef idx="minor">
-            <a:schemeClr val="lt1"/>
-          </a:fontRef>
-        </p:style>
-        <p:txBody>
-          <a:bodyPr rtlCol="0" anchor="ctr"/>
-          <a:lstStyle/>
-          <a:p>
-            <a:pPr algn="ctr"/>
-            <a:r>
-              <a:rPr lang="en-US" sz="1050" b="1" dirty="0">
-                <a:solidFill>
-                  <a:schemeClr val="tx1"/>
-                </a:solidFill>
-              </a:rPr>
-              <a:t>Rev/non-rev</a:t>
-            </a:r>
-            <a:endParaRPr lang="en-CN" sz="1050" dirty="0">
-              <a:solidFill>
-                <a:schemeClr val="tx1"/>
-              </a:solidFill>
-            </a:endParaRPr>
-          </a:p>
-        </p:txBody>
-      </p:sp>
-      <p:sp>
-        <p:nvSpPr>
-          <p:cNvPr id="19" name="TextBox 18">
-            <a:extLst>
-              <a:ext uri="{FF2B5EF4-FFF2-40B4-BE49-F238E27FC236}">
-                <a16:creationId xmlns:a16="http://schemas.microsoft.com/office/drawing/2014/main" id="{2F737487-4D4B-E649-8643-28C2685770E8}"/>
-              </a:ext>
-            </a:extLst>
-          </p:cNvPr>
-          <p:cNvSpPr txBox="1"/>
-          <p:nvPr/>
-        </p:nvSpPr>
-        <p:spPr>
-          <a:xfrm>
-            <a:off x="7297850" y="2362929"/>
-            <a:ext cx="1405477" cy="461665"/>
-          </a:xfrm>
-          <a:prstGeom prst="rect">
-            <a:avLst/>
-          </a:prstGeom>
-          <a:noFill/>
-        </p:spPr>
-        <p:txBody>
-          <a:bodyPr wrap="square" rtlCol="0">
-            <a:spAutoFit/>
-          </a:bodyPr>
-          <a:lstStyle/>
-          <a:p>
-            <a:pPr algn="ctr"/>
-            <a:r>
-              <a:rPr lang="en-CN" sz="1200" dirty="0"/>
-              <a:t>Prioritize smaller qty order</a:t>
-            </a:r>
-          </a:p>
-        </p:txBody>
-      </p:sp>
-      <p:cxnSp>
-        <p:nvCxnSpPr>
-          <p:cNvPr id="20" name="Straight Arrow Connector 19">
-            <a:extLst>
-              <a:ext uri="{FF2B5EF4-FFF2-40B4-BE49-F238E27FC236}">
-                <a16:creationId xmlns:a16="http://schemas.microsoft.com/office/drawing/2014/main" id="{136E01A9-C166-744A-8AC4-D78B27B6A9B6}"/>
-              </a:ext>
-            </a:extLst>
-          </p:cNvPr>
-          <p:cNvCxnSpPr>
-            <a:cxnSpLocks/>
-            <a:endCxn id="18" idx="1"/>
-          </p:cNvCxnSpPr>
-          <p:nvPr/>
-        </p:nvCxnSpPr>
-        <p:spPr>
-          <a:xfrm>
-            <a:off x="8635428" y="2003487"/>
-            <a:ext cx="492648" cy="5376"/>
-          </a:xfrm>
-          <a:prstGeom prst="straightConnector1">
-            <a:avLst/>
-          </a:prstGeom>
-          <a:ln>
-            <a:tailEnd type="triangle"/>
-          </a:ln>
-        </p:spPr>
-        <p:style>
-          <a:lnRef idx="1">
-            <a:schemeClr val="accent1"/>
-          </a:lnRef>
-          <a:fillRef idx="0">
-            <a:schemeClr val="accent1"/>
-          </a:fillRef>
-          <a:effectRef idx="0">
-            <a:schemeClr val="accent1"/>
-          </a:effectRef>
-          <a:fontRef idx="minor">
-            <a:schemeClr val="tx1"/>
-          </a:fontRef>
-        </p:style>
-      </p:cxnSp>
-      <p:sp>
-        <p:nvSpPr>
-          <p:cNvPr id="2" name="TextBox 1">
-            <a:extLst>
-              <a:ext uri="{FF2B5EF4-FFF2-40B4-BE49-F238E27FC236}">
-                <a16:creationId xmlns:a16="http://schemas.microsoft.com/office/drawing/2014/main" id="{97B6BEF5-7520-8640-AE8B-22D6C75462C2}"/>
-              </a:ext>
-            </a:extLst>
-          </p:cNvPr>
-          <p:cNvSpPr txBox="1"/>
-          <p:nvPr/>
-        </p:nvSpPr>
-        <p:spPr>
-          <a:xfrm>
-            <a:off x="3445748" y="1399349"/>
-            <a:ext cx="3316614" cy="307777"/>
-          </a:xfrm>
-          <a:prstGeom prst="rect">
-            <a:avLst/>
-          </a:prstGeom>
-          <a:noFill/>
-        </p:spPr>
-        <p:txBody>
-          <a:bodyPr wrap="none" rtlCol="0">
-            <a:spAutoFit/>
-          </a:bodyPr>
-          <a:lstStyle/>
-          <a:p>
-            <a:r>
-              <a:rPr lang="en-CN" sz="1400" dirty="0"/>
-              <a:t>(date offset by PCBA to DF transit time)</a:t>
-            </a:r>
-          </a:p>
-        </p:txBody>
-      </p:sp>
-      <p:sp>
-        <p:nvSpPr>
-          <p:cNvPr id="3" name="TextBox 2">
-            <a:extLst>
-              <a:ext uri="{FF2B5EF4-FFF2-40B4-BE49-F238E27FC236}">
-                <a16:creationId xmlns:a16="http://schemas.microsoft.com/office/drawing/2014/main" id="{FCB1C6AC-07E7-834E-BDAC-006E77878B95}"/>
-              </a:ext>
-            </a:extLst>
-          </p:cNvPr>
-          <p:cNvSpPr txBox="1"/>
-          <p:nvPr/>
-        </p:nvSpPr>
-        <p:spPr>
-          <a:xfrm>
-            <a:off x="1344716" y="4983107"/>
-            <a:ext cx="9816662" cy="369332"/>
-          </a:xfrm>
-          <a:prstGeom prst="rect">
-            <a:avLst/>
-          </a:prstGeom>
-          <a:noFill/>
-        </p:spPr>
-        <p:txBody>
-          <a:bodyPr wrap="square" rtlCol="0">
-            <a:spAutoFit/>
-          </a:bodyPr>
-          <a:lstStyle/>
-          <a:p>
-            <a:r>
-              <a:rPr lang="en-CN" dirty="0">
-                <a:solidFill>
-                  <a:schemeClr val="accent6">
-                    <a:lumMod val="75000"/>
-                  </a:schemeClr>
-                </a:solidFill>
-              </a:rPr>
-              <a:t>Logic discussed and aligned with all DF managers; PPF team alignment in progress.</a:t>
-            </a:r>
-          </a:p>
-        </p:txBody>
-      </p:sp>
-      <p:sp>
-        <p:nvSpPr>
-          <p:cNvPr id="21" name="Process 20">
-            <a:extLst>
-              <a:ext uri="{FF2B5EF4-FFF2-40B4-BE49-F238E27FC236}">
-                <a16:creationId xmlns:a16="http://schemas.microsoft.com/office/drawing/2014/main" id="{5B904B13-F251-4942-A358-17F47640986B}"/>
-              </a:ext>
-            </a:extLst>
-          </p:cNvPr>
-          <p:cNvSpPr/>
-          <p:nvPr/>
-        </p:nvSpPr>
-        <p:spPr>
-          <a:xfrm>
-            <a:off x="3189090" y="2873680"/>
-            <a:ext cx="1554923" cy="593347"/>
-          </a:xfrm>
-          <a:prstGeom prst="flowChartProcess">
-            <a:avLst/>
-          </a:prstGeom>
-          <a:noFill/>
-          <a:ln>
-            <a:solidFill>
-              <a:srgbClr val="FFC080"/>
-            </a:solidFill>
-          </a:ln>
-          <a:effectLst/>
-        </p:spPr>
-        <p:style>
-          <a:lnRef idx="2">
-            <a:schemeClr val="accent1">
-              <a:shade val="50000"/>
-            </a:schemeClr>
-          </a:lnRef>
-          <a:fillRef idx="1">
-            <a:schemeClr val="accent1"/>
-          </a:fillRef>
-          <a:effectRef idx="0">
-            <a:schemeClr val="accent1"/>
-          </a:effectRef>
-          <a:fontRef idx="minor">
-            <a:schemeClr val="lt1"/>
-          </a:fontRef>
-        </p:style>
-        <p:txBody>
-          <a:bodyPr rtlCol="0" anchor="ctr"/>
-          <a:lstStyle/>
-          <a:p>
-            <a:pPr algn="ctr"/>
-            <a:r>
-              <a:rPr lang="en-CN" sz="1000" dirty="0">
-                <a:solidFill>
-                  <a:srgbClr val="FFC000"/>
-                </a:solidFill>
-              </a:rPr>
-              <a:t>Manual </a:t>
-            </a:r>
-            <a:r>
-              <a:rPr lang="en-CN" sz="1000" b="1" dirty="0">
-                <a:solidFill>
-                  <a:srgbClr val="FFC000"/>
-                </a:solidFill>
-              </a:rPr>
-              <a:t>exceptional</a:t>
-            </a:r>
-            <a:r>
-              <a:rPr lang="en-CN" sz="1000" dirty="0">
-                <a:solidFill>
-                  <a:srgbClr val="FFC000"/>
-                </a:solidFill>
-              </a:rPr>
-              <a:t> priority injection by PSP</a:t>
-            </a:r>
-          </a:p>
-        </p:txBody>
-      </p:sp>
-      <p:cxnSp>
-        <p:nvCxnSpPr>
-          <p:cNvPr id="22" name="Elbow Connector 21">
-            <a:extLst>
-              <a:ext uri="{FF2B5EF4-FFF2-40B4-BE49-F238E27FC236}">
-                <a16:creationId xmlns:a16="http://schemas.microsoft.com/office/drawing/2014/main" id="{F0F6E11C-96E1-B24E-AB12-562588E92669}"/>
-              </a:ext>
-            </a:extLst>
-          </p:cNvPr>
-          <p:cNvCxnSpPr>
-            <a:cxnSpLocks/>
-            <a:stCxn id="21" idx="1"/>
-          </p:cNvCxnSpPr>
-          <p:nvPr/>
-        </p:nvCxnSpPr>
-        <p:spPr>
-          <a:xfrm rot="10800000">
-            <a:off x="2806262" y="2325236"/>
-            <a:ext cx="382828" cy="845118"/>
-          </a:xfrm>
-          <a:prstGeom prst="bentConnector2">
-            <a:avLst/>
-          </a:prstGeom>
-          <a:ln>
-            <a:solidFill>
-              <a:srgbClr val="FFC080"/>
-            </a:solidFill>
-            <a:tailEnd type="triangle"/>
-          </a:ln>
-        </p:spPr>
-        <p:style>
-          <a:lnRef idx="1">
-            <a:schemeClr val="accent1"/>
-          </a:lnRef>
-          <a:fillRef idx="0">
-            <a:schemeClr val="accent1"/>
-          </a:fillRef>
-          <a:effectRef idx="0">
-            <a:schemeClr val="accent1"/>
-          </a:effectRef>
-          <a:fontRef idx="minor">
-            <a:schemeClr val="tx1"/>
-          </a:fontRef>
-        </p:style>
-      </p:cxnSp>
-      <p:sp>
-        <p:nvSpPr>
-          <p:cNvPr id="24" name="TextBox 23">
-            <a:extLst>
-              <a:ext uri="{FF2B5EF4-FFF2-40B4-BE49-F238E27FC236}">
-                <a16:creationId xmlns:a16="http://schemas.microsoft.com/office/drawing/2014/main" id="{F876017D-9B15-1A42-BDFB-3D7E0E9D2516}"/>
-              </a:ext>
-            </a:extLst>
-          </p:cNvPr>
-          <p:cNvSpPr txBox="1"/>
-          <p:nvPr/>
-        </p:nvSpPr>
-        <p:spPr>
-          <a:xfrm>
-            <a:off x="1361538" y="5676730"/>
-            <a:ext cx="10349467" cy="769441"/>
-          </a:xfrm>
-          <a:prstGeom prst="rect">
-            <a:avLst/>
-          </a:prstGeom>
-          <a:solidFill>
-            <a:schemeClr val="bg1"/>
-          </a:solidFill>
-        </p:spPr>
-        <p:txBody>
-          <a:bodyPr wrap="square" rtlCol="0">
-            <a:spAutoFit/>
-          </a:bodyPr>
-          <a:lstStyle/>
-          <a:p>
-            <a:r>
-              <a:rPr lang="en-CN" sz="1600" dirty="0"/>
-              <a:t>Note: </a:t>
-            </a:r>
-          </a:p>
-          <a:p>
-            <a:pPr marL="171450" indent="-171450">
-              <a:buFont typeface="Arial" panose="020B0604020202020204" pitchFamily="34" charset="0"/>
-              <a:buChar char="•"/>
-            </a:pPr>
-            <a:r>
-              <a:rPr lang="en-CN" sz="1400" dirty="0"/>
-              <a:t>Minor change on the logic to put order qty ahead of rev/non-rev compare with initial version reviewed with DF managers</a:t>
-            </a:r>
-          </a:p>
-          <a:p>
-            <a:pPr marL="171450" indent="-171450">
-              <a:buFont typeface="Arial" panose="020B0604020202020204" pitchFamily="34" charset="0"/>
-              <a:buChar char="•"/>
-            </a:pPr>
-            <a:r>
-              <a:rPr lang="en-CN" sz="1400" dirty="0"/>
-              <a:t>We will continue to review if different logic should be put in for different situation (e.g. qend, or even different BU if we should)</a:t>
-            </a:r>
-          </a:p>
-        </p:txBody>
-      </p:sp>
-    </p:spTree>
-    <p:extLst>
-      <p:ext uri="{BB962C8B-B14F-4D97-AF65-F5344CB8AC3E}">
-        <p14:creationId xmlns:p14="http://schemas.microsoft.com/office/powerpoint/2010/main" val="696312626"/>
-      </p:ext>
-    </p:extLst>
-  </p:cSld>
-  <p:clrMapOvr>
-    <a:masterClrMapping/>
-  </p:clrMapOvr>
-  <p:transition spd="med">
-    <p:fade/>
-  </p:transition>
-</p:sld>
-</file>
-
-<file path=ppt/slides/slide6.xml><?xml version="1.0" encoding="utf-8"?>
-<p:sld xmlns:a="http://schemas.openxmlformats.org/drawingml/2006/main" xmlns:r="http://schemas.openxmlformats.org/officeDocument/2006/relationships" xmlns:p="http://schemas.openxmlformats.org/presentationml/2006/main">
-  <p:cSld>
-    <p:spTree>
-      <p:nvGrpSpPr>
-        <p:cNvPr id="1" name=""/>
-        <p:cNvGrpSpPr/>
-        <p:nvPr/>
-      </p:nvGrpSpPr>
-      <p:grpSpPr>
-        <a:xfrm>
-          <a:off x="0" y="0"/>
-          <a:ext cx="0" cy="0"/>
-          <a:chOff x="0" y="0"/>
-          <a:chExt cx="0" cy="0"/>
-        </a:xfrm>
-      </p:grpSpPr>
-      <p:sp>
-        <p:nvSpPr>
           <p:cNvPr id="2" name="Title 1">
             <a:extLst>
               <a:ext uri="{FF2B5EF4-FFF2-40B4-BE49-F238E27FC236}">
@@ -24267,6 +23153,1036 @@
   <p:transition spd="med">
     <p:fade/>
   </p:transition>
+</p:sld>
+</file>
+
+<file path=ppt/slides/slide6.xml><?xml version="1.0" encoding="utf-8"?>
+<p:sld xmlns:a="http://schemas.openxmlformats.org/drawingml/2006/main" xmlns:r="http://schemas.openxmlformats.org/officeDocument/2006/relationships" xmlns:p="http://schemas.openxmlformats.org/presentationml/2006/main">
+  <p:cSld>
+    <p:spTree>
+      <p:nvGrpSpPr>
+        <p:cNvPr id="1" name=""/>
+        <p:cNvGrpSpPr/>
+        <p:nvPr/>
+      </p:nvGrpSpPr>
+      <p:grpSpPr>
+        <a:xfrm>
+          <a:off x="0" y="0"/>
+          <a:ext cx="0" cy="0"/>
+          <a:chOff x="0" y="0"/>
+          <a:chExt cx="0" cy="0"/>
+        </a:xfrm>
+      </p:grpSpPr>
+      <p:sp>
+        <p:nvSpPr>
+          <p:cNvPr id="3" name="Title 2">
+            <a:extLst>
+              <a:ext uri="{FF2B5EF4-FFF2-40B4-BE49-F238E27FC236}">
+                <a16:creationId xmlns:a16="http://schemas.microsoft.com/office/drawing/2014/main" id="{19673C21-3A77-0946-B0E4-81D3F9848A0D}"/>
+              </a:ext>
+            </a:extLst>
+          </p:cNvPr>
+          <p:cNvSpPr>
+            <a:spLocks noGrp="1"/>
+          </p:cNvSpPr>
+          <p:nvPr>
+            <p:ph type="title"/>
+          </p:nvPr>
+        </p:nvSpPr>
+        <p:spPr/>
+        <p:txBody>
+          <a:bodyPr/>
+          <a:lstStyle/>
+          <a:p>
+            <a:r>
+              <a:rPr lang="en-US" dirty="0"/>
+              <a:t>Solution Architecture</a:t>
+            </a:r>
+          </a:p>
+        </p:txBody>
+      </p:sp>
+      <p:pic>
+        <p:nvPicPr>
+          <p:cNvPr id="45" name="Graphic 44" descr="Users">
+            <a:extLst>
+              <a:ext uri="{FF2B5EF4-FFF2-40B4-BE49-F238E27FC236}">
+                <a16:creationId xmlns:a16="http://schemas.microsoft.com/office/drawing/2014/main" id="{456CAB76-B364-C940-B240-191B9FB53D2C}"/>
+              </a:ext>
+            </a:extLst>
+          </p:cNvPr>
+          <p:cNvPicPr>
+            <a:picLocks noChangeAspect="1"/>
+          </p:cNvPicPr>
+          <p:nvPr/>
+        </p:nvPicPr>
+        <p:blipFill>
+          <a:blip r:embed="rId2">
+            <a:extLst>
+              <a:ext uri="{28A0092B-C50C-407E-A947-70E740481C1C}">
+                <a14:useLocalDpi xmlns:a14="http://schemas.microsoft.com/office/drawing/2010/main" val="0"/>
+              </a:ext>
+              <a:ext uri="{96DAC541-7B7A-43D3-8B79-37D633B846F1}">
+                <asvg:svgBlip xmlns:asvg="http://schemas.microsoft.com/office/drawing/2016/SVG/main" r:embed="rId3"/>
+              </a:ext>
+            </a:extLst>
+          </a:blip>
+          <a:stretch>
+            <a:fillRect/>
+          </a:stretch>
+        </p:blipFill>
+        <p:spPr>
+          <a:xfrm>
+            <a:off x="1576494" y="2773326"/>
+            <a:ext cx="914400" cy="914400"/>
+          </a:xfrm>
+          <a:prstGeom prst="rect">
+            <a:avLst/>
+          </a:prstGeom>
+        </p:spPr>
+      </p:pic>
+      <p:grpSp>
+        <p:nvGrpSpPr>
+          <p:cNvPr id="59" name="Group 58">
+            <a:extLst>
+              <a:ext uri="{FF2B5EF4-FFF2-40B4-BE49-F238E27FC236}">
+                <a16:creationId xmlns:a16="http://schemas.microsoft.com/office/drawing/2014/main" id="{9E6F3796-BF51-D643-B826-804A259CD4B2}"/>
+              </a:ext>
+            </a:extLst>
+          </p:cNvPr>
+          <p:cNvGrpSpPr/>
+          <p:nvPr/>
+        </p:nvGrpSpPr>
+        <p:grpSpPr>
+          <a:xfrm>
+            <a:off x="6332625" y="2832775"/>
+            <a:ext cx="5048519" cy="1684569"/>
+            <a:chOff x="5821250" y="2068335"/>
+            <a:chExt cx="5048519" cy="1684569"/>
+          </a:xfrm>
+        </p:grpSpPr>
+        <p:sp>
+          <p:nvSpPr>
+            <p:cNvPr id="25" name="TextBox 24">
+              <a:extLst>
+                <a:ext uri="{FF2B5EF4-FFF2-40B4-BE49-F238E27FC236}">
+                  <a16:creationId xmlns:a16="http://schemas.microsoft.com/office/drawing/2014/main" id="{696B0F94-56A5-424D-ADA7-B5E82157A4D1}"/>
+                </a:ext>
+              </a:extLst>
+            </p:cNvPr>
+            <p:cNvSpPr txBox="1"/>
+            <p:nvPr/>
+          </p:nvSpPr>
+          <p:spPr>
+            <a:xfrm>
+              <a:off x="9635226" y="3269961"/>
+              <a:ext cx="1045479" cy="276999"/>
+            </a:xfrm>
+            <a:prstGeom prst="rect">
+              <a:avLst/>
+            </a:prstGeom>
+            <a:noFill/>
+          </p:spPr>
+          <p:txBody>
+            <a:bodyPr wrap="none" rtlCol="0">
+              <a:spAutoFit/>
+            </a:bodyPr>
+            <a:lstStyle/>
+            <a:p>
+              <a:pPr algn="ctr"/>
+              <a:r>
+                <a:rPr lang="en-US" sz="1200" dirty="0"/>
+                <a:t>3A4 Backlog</a:t>
+              </a:r>
+            </a:p>
+          </p:txBody>
+        </p:sp>
+        <p:sp>
+          <p:nvSpPr>
+            <p:cNvPr id="23" name="TextBox 22">
+              <a:extLst>
+                <a:ext uri="{FF2B5EF4-FFF2-40B4-BE49-F238E27FC236}">
+                  <a16:creationId xmlns:a16="http://schemas.microsoft.com/office/drawing/2014/main" id="{03DC60F9-3C68-A740-A98C-8BCCB3497215}"/>
+                </a:ext>
+              </a:extLst>
+            </p:cNvPr>
+            <p:cNvSpPr txBox="1"/>
+            <p:nvPr/>
+          </p:nvSpPr>
+          <p:spPr>
+            <a:xfrm>
+              <a:off x="7873085" y="3269961"/>
+              <a:ext cx="1612810" cy="276999"/>
+            </a:xfrm>
+            <a:prstGeom prst="rect">
+              <a:avLst/>
+            </a:prstGeom>
+            <a:noFill/>
+          </p:spPr>
+          <p:txBody>
+            <a:bodyPr wrap="square" rtlCol="0">
+              <a:spAutoFit/>
+            </a:bodyPr>
+            <a:lstStyle/>
+            <a:p>
+              <a:pPr algn="ctr"/>
+              <a:r>
+                <a:rPr lang="en-US" sz="1200" dirty="0"/>
+                <a:t>OH, In-transit, SCR</a:t>
+              </a:r>
+            </a:p>
+          </p:txBody>
+        </p:sp>
+        <p:sp>
+          <p:nvSpPr>
+            <p:cNvPr id="24" name="TextBox 23">
+              <a:extLst>
+                <a:ext uri="{FF2B5EF4-FFF2-40B4-BE49-F238E27FC236}">
+                  <a16:creationId xmlns:a16="http://schemas.microsoft.com/office/drawing/2014/main" id="{CF201E88-CBD8-1D43-B4B1-D1956ACBE457}"/>
+                </a:ext>
+              </a:extLst>
+            </p:cNvPr>
+            <p:cNvSpPr txBox="1"/>
+            <p:nvPr/>
+          </p:nvSpPr>
+          <p:spPr>
+            <a:xfrm>
+              <a:off x="5901633" y="3223992"/>
+              <a:ext cx="1912511" cy="461665"/>
+            </a:xfrm>
+            <a:prstGeom prst="rect">
+              <a:avLst/>
+            </a:prstGeom>
+            <a:noFill/>
+          </p:spPr>
+          <p:txBody>
+            <a:bodyPr wrap="none" rtlCol="0">
+              <a:spAutoFit/>
+            </a:bodyPr>
+            <a:lstStyle/>
+            <a:p>
+              <a:pPr algn="ctr"/>
+              <a:r>
+                <a:rPr lang="en-US" sz="1200" dirty="0"/>
+                <a:t>Exceptional order priority,</a:t>
+              </a:r>
+            </a:p>
+            <a:p>
+              <a:pPr algn="ctr"/>
+              <a:r>
+                <a:rPr lang="en-US" sz="1200" dirty="0"/>
+                <a:t>TAN group mapping</a:t>
+              </a:r>
+            </a:p>
+          </p:txBody>
+        </p:sp>
+        <p:sp>
+          <p:nvSpPr>
+            <p:cNvPr id="46" name="Rounded Rectangle 45">
+              <a:extLst>
+                <a:ext uri="{FF2B5EF4-FFF2-40B4-BE49-F238E27FC236}">
+                  <a16:creationId xmlns:a16="http://schemas.microsoft.com/office/drawing/2014/main" id="{F38CD34B-EC19-B045-8F7E-3D16416E5159}"/>
+                </a:ext>
+              </a:extLst>
+            </p:cNvPr>
+            <p:cNvSpPr/>
+            <p:nvPr/>
+          </p:nvSpPr>
+          <p:spPr>
+            <a:xfrm>
+              <a:off x="5821250" y="2068335"/>
+              <a:ext cx="5048519" cy="1684569"/>
+            </a:xfrm>
+            <a:prstGeom prst="roundRect">
+              <a:avLst/>
+            </a:prstGeom>
+            <a:noFill/>
+            <a:ln>
+              <a:solidFill>
+                <a:schemeClr val="bg1">
+                  <a:lumMod val="50000"/>
+                </a:schemeClr>
+              </a:solidFill>
+            </a:ln>
+            <a:effectLst/>
+          </p:spPr>
+          <p:style>
+            <a:lnRef idx="2">
+              <a:schemeClr val="accent1">
+                <a:shade val="50000"/>
+              </a:schemeClr>
+            </a:lnRef>
+            <a:fillRef idx="1">
+              <a:schemeClr val="accent1"/>
+            </a:fillRef>
+            <a:effectRef idx="0">
+              <a:schemeClr val="accent1"/>
+            </a:effectRef>
+            <a:fontRef idx="minor">
+              <a:schemeClr val="lt1"/>
+            </a:fontRef>
+          </p:style>
+          <p:txBody>
+            <a:bodyPr rtlCol="0" anchor="ctr"/>
+            <a:lstStyle/>
+            <a:p>
+              <a:pPr algn="ctr"/>
+              <a:endParaRPr lang="en-CN" dirty="0"/>
+            </a:p>
+          </p:txBody>
+        </p:sp>
+        <p:pic>
+          <p:nvPicPr>
+            <p:cNvPr id="48" name="Graphic 47" descr="Document">
+              <a:extLst>
+                <a:ext uri="{FF2B5EF4-FFF2-40B4-BE49-F238E27FC236}">
+                  <a16:creationId xmlns:a16="http://schemas.microsoft.com/office/drawing/2014/main" id="{8E8C036F-3A2A-594E-9229-DAD2FA4020BF}"/>
+                </a:ext>
+              </a:extLst>
+            </p:cNvPr>
+            <p:cNvPicPr>
+              <a:picLocks noChangeAspect="1"/>
+            </p:cNvPicPr>
+            <p:nvPr/>
+          </p:nvPicPr>
+          <p:blipFill>
+            <a:blip r:embed="rId4">
+              <a:extLst>
+                <a:ext uri="{28A0092B-C50C-407E-A947-70E740481C1C}">
+                  <a14:useLocalDpi xmlns:a14="http://schemas.microsoft.com/office/drawing/2010/main" val="0"/>
+                </a:ext>
+                <a:ext uri="{96DAC541-7B7A-43D3-8B79-37D633B846F1}">
+                  <asvg:svgBlip xmlns:asvg="http://schemas.microsoft.com/office/drawing/2016/SVG/main" r:embed="rId5"/>
+                </a:ext>
+              </a:extLst>
+            </a:blip>
+            <a:stretch>
+              <a:fillRect/>
+            </a:stretch>
+          </p:blipFill>
+          <p:spPr>
+            <a:xfrm>
+              <a:off x="9673863" y="2381319"/>
+              <a:ext cx="836627" cy="836627"/>
+            </a:xfrm>
+            <a:prstGeom prst="rect">
+              <a:avLst/>
+            </a:prstGeom>
+          </p:spPr>
+        </p:pic>
+        <p:pic>
+          <p:nvPicPr>
+            <p:cNvPr id="50" name="Graphic 49" descr="Database">
+              <a:extLst>
+                <a:ext uri="{FF2B5EF4-FFF2-40B4-BE49-F238E27FC236}">
+                  <a16:creationId xmlns:a16="http://schemas.microsoft.com/office/drawing/2014/main" id="{3E8103E0-359E-F54C-A7F1-59C1D86128F6}"/>
+                </a:ext>
+              </a:extLst>
+            </p:cNvPr>
+            <p:cNvPicPr>
+              <a:picLocks noChangeAspect="1"/>
+            </p:cNvPicPr>
+            <p:nvPr/>
+          </p:nvPicPr>
+          <p:blipFill>
+            <a:blip r:embed="rId6">
+              <a:extLst>
+                <a:ext uri="{28A0092B-C50C-407E-A947-70E740481C1C}">
+                  <a14:useLocalDpi xmlns:a14="http://schemas.microsoft.com/office/drawing/2010/main" val="0"/>
+                </a:ext>
+                <a:ext uri="{96DAC541-7B7A-43D3-8B79-37D633B846F1}">
+                  <asvg:svgBlip xmlns:asvg="http://schemas.microsoft.com/office/drawing/2016/SVG/main" r:embed="rId7"/>
+                </a:ext>
+              </a:extLst>
+            </a:blip>
+            <a:stretch>
+              <a:fillRect/>
+            </a:stretch>
+          </p:blipFill>
+          <p:spPr>
+            <a:xfrm>
+              <a:off x="6342492" y="2369996"/>
+              <a:ext cx="914400" cy="914400"/>
+            </a:xfrm>
+            <a:prstGeom prst="rect">
+              <a:avLst/>
+            </a:prstGeom>
+          </p:spPr>
+        </p:pic>
+        <p:pic>
+          <p:nvPicPr>
+            <p:cNvPr id="51" name="Graphic 50" descr="Database">
+              <a:extLst>
+                <a:ext uri="{FF2B5EF4-FFF2-40B4-BE49-F238E27FC236}">
+                  <a16:creationId xmlns:a16="http://schemas.microsoft.com/office/drawing/2014/main" id="{4AD1EC9A-A39A-2349-8B37-82663506F3A8}"/>
+                </a:ext>
+              </a:extLst>
+            </p:cNvPr>
+            <p:cNvPicPr>
+              <a:picLocks noChangeAspect="1"/>
+            </p:cNvPicPr>
+            <p:nvPr/>
+          </p:nvPicPr>
+          <p:blipFill>
+            <a:blip r:embed="rId6">
+              <a:extLst>
+                <a:ext uri="{28A0092B-C50C-407E-A947-70E740481C1C}">
+                  <a14:useLocalDpi xmlns:a14="http://schemas.microsoft.com/office/drawing/2010/main" val="0"/>
+                </a:ext>
+                <a:ext uri="{96DAC541-7B7A-43D3-8B79-37D633B846F1}">
+                  <asvg:svgBlip xmlns:asvg="http://schemas.microsoft.com/office/drawing/2016/SVG/main" r:embed="rId7"/>
+                </a:ext>
+              </a:extLst>
+            </a:blip>
+            <a:stretch>
+              <a:fillRect/>
+            </a:stretch>
+          </p:blipFill>
+          <p:spPr>
+            <a:xfrm>
+              <a:off x="8149324" y="2355561"/>
+              <a:ext cx="914400" cy="914400"/>
+            </a:xfrm>
+            <a:prstGeom prst="rect">
+              <a:avLst/>
+            </a:prstGeom>
+          </p:spPr>
+        </p:pic>
+        <p:sp>
+          <p:nvSpPr>
+            <p:cNvPr id="52" name="TextBox 51">
+              <a:extLst>
+                <a:ext uri="{FF2B5EF4-FFF2-40B4-BE49-F238E27FC236}">
+                  <a16:creationId xmlns:a16="http://schemas.microsoft.com/office/drawing/2014/main" id="{EDFA64B5-3D06-A940-B522-0EFA64FD8AFA}"/>
+                </a:ext>
+              </a:extLst>
+            </p:cNvPr>
+            <p:cNvSpPr txBox="1"/>
+            <p:nvPr/>
+          </p:nvSpPr>
+          <p:spPr>
+            <a:xfrm>
+              <a:off x="6188424" y="2091793"/>
+              <a:ext cx="1234633" cy="338554"/>
+            </a:xfrm>
+            <a:prstGeom prst="rect">
+              <a:avLst/>
+            </a:prstGeom>
+            <a:noFill/>
+          </p:spPr>
+          <p:txBody>
+            <a:bodyPr wrap="none" rtlCol="0">
+              <a:spAutoFit/>
+            </a:bodyPr>
+            <a:lstStyle/>
+            <a:p>
+              <a:r>
+                <a:rPr lang="en-CN" sz="1600" dirty="0"/>
+                <a:t>Smartsheet</a:t>
+              </a:r>
+            </a:p>
+          </p:txBody>
+        </p:sp>
+        <p:sp>
+          <p:nvSpPr>
+            <p:cNvPr id="53" name="TextBox 52">
+              <a:extLst>
+                <a:ext uri="{FF2B5EF4-FFF2-40B4-BE49-F238E27FC236}">
+                  <a16:creationId xmlns:a16="http://schemas.microsoft.com/office/drawing/2014/main" id="{74313FD7-F24C-2740-A16F-4DC20F162B7A}"/>
+                </a:ext>
+              </a:extLst>
+            </p:cNvPr>
+            <p:cNvSpPr txBox="1"/>
+            <p:nvPr/>
+          </p:nvSpPr>
+          <p:spPr>
+            <a:xfrm>
+              <a:off x="8257254" y="2111271"/>
+              <a:ext cx="718466" cy="338554"/>
+            </a:xfrm>
+            <a:prstGeom prst="rect">
+              <a:avLst/>
+            </a:prstGeom>
+            <a:noFill/>
+          </p:spPr>
+          <p:txBody>
+            <a:bodyPr wrap="none" rtlCol="0">
+              <a:spAutoFit/>
+            </a:bodyPr>
+            <a:lstStyle/>
+            <a:p>
+              <a:r>
+                <a:rPr lang="en-CN" sz="1600" dirty="0"/>
+                <a:t>SCDx</a:t>
+              </a:r>
+            </a:p>
+          </p:txBody>
+        </p:sp>
+        <p:sp>
+          <p:nvSpPr>
+            <p:cNvPr id="54" name="TextBox 53">
+              <a:extLst>
+                <a:ext uri="{FF2B5EF4-FFF2-40B4-BE49-F238E27FC236}">
+                  <a16:creationId xmlns:a16="http://schemas.microsoft.com/office/drawing/2014/main" id="{7699D868-6E86-114A-94B1-A93737E6E426}"/>
+                </a:ext>
+              </a:extLst>
+            </p:cNvPr>
+            <p:cNvSpPr txBox="1"/>
+            <p:nvPr/>
+          </p:nvSpPr>
+          <p:spPr>
+            <a:xfrm>
+              <a:off x="9704646" y="2111271"/>
+              <a:ext cx="766557" cy="338554"/>
+            </a:xfrm>
+            <a:prstGeom prst="rect">
+              <a:avLst/>
+            </a:prstGeom>
+            <a:noFill/>
+          </p:spPr>
+          <p:txBody>
+            <a:bodyPr wrap="none" rtlCol="0">
+              <a:spAutoFit/>
+            </a:bodyPr>
+            <a:lstStyle/>
+            <a:p>
+              <a:r>
+                <a:rPr lang="en-CN" sz="1600" dirty="0"/>
+                <a:t>(UOV)</a:t>
+              </a:r>
+            </a:p>
+          </p:txBody>
+        </p:sp>
+      </p:grpSp>
+      <p:grpSp>
+        <p:nvGrpSpPr>
+          <p:cNvPr id="58" name="Group 57">
+            <a:extLst>
+              <a:ext uri="{FF2B5EF4-FFF2-40B4-BE49-F238E27FC236}">
+                <a16:creationId xmlns:a16="http://schemas.microsoft.com/office/drawing/2014/main" id="{4407352F-CBB7-B94F-B05E-9EB0E3F002E6}"/>
+              </a:ext>
+            </a:extLst>
+          </p:cNvPr>
+          <p:cNvGrpSpPr/>
+          <p:nvPr/>
+        </p:nvGrpSpPr>
+        <p:grpSpPr>
+          <a:xfrm>
+            <a:off x="3347111" y="1729814"/>
+            <a:ext cx="2241759" cy="3997105"/>
+            <a:chOff x="2355999" y="1888540"/>
+            <a:chExt cx="2241759" cy="3997105"/>
+          </a:xfrm>
+          <a:solidFill>
+            <a:schemeClr val="bg1">
+              <a:lumMod val="85000"/>
+            </a:schemeClr>
+          </a:solidFill>
+        </p:grpSpPr>
+        <p:sp>
+          <p:nvSpPr>
+            <p:cNvPr id="12" name="Rounded Rectangle 11">
+              <a:extLst>
+                <a:ext uri="{FF2B5EF4-FFF2-40B4-BE49-F238E27FC236}">
+                  <a16:creationId xmlns:a16="http://schemas.microsoft.com/office/drawing/2014/main" id="{83E281BC-B3BB-8243-AC6C-F11EB550199C}"/>
+                </a:ext>
+              </a:extLst>
+            </p:cNvPr>
+            <p:cNvSpPr/>
+            <p:nvPr/>
+          </p:nvSpPr>
+          <p:spPr>
+            <a:xfrm>
+              <a:off x="2355999" y="1888540"/>
+              <a:ext cx="2241759" cy="3997105"/>
+            </a:xfrm>
+            <a:prstGeom prst="roundRect">
+              <a:avLst/>
+            </a:prstGeom>
+            <a:grpFill/>
+            <a:ln>
+              <a:noFill/>
+            </a:ln>
+            <a:effectLst/>
+          </p:spPr>
+          <p:style>
+            <a:lnRef idx="2">
+              <a:schemeClr val="accent1">
+                <a:shade val="50000"/>
+              </a:schemeClr>
+            </a:lnRef>
+            <a:fillRef idx="1">
+              <a:schemeClr val="accent1"/>
+            </a:fillRef>
+            <a:effectRef idx="0">
+              <a:schemeClr val="accent1"/>
+            </a:effectRef>
+            <a:fontRef idx="minor">
+              <a:schemeClr val="lt1"/>
+            </a:fontRef>
+          </p:style>
+          <p:txBody>
+            <a:bodyPr rtlCol="0" anchor="ctr"/>
+            <a:lstStyle/>
+            <a:p>
+              <a:pPr algn="ctr"/>
+              <a:endParaRPr lang="en-CN" dirty="0"/>
+            </a:p>
+          </p:txBody>
+        </p:sp>
+        <p:sp>
+          <p:nvSpPr>
+            <p:cNvPr id="41" name="TextBox 40">
+              <a:extLst>
+                <a:ext uri="{FF2B5EF4-FFF2-40B4-BE49-F238E27FC236}">
+                  <a16:creationId xmlns:a16="http://schemas.microsoft.com/office/drawing/2014/main" id="{DACBD5CD-0973-D84C-B5C6-1A634709C1BE}"/>
+                </a:ext>
+              </a:extLst>
+            </p:cNvPr>
+            <p:cNvSpPr txBox="1"/>
+            <p:nvPr/>
+          </p:nvSpPr>
+          <p:spPr>
+            <a:xfrm>
+              <a:off x="2781224" y="2058102"/>
+              <a:ext cx="1524263" cy="338554"/>
+            </a:xfrm>
+            <a:prstGeom prst="rect">
+              <a:avLst/>
+            </a:prstGeom>
+            <a:grpFill/>
+          </p:spPr>
+          <p:txBody>
+            <a:bodyPr wrap="none" rtlCol="0">
+              <a:spAutoFit/>
+            </a:bodyPr>
+            <a:lstStyle/>
+            <a:p>
+              <a:r>
+                <a:rPr lang="en-CN" sz="1600" dirty="0"/>
+                <a:t>Cisco IT Cloud</a:t>
+              </a:r>
+            </a:p>
+          </p:txBody>
+        </p:sp>
+        <p:sp>
+          <p:nvSpPr>
+            <p:cNvPr id="55" name="Rounded Rectangle 54">
+              <a:extLst>
+                <a:ext uri="{FF2B5EF4-FFF2-40B4-BE49-F238E27FC236}">
+                  <a16:creationId xmlns:a16="http://schemas.microsoft.com/office/drawing/2014/main" id="{7E051800-6F51-9742-AA94-59D983BC5071}"/>
+                </a:ext>
+              </a:extLst>
+            </p:cNvPr>
+            <p:cNvSpPr/>
+            <p:nvPr/>
+          </p:nvSpPr>
+          <p:spPr>
+            <a:xfrm>
+              <a:off x="2789445" y="3127094"/>
+              <a:ext cx="1401137" cy="633880"/>
+            </a:xfrm>
+            <a:prstGeom prst="roundRect">
+              <a:avLst/>
+            </a:prstGeom>
+            <a:solidFill>
+              <a:schemeClr val="accent5">
+                <a:lumMod val="75000"/>
+              </a:schemeClr>
+            </a:solidFill>
+            <a:ln>
+              <a:noFill/>
+            </a:ln>
+            <a:effectLst/>
+          </p:spPr>
+          <p:style>
+            <a:lnRef idx="2">
+              <a:schemeClr val="accent1">
+                <a:shade val="50000"/>
+              </a:schemeClr>
+            </a:lnRef>
+            <a:fillRef idx="1">
+              <a:schemeClr val="accent1"/>
+            </a:fillRef>
+            <a:effectRef idx="0">
+              <a:schemeClr val="accent1"/>
+            </a:effectRef>
+            <a:fontRef idx="minor">
+              <a:schemeClr val="lt1"/>
+            </a:fontRef>
+          </p:style>
+          <p:txBody>
+            <a:bodyPr rtlCol="0" anchor="ctr"/>
+            <a:lstStyle/>
+            <a:p>
+              <a:pPr algn="ctr"/>
+              <a:r>
+                <a:rPr lang="en-US" dirty="0">
+                  <a:solidFill>
+                    <a:schemeClr val="bg1"/>
+                  </a:solidFill>
+                </a:rPr>
+                <a:t>Web UI</a:t>
+              </a:r>
+            </a:p>
+          </p:txBody>
+        </p:sp>
+        <p:sp>
+          <p:nvSpPr>
+            <p:cNvPr id="56" name="Rounded Rectangle 55">
+              <a:extLst>
+                <a:ext uri="{FF2B5EF4-FFF2-40B4-BE49-F238E27FC236}">
+                  <a16:creationId xmlns:a16="http://schemas.microsoft.com/office/drawing/2014/main" id="{A4ED6D35-C417-E047-8A67-6432100040B4}"/>
+                </a:ext>
+              </a:extLst>
+            </p:cNvPr>
+            <p:cNvSpPr/>
+            <p:nvPr/>
+          </p:nvSpPr>
+          <p:spPr>
+            <a:xfrm>
+              <a:off x="2781405" y="3965501"/>
+              <a:ext cx="1409177" cy="633880"/>
+            </a:xfrm>
+            <a:prstGeom prst="roundRect">
+              <a:avLst/>
+            </a:prstGeom>
+            <a:solidFill>
+              <a:schemeClr val="accent5">
+                <a:lumMod val="75000"/>
+              </a:schemeClr>
+            </a:solidFill>
+            <a:ln>
+              <a:noFill/>
+            </a:ln>
+            <a:effectLst/>
+          </p:spPr>
+          <p:style>
+            <a:lnRef idx="2">
+              <a:schemeClr val="accent1">
+                <a:shade val="50000"/>
+              </a:schemeClr>
+            </a:lnRef>
+            <a:fillRef idx="1">
+              <a:schemeClr val="accent1"/>
+            </a:fillRef>
+            <a:effectRef idx="0">
+              <a:schemeClr val="accent1"/>
+            </a:effectRef>
+            <a:fontRef idx="minor">
+              <a:schemeClr val="lt1"/>
+            </a:fontRef>
+          </p:style>
+          <p:txBody>
+            <a:bodyPr rtlCol="0" anchor="ctr"/>
+            <a:lstStyle/>
+            <a:p>
+              <a:pPr algn="ctr"/>
+              <a:r>
+                <a:rPr lang="en-US" dirty="0">
+                  <a:solidFill>
+                    <a:schemeClr val="bg1"/>
+                  </a:solidFill>
+                </a:rPr>
+                <a:t>Allocation App</a:t>
+              </a:r>
+            </a:p>
+          </p:txBody>
+        </p:sp>
+        <p:sp>
+          <p:nvSpPr>
+            <p:cNvPr id="57" name="Rounded Rectangle 56">
+              <a:extLst>
+                <a:ext uri="{FF2B5EF4-FFF2-40B4-BE49-F238E27FC236}">
+                  <a16:creationId xmlns:a16="http://schemas.microsoft.com/office/drawing/2014/main" id="{DC86E382-59C3-2046-A2C8-C02FE84F101F}"/>
+                </a:ext>
+              </a:extLst>
+            </p:cNvPr>
+            <p:cNvSpPr/>
+            <p:nvPr/>
+          </p:nvSpPr>
+          <p:spPr>
+            <a:xfrm>
+              <a:off x="2781224" y="4819649"/>
+              <a:ext cx="1409177" cy="633880"/>
+            </a:xfrm>
+            <a:prstGeom prst="roundRect">
+              <a:avLst/>
+            </a:prstGeom>
+            <a:solidFill>
+              <a:schemeClr val="accent5">
+                <a:lumMod val="75000"/>
+              </a:schemeClr>
+            </a:solidFill>
+            <a:ln>
+              <a:noFill/>
+            </a:ln>
+            <a:effectLst/>
+          </p:spPr>
+          <p:style>
+            <a:lnRef idx="2">
+              <a:schemeClr val="accent1">
+                <a:shade val="50000"/>
+              </a:schemeClr>
+            </a:lnRef>
+            <a:fillRef idx="1">
+              <a:schemeClr val="accent1"/>
+            </a:fillRef>
+            <a:effectRef idx="0">
+              <a:schemeClr val="accent1"/>
+            </a:effectRef>
+            <a:fontRef idx="minor">
+              <a:schemeClr val="lt1"/>
+            </a:fontRef>
+          </p:style>
+          <p:txBody>
+            <a:bodyPr rtlCol="0" anchor="ctr"/>
+            <a:lstStyle/>
+            <a:p>
+              <a:pPr algn="ctr"/>
+              <a:r>
+                <a:rPr lang="en-US" dirty="0">
+                  <a:solidFill>
+                    <a:schemeClr val="bg1"/>
+                  </a:solidFill>
+                </a:rPr>
+                <a:t>Storage</a:t>
+              </a:r>
+            </a:p>
+          </p:txBody>
+        </p:sp>
+      </p:grpSp>
+      <p:cxnSp>
+        <p:nvCxnSpPr>
+          <p:cNvPr id="61" name="Straight Arrow Connector 60">
+            <a:extLst>
+              <a:ext uri="{FF2B5EF4-FFF2-40B4-BE49-F238E27FC236}">
+                <a16:creationId xmlns:a16="http://schemas.microsoft.com/office/drawing/2014/main" id="{DCE2B798-860F-A749-B2F5-A420BEE9548F}"/>
+              </a:ext>
+            </a:extLst>
+          </p:cNvPr>
+          <p:cNvCxnSpPr>
+            <a:cxnSpLocks/>
+            <a:endCxn id="55" idx="1"/>
+          </p:cNvCxnSpPr>
+          <p:nvPr/>
+        </p:nvCxnSpPr>
+        <p:spPr>
+          <a:xfrm>
+            <a:off x="2586630" y="3285308"/>
+            <a:ext cx="1193927" cy="0"/>
+          </a:xfrm>
+          <a:prstGeom prst="straightConnector1">
+            <a:avLst/>
+          </a:prstGeom>
+          <a:ln>
+            <a:tailEnd type="triangle"/>
+          </a:ln>
+        </p:spPr>
+        <p:style>
+          <a:lnRef idx="1">
+            <a:schemeClr val="accent1"/>
+          </a:lnRef>
+          <a:fillRef idx="0">
+            <a:schemeClr val="accent1"/>
+          </a:fillRef>
+          <a:effectRef idx="0">
+            <a:schemeClr val="accent1"/>
+          </a:effectRef>
+          <a:fontRef idx="minor">
+            <a:schemeClr val="tx1"/>
+          </a:fontRef>
+        </p:style>
+      </p:cxnSp>
+      <p:cxnSp>
+        <p:nvCxnSpPr>
+          <p:cNvPr id="63" name="Straight Arrow Connector 62">
+            <a:extLst>
+              <a:ext uri="{FF2B5EF4-FFF2-40B4-BE49-F238E27FC236}">
+                <a16:creationId xmlns:a16="http://schemas.microsoft.com/office/drawing/2014/main" id="{7BDF781E-593B-8244-86BE-AA158C5B7761}"/>
+              </a:ext>
+            </a:extLst>
+          </p:cNvPr>
+          <p:cNvCxnSpPr>
+            <a:cxnSpLocks/>
+            <a:endCxn id="55" idx="3"/>
+          </p:cNvCxnSpPr>
+          <p:nvPr/>
+        </p:nvCxnSpPr>
+        <p:spPr>
+          <a:xfrm flipH="1" flipV="1">
+            <a:off x="5181694" y="3285308"/>
+            <a:ext cx="1150932" cy="9614"/>
+          </a:xfrm>
+          <a:prstGeom prst="straightConnector1">
+            <a:avLst/>
+          </a:prstGeom>
+          <a:ln>
+            <a:tailEnd type="triangle"/>
+          </a:ln>
+        </p:spPr>
+        <p:style>
+          <a:lnRef idx="1">
+            <a:schemeClr val="accent1"/>
+          </a:lnRef>
+          <a:fillRef idx="0">
+            <a:schemeClr val="accent1"/>
+          </a:fillRef>
+          <a:effectRef idx="0">
+            <a:schemeClr val="accent1"/>
+          </a:effectRef>
+          <a:fontRef idx="minor">
+            <a:schemeClr val="tx1"/>
+          </a:fontRef>
+        </p:style>
+      </p:cxnSp>
+      <p:cxnSp>
+        <p:nvCxnSpPr>
+          <p:cNvPr id="67" name="Straight Arrow Connector 66">
+            <a:extLst>
+              <a:ext uri="{FF2B5EF4-FFF2-40B4-BE49-F238E27FC236}">
+                <a16:creationId xmlns:a16="http://schemas.microsoft.com/office/drawing/2014/main" id="{223AF8B6-1C7A-2843-A21E-0DEA2D217C50}"/>
+              </a:ext>
+            </a:extLst>
+          </p:cNvPr>
+          <p:cNvCxnSpPr>
+            <a:cxnSpLocks/>
+            <a:endCxn id="56" idx="0"/>
+          </p:cNvCxnSpPr>
+          <p:nvPr/>
+        </p:nvCxnSpPr>
+        <p:spPr>
+          <a:xfrm flipH="1">
+            <a:off x="4477106" y="3602248"/>
+            <a:ext cx="2720" cy="204527"/>
+          </a:xfrm>
+          <a:prstGeom prst="straightConnector1">
+            <a:avLst/>
+          </a:prstGeom>
+          <a:ln>
+            <a:tailEnd type="triangle"/>
+          </a:ln>
+        </p:spPr>
+        <p:style>
+          <a:lnRef idx="1">
+            <a:schemeClr val="accent1"/>
+          </a:lnRef>
+          <a:fillRef idx="0">
+            <a:schemeClr val="accent1"/>
+          </a:fillRef>
+          <a:effectRef idx="0">
+            <a:schemeClr val="accent1"/>
+          </a:effectRef>
+          <a:fontRef idx="minor">
+            <a:schemeClr val="tx1"/>
+          </a:fontRef>
+        </p:style>
+      </p:cxnSp>
+      <p:cxnSp>
+        <p:nvCxnSpPr>
+          <p:cNvPr id="69" name="Straight Arrow Connector 68">
+            <a:extLst>
+              <a:ext uri="{FF2B5EF4-FFF2-40B4-BE49-F238E27FC236}">
+                <a16:creationId xmlns:a16="http://schemas.microsoft.com/office/drawing/2014/main" id="{826545FC-97B6-CF42-A117-E7B6ECF1011C}"/>
+              </a:ext>
+            </a:extLst>
+          </p:cNvPr>
+          <p:cNvCxnSpPr>
+            <a:cxnSpLocks/>
+            <a:stCxn id="56" idx="2"/>
+            <a:endCxn id="57" idx="0"/>
+          </p:cNvCxnSpPr>
+          <p:nvPr/>
+        </p:nvCxnSpPr>
+        <p:spPr>
+          <a:xfrm flipH="1">
+            <a:off x="4476925" y="4440655"/>
+            <a:ext cx="181" cy="220268"/>
+          </a:xfrm>
+          <a:prstGeom prst="straightConnector1">
+            <a:avLst/>
+          </a:prstGeom>
+          <a:ln>
+            <a:tailEnd type="triangle"/>
+          </a:ln>
+        </p:spPr>
+        <p:style>
+          <a:lnRef idx="1">
+            <a:schemeClr val="accent1"/>
+          </a:lnRef>
+          <a:fillRef idx="0">
+            <a:schemeClr val="accent1"/>
+          </a:fillRef>
+          <a:effectRef idx="0">
+            <a:schemeClr val="accent1"/>
+          </a:effectRef>
+          <a:fontRef idx="minor">
+            <a:schemeClr val="tx1"/>
+          </a:fontRef>
+        </p:style>
+      </p:cxnSp>
+      <p:cxnSp>
+        <p:nvCxnSpPr>
+          <p:cNvPr id="27" name="Straight Arrow Connector 26">
+            <a:extLst>
+              <a:ext uri="{FF2B5EF4-FFF2-40B4-BE49-F238E27FC236}">
+                <a16:creationId xmlns:a16="http://schemas.microsoft.com/office/drawing/2014/main" id="{3783B2AB-7099-0F4E-B3BE-49C3C9D1401D}"/>
+              </a:ext>
+            </a:extLst>
+          </p:cNvPr>
+          <p:cNvCxnSpPr>
+            <a:cxnSpLocks/>
+          </p:cNvCxnSpPr>
+          <p:nvPr/>
+        </p:nvCxnSpPr>
+        <p:spPr>
+          <a:xfrm flipH="1" flipV="1">
+            <a:off x="5180994" y="4131420"/>
+            <a:ext cx="1150932" cy="9614"/>
+          </a:xfrm>
+          <a:prstGeom prst="straightConnector1">
+            <a:avLst/>
+          </a:prstGeom>
+          <a:ln>
+            <a:tailEnd type="triangle"/>
+          </a:ln>
+        </p:spPr>
+        <p:style>
+          <a:lnRef idx="1">
+            <a:schemeClr val="accent1"/>
+          </a:lnRef>
+          <a:fillRef idx="0">
+            <a:schemeClr val="accent1"/>
+          </a:fillRef>
+          <a:effectRef idx="0">
+            <a:schemeClr val="accent1"/>
+          </a:effectRef>
+          <a:fontRef idx="minor">
+            <a:schemeClr val="tx1"/>
+          </a:fontRef>
+        </p:style>
+      </p:cxnSp>
+    </p:spTree>
+    <p:extLst>
+      <p:ext uri="{BB962C8B-B14F-4D97-AF65-F5344CB8AC3E}">
+        <p14:creationId xmlns:p14="http://schemas.microsoft.com/office/powerpoint/2010/main" val="1821161590"/>
+      </p:ext>
+    </p:extLst>
+  </p:cSld>
+  <p:clrMapOvr>
+    <a:masterClrMapping/>
+  </p:clrMapOvr>
+  <mc:AlternateContent xmlns:mc="http://schemas.openxmlformats.org/markup-compatibility/2006" xmlns:p14="http://schemas.microsoft.com/office/powerpoint/2010/main">
+    <mc:Choice Requires="p14">
+      <p:transition spd="med" p14:dur="700">
+        <p:fade/>
+      </p:transition>
+    </mc:Choice>
+    <mc:Fallback xmlns="">
+      <p:transition xmlns:p14="http://schemas.microsoft.com/office/powerpoint/2010/main" spd="med">
+        <p:fade/>
+      </p:transition>
+    </mc:Fallback>
+  </mc:AlternateContent>
 </p:sld>
 </file>
 

--- a/PCBA allocation procedure and logic - Nov 12.pptx
+++ b/PCBA allocation procedure and logic - Nov 12.pptx
@@ -235,7 +235,7 @@
           <a:p>
             <a:fld id="{055D18FD-D4CC-4163-B221-261AEA246121}" type="datetimeFigureOut">
               <a:rPr lang="en-US" smtClean="0"/>
-              <a:t>11/19/20</a:t>
+              <a:t>11/20/20</a:t>
             </a:fld>
             <a:endParaRPr lang="en-US"/>
           </a:p>
@@ -570,14 +570,14 @@
           </a:ln>
           <a:extLst>
             <a:ext uri="{909E8E84-426E-40dd-AFC4-6F175D3DCCD1}">
-              <a14:hiddenFill xmlns="" xmlns:a14="http://schemas.microsoft.com/office/drawing/2010/main">
+              <a14:hiddenFill xmlns:a14="http://schemas.microsoft.com/office/drawing/2010/main" xmlns="">
                 <a:solidFill>
                   <a:srgbClr val="FFFFFF"/>
                 </a:solidFill>
               </a14:hiddenFill>
             </a:ext>
             <a:ext uri="{91240B29-F687-4f45-9708-019B960494DF}">
-              <a14:hiddenLine xmlns="" xmlns:a14="http://schemas.microsoft.com/office/drawing/2010/main" w="9525">
+              <a14:hiddenLine xmlns:a14="http://schemas.microsoft.com/office/drawing/2010/main" xmlns="" w="9525">
                 <a:solidFill>
                   <a:srgbClr val="000000"/>
                 </a:solidFill>
@@ -1362,14 +1362,14 @@
           </a:ln>
           <a:extLst>
             <a:ext uri="{909E8E84-426E-40dd-AFC4-6F175D3DCCD1}">
-              <a14:hiddenFill xmlns="" xmlns:a14="http://schemas.microsoft.com/office/drawing/2010/main">
+              <a14:hiddenFill xmlns:a14="http://schemas.microsoft.com/office/drawing/2010/main" xmlns="">
                 <a:solidFill>
                   <a:srgbClr val="FFFFFF"/>
                 </a:solidFill>
               </a14:hiddenFill>
             </a:ext>
             <a:ext uri="{91240B29-F687-4f45-9708-019B960494DF}">
-              <a14:hiddenLine xmlns="" xmlns:a14="http://schemas.microsoft.com/office/drawing/2010/main" w="9525">
+              <a14:hiddenLine xmlns:a14="http://schemas.microsoft.com/office/drawing/2010/main" xmlns="" w="9525">
                 <a:solidFill>
                   <a:srgbClr val="000000"/>
                 </a:solidFill>
@@ -1758,14 +1758,14 @@
           </a:ln>
           <a:extLst>
             <a:ext uri="{909E8E84-426E-40dd-AFC4-6F175D3DCCD1}">
-              <a14:hiddenFill xmlns="" xmlns:a14="http://schemas.microsoft.com/office/drawing/2010/main">
+              <a14:hiddenFill xmlns:a14="http://schemas.microsoft.com/office/drawing/2010/main" xmlns="">
                 <a:solidFill>
                   <a:srgbClr val="FFFFFF"/>
                 </a:solidFill>
               </a14:hiddenFill>
             </a:ext>
             <a:ext uri="{91240B29-F687-4f45-9708-019B960494DF}">
-              <a14:hiddenLine xmlns="" xmlns:a14="http://schemas.microsoft.com/office/drawing/2010/main" w="9525">
+              <a14:hiddenLine xmlns:a14="http://schemas.microsoft.com/office/drawing/2010/main" xmlns="" w="9525">
                 <a:solidFill>
                   <a:srgbClr val="000000"/>
                 </a:solidFill>
@@ -3407,14 +3407,14 @@
           </a:ln>
           <a:extLst>
             <a:ext uri="{909E8E84-426E-40dd-AFC4-6F175D3DCCD1}">
-              <a14:hiddenFill xmlns="" xmlns:a14="http://schemas.microsoft.com/office/drawing/2010/main">
+              <a14:hiddenFill xmlns:a14="http://schemas.microsoft.com/office/drawing/2010/main" xmlns="">
                 <a:solidFill>
                   <a:srgbClr val="FFFFFF"/>
                 </a:solidFill>
               </a14:hiddenFill>
             </a:ext>
             <a:ext uri="{91240B29-F687-4f45-9708-019B960494DF}">
-              <a14:hiddenLine xmlns="" xmlns:a14="http://schemas.microsoft.com/office/drawing/2010/main" w="9525">
+              <a14:hiddenLine xmlns:a14="http://schemas.microsoft.com/office/drawing/2010/main" xmlns="" w="9525">
                 <a:solidFill>
                   <a:srgbClr val="000000"/>
                 </a:solidFill>
@@ -3503,14 +3503,14 @@
           </a:ln>
           <a:extLst>
             <a:ext uri="{909E8E84-426E-40dd-AFC4-6F175D3DCCD1}">
-              <a14:hiddenFill xmlns="" xmlns:a14="http://schemas.microsoft.com/office/drawing/2010/main">
+              <a14:hiddenFill xmlns:a14="http://schemas.microsoft.com/office/drawing/2010/main" xmlns="">
                 <a:solidFill>
                   <a:srgbClr val="FFFFFF"/>
                 </a:solidFill>
               </a14:hiddenFill>
             </a:ext>
             <a:ext uri="{91240B29-F687-4f45-9708-019B960494DF}">
-              <a14:hiddenLine xmlns="" xmlns:a14="http://schemas.microsoft.com/office/drawing/2010/main" w="9525">
+              <a14:hiddenLine xmlns:a14="http://schemas.microsoft.com/office/drawing/2010/main" xmlns="" w="9525">
                 <a:solidFill>
                   <a:srgbClr val="000000"/>
                 </a:solidFill>
@@ -4038,14 +4038,14 @@
           </a:ln>
           <a:extLst>
             <a:ext uri="{909E8E84-426E-40dd-AFC4-6F175D3DCCD1}">
-              <a14:hiddenFill xmlns="" xmlns:a14="http://schemas.microsoft.com/office/drawing/2010/main">
+              <a14:hiddenFill xmlns:a14="http://schemas.microsoft.com/office/drawing/2010/main" xmlns="">
                 <a:solidFill>
                   <a:srgbClr val="FFFFFF"/>
                 </a:solidFill>
               </a14:hiddenFill>
             </a:ext>
             <a:ext uri="{91240B29-F687-4f45-9708-019B960494DF}">
-              <a14:hiddenLine xmlns="" xmlns:a14="http://schemas.microsoft.com/office/drawing/2010/main" w="9525">
+              <a14:hiddenLine xmlns:a14="http://schemas.microsoft.com/office/drawing/2010/main" xmlns="" w="9525">
                 <a:solidFill>
                   <a:srgbClr val="000000"/>
                 </a:solidFill>
@@ -4514,14 +4514,14 @@
           </a:ln>
           <a:extLst>
             <a:ext uri="{909E8E84-426E-40dd-AFC4-6F175D3DCCD1}">
-              <a14:hiddenFill xmlns="" xmlns:a14="http://schemas.microsoft.com/office/drawing/2010/main">
+              <a14:hiddenFill xmlns:a14="http://schemas.microsoft.com/office/drawing/2010/main" xmlns="">
                 <a:solidFill>
                   <a:srgbClr val="FFFFFF"/>
                 </a:solidFill>
               </a14:hiddenFill>
             </a:ext>
             <a:ext uri="{91240B29-F687-4f45-9708-019B960494DF}">
-              <a14:hiddenLine xmlns="" xmlns:a14="http://schemas.microsoft.com/office/drawing/2010/main" w="9525">
+              <a14:hiddenLine xmlns:a14="http://schemas.microsoft.com/office/drawing/2010/main" xmlns="" w="9525">
                 <a:solidFill>
                   <a:srgbClr val="000000"/>
                 </a:solidFill>
@@ -4735,14 +4735,14 @@
           </a:ln>
           <a:extLst>
             <a:ext uri="{909E8E84-426E-40dd-AFC4-6F175D3DCCD1}">
-              <a14:hiddenFill xmlns="" xmlns:a14="http://schemas.microsoft.com/office/drawing/2010/main">
+              <a14:hiddenFill xmlns:a14="http://schemas.microsoft.com/office/drawing/2010/main" xmlns="">
                 <a:solidFill>
                   <a:srgbClr val="FFFFFF"/>
                 </a:solidFill>
               </a14:hiddenFill>
             </a:ext>
             <a:ext uri="{91240B29-F687-4f45-9708-019B960494DF}">
-              <a14:hiddenLine xmlns="" xmlns:a14="http://schemas.microsoft.com/office/drawing/2010/main" w="9525">
+              <a14:hiddenLine xmlns:a14="http://schemas.microsoft.com/office/drawing/2010/main" xmlns="" w="9525">
                 <a:solidFill>
                   <a:srgbClr val="000000"/>
                 </a:solidFill>
@@ -4956,14 +4956,14 @@
           </a:ln>
           <a:extLst>
             <a:ext uri="{909E8E84-426E-40dd-AFC4-6F175D3DCCD1}">
-              <a14:hiddenFill xmlns="" xmlns:a14="http://schemas.microsoft.com/office/drawing/2010/main">
+              <a14:hiddenFill xmlns:a14="http://schemas.microsoft.com/office/drawing/2010/main" xmlns="">
                 <a:solidFill>
                   <a:srgbClr val="FFFFFF"/>
                 </a:solidFill>
               </a14:hiddenFill>
             </a:ext>
             <a:ext uri="{91240B29-F687-4f45-9708-019B960494DF}">
-              <a14:hiddenLine xmlns="" xmlns:a14="http://schemas.microsoft.com/office/drawing/2010/main" w="9525">
+              <a14:hiddenLine xmlns:a14="http://schemas.microsoft.com/office/drawing/2010/main" xmlns="" w="9525">
                 <a:solidFill>
                   <a:srgbClr val="000000"/>
                 </a:solidFill>
@@ -5625,7 +5625,7 @@
           </a:ln>
           <a:extLst>
             <a:ext uri="{91240B29-F687-4f45-9708-019B960494DF}">
-              <a14:hiddenLine xmlns="" xmlns:a14="http://schemas.microsoft.com/office/drawing/2010/main" w="25400" algn="ctr">
+              <a14:hiddenLine xmlns:a14="http://schemas.microsoft.com/office/drawing/2010/main" xmlns="" w="25400" algn="ctr">
                 <a:solidFill>
                   <a:srgbClr val="000000"/>
                 </a:solidFill>
@@ -5781,7 +5781,7 @@
           </a:ln>
           <a:extLst>
             <a:ext uri="{91240B29-F687-4f45-9708-019B960494DF}">
-              <a14:hiddenLine xmlns="" xmlns:a14="http://schemas.microsoft.com/office/drawing/2010/main" w="25400" algn="ctr">
+              <a14:hiddenLine xmlns:a14="http://schemas.microsoft.com/office/drawing/2010/main" xmlns="" w="25400" algn="ctr">
                 <a:solidFill>
                   <a:srgbClr val="000000"/>
                 </a:solidFill>
@@ -5937,7 +5937,7 @@
           </a:ln>
           <a:extLst>
             <a:ext uri="{91240B29-F687-4f45-9708-019B960494DF}">
-              <a14:hiddenLine xmlns="" xmlns:a14="http://schemas.microsoft.com/office/drawing/2010/main" w="25400" algn="ctr">
+              <a14:hiddenLine xmlns:a14="http://schemas.microsoft.com/office/drawing/2010/main" xmlns="" w="25400" algn="ctr">
                 <a:solidFill>
                   <a:srgbClr val="000000"/>
                 </a:solidFill>
@@ -6091,14 +6091,14 @@
           </a:ln>
           <a:extLst>
             <a:ext uri="{909E8E84-426E-40dd-AFC4-6F175D3DCCD1}">
-              <a14:hiddenFill xmlns="" xmlns:a14="http://schemas.microsoft.com/office/drawing/2010/main">
+              <a14:hiddenFill xmlns:a14="http://schemas.microsoft.com/office/drawing/2010/main" xmlns="">
                 <a:solidFill>
                   <a:srgbClr val="FFFFFF"/>
                 </a:solidFill>
               </a14:hiddenFill>
             </a:ext>
             <a:ext uri="{91240B29-F687-4f45-9708-019B960494DF}">
-              <a14:hiddenLine xmlns="" xmlns:a14="http://schemas.microsoft.com/office/drawing/2010/main" w="9525">
+              <a14:hiddenLine xmlns:a14="http://schemas.microsoft.com/office/drawing/2010/main" xmlns="" w="9525">
                 <a:solidFill>
                   <a:srgbClr val="000000"/>
                 </a:solidFill>
@@ -12963,14 +12963,14 @@
           <a:noFill/>
           <a:extLst>
             <a:ext uri="{909E8E84-426E-40dd-AFC4-6F175D3DCCD1}">
-              <a14:hiddenFill xmlns="" xmlns:a14="http://schemas.microsoft.com/office/drawing/2010/main">
+              <a14:hiddenFill xmlns:a14="http://schemas.microsoft.com/office/drawing/2010/main" xmlns="">
                 <a:solidFill>
                   <a:srgbClr val="FFFFFF"/>
                 </a:solidFill>
               </a14:hiddenFill>
             </a:ext>
             <a:ext uri="{91240B29-F687-4f45-9708-019B960494DF}">
-              <a14:hiddenLine xmlns="" xmlns:a14="http://schemas.microsoft.com/office/drawing/2010/main" w="9525">
+              <a14:hiddenLine xmlns:a14="http://schemas.microsoft.com/office/drawing/2010/main" xmlns="" w="9525">
                 <a:solidFill>
                   <a:srgbClr val="000000"/>
                 </a:solidFill>
@@ -15393,14 +15393,14 @@
           </a:ln>
           <a:extLst>
             <a:ext uri="{909E8E84-426E-40dd-AFC4-6F175D3DCCD1}">
-              <a14:hiddenFill xmlns="" xmlns:a14="http://schemas.microsoft.com/office/drawing/2010/main">
+              <a14:hiddenFill xmlns:a14="http://schemas.microsoft.com/office/drawing/2010/main" xmlns="">
                 <a:solidFill>
                   <a:srgbClr val="FFFFFF"/>
                 </a:solidFill>
               </a14:hiddenFill>
             </a:ext>
             <a:ext uri="{91240B29-F687-4f45-9708-019B960494DF}">
-              <a14:hiddenLine xmlns="" xmlns:a14="http://schemas.microsoft.com/office/drawing/2010/main" w="9525">
+              <a14:hiddenLine xmlns:a14="http://schemas.microsoft.com/office/drawing/2010/main" xmlns="" w="9525">
                 <a:solidFill>
                   <a:srgbClr val="000000"/>
                 </a:solidFill>
@@ -15697,14 +15697,14 @@
           </a:ln>
           <a:extLst>
             <a:ext uri="{909E8E84-426E-40dd-AFC4-6F175D3DCCD1}">
-              <a14:hiddenFill xmlns="" xmlns:a14="http://schemas.microsoft.com/office/drawing/2010/main">
+              <a14:hiddenFill xmlns:a14="http://schemas.microsoft.com/office/drawing/2010/main" xmlns="">
                 <a:solidFill>
                   <a:srgbClr val="FFFFFF"/>
                 </a:solidFill>
               </a14:hiddenFill>
             </a:ext>
             <a:ext uri="{91240B29-F687-4f45-9708-019B960494DF}">
-              <a14:hiddenLine xmlns="" xmlns:a14="http://schemas.microsoft.com/office/drawing/2010/main" w="9525">
+              <a14:hiddenLine xmlns:a14="http://schemas.microsoft.com/office/drawing/2010/main" xmlns="" w="9525">
                 <a:solidFill>
                   <a:srgbClr val="000000"/>
                 </a:solidFill>
@@ -15827,14 +15827,14 @@
           </a:ln>
           <a:extLst>
             <a:ext uri="{909E8E84-426E-40dd-AFC4-6F175D3DCCD1}">
-              <a14:hiddenFill xmlns="" xmlns:a14="http://schemas.microsoft.com/office/drawing/2010/main">
+              <a14:hiddenFill xmlns:a14="http://schemas.microsoft.com/office/drawing/2010/main" xmlns="">
                 <a:solidFill>
                   <a:srgbClr val="FFFFFF"/>
                 </a:solidFill>
               </a14:hiddenFill>
             </a:ext>
             <a:ext uri="{91240B29-F687-4f45-9708-019B960494DF}">
-              <a14:hiddenLine xmlns="" xmlns:a14="http://schemas.microsoft.com/office/drawing/2010/main" w="9525">
+              <a14:hiddenLine xmlns:a14="http://schemas.microsoft.com/office/drawing/2010/main" xmlns="" w="9525">
                 <a:solidFill>
                   <a:srgbClr val="000000"/>
                 </a:solidFill>
@@ -16065,14 +16065,14 @@
           <a:noFill/>
           <a:extLst>
             <a:ext uri="{909E8E84-426E-40dd-AFC4-6F175D3DCCD1}">
-              <a14:hiddenFill xmlns="" xmlns:a14="http://schemas.microsoft.com/office/drawing/2010/main">
+              <a14:hiddenFill xmlns:a14="http://schemas.microsoft.com/office/drawing/2010/main" xmlns="">
                 <a:solidFill>
                   <a:srgbClr val="FFFFFF"/>
                 </a:solidFill>
               </a14:hiddenFill>
             </a:ext>
             <a:ext uri="{91240B29-F687-4f45-9708-019B960494DF}">
-              <a14:hiddenLine xmlns="" xmlns:a14="http://schemas.microsoft.com/office/drawing/2010/main" w="9525">
+              <a14:hiddenLine xmlns:a14="http://schemas.microsoft.com/office/drawing/2010/main" xmlns="" w="9525">
                 <a:solidFill>
                   <a:srgbClr val="000000"/>
                 </a:solidFill>
@@ -18038,14 +18038,14 @@
           <a:noFill/>
           <a:extLst>
             <a:ext uri="{909E8E84-426E-40dd-AFC4-6F175D3DCCD1}">
-              <a14:hiddenFill xmlns="" xmlns:a14="http://schemas.microsoft.com/office/drawing/2010/main">
+              <a14:hiddenFill xmlns:a14="http://schemas.microsoft.com/office/drawing/2010/main" xmlns="">
                 <a:solidFill>
                   <a:srgbClr val="FFFFFF"/>
                 </a:solidFill>
               </a14:hiddenFill>
             </a:ext>
             <a:ext uri="{91240B29-F687-4f45-9708-019B960494DF}">
-              <a14:hiddenLine xmlns="" xmlns:a14="http://schemas.microsoft.com/office/drawing/2010/main" w="9525">
+              <a14:hiddenLine xmlns:a14="http://schemas.microsoft.com/office/drawing/2010/main" xmlns="" w="9525">
                 <a:solidFill>
                   <a:srgbClr val="000000"/>
                 </a:solidFill>
@@ -18426,14 +18426,14 @@
           </a:ln>
           <a:extLst>
             <a:ext uri="{909E8E84-426E-40dd-AFC4-6F175D3DCCD1}">
-              <a14:hiddenFill xmlns="" xmlns:a14="http://schemas.microsoft.com/office/drawing/2010/main">
+              <a14:hiddenFill xmlns:a14="http://schemas.microsoft.com/office/drawing/2010/main" xmlns="">
                 <a:solidFill>
                   <a:srgbClr val="FFFFFF"/>
                 </a:solidFill>
               </a14:hiddenFill>
             </a:ext>
             <a:ext uri="{91240B29-F687-4f45-9708-019B960494DF}">
-              <a14:hiddenLine xmlns="" xmlns:a14="http://schemas.microsoft.com/office/drawing/2010/main" w="9525">
+              <a14:hiddenLine xmlns:a14="http://schemas.microsoft.com/office/drawing/2010/main" xmlns="" w="9525">
                 <a:solidFill>
                   <a:srgbClr val="000000"/>
                 </a:solidFill>
@@ -18603,7 +18603,7 @@
                   <a:schemeClr val="tx2"/>
                 </a:solidFill>
                 <a:latin typeface="+mn-lt"/>
-                <a:cs typeface="CiscoSans ExtraLight"/>
+                <a:cs typeface="CiscoSans ExtraLight" charset="0"/>
               </a:defRPr>
             </a:lvl1pPr>
           </a:lstStyle>
@@ -18640,14 +18640,14 @@
           </a:ln>
           <a:extLst>
             <a:ext uri="{909E8E84-426E-40dd-AFC4-6F175D3DCCD1}">
-              <a14:hiddenFill xmlns="" xmlns:a14="http://schemas.microsoft.com/office/drawing/2010/main">
+              <a14:hiddenFill xmlns:a14="http://schemas.microsoft.com/office/drawing/2010/main" xmlns="">
                 <a:solidFill>
                   <a:srgbClr val="FFFFFF"/>
                 </a:solidFill>
               </a14:hiddenFill>
             </a:ext>
             <a:ext uri="{91240B29-F687-4f45-9708-019B960494DF}">
-              <a14:hiddenLine xmlns="" xmlns:a14="http://schemas.microsoft.com/office/drawing/2010/main" w="9525">
+              <a14:hiddenLine xmlns:a14="http://schemas.microsoft.com/office/drawing/2010/main" xmlns="" w="9525">
                 <a:solidFill>
                   <a:srgbClr val="000000"/>
                 </a:solidFill>
@@ -18866,14 +18866,14 @@
           </a:ln>
           <a:extLst>
             <a:ext uri="{909E8E84-426E-40dd-AFC4-6F175D3DCCD1}">
-              <a14:hiddenFill xmlns="" xmlns:a14="http://schemas.microsoft.com/office/drawing/2010/main">
+              <a14:hiddenFill xmlns:a14="http://schemas.microsoft.com/office/drawing/2010/main" xmlns="">
                 <a:solidFill>
                   <a:srgbClr val="FFFFFF"/>
                 </a:solidFill>
               </a14:hiddenFill>
             </a:ext>
             <a:ext uri="{91240B29-F687-4f45-9708-019B960494DF}">
-              <a14:hiddenLine xmlns="" xmlns:a14="http://schemas.microsoft.com/office/drawing/2010/main" w="9525">
+              <a14:hiddenLine xmlns:a14="http://schemas.microsoft.com/office/drawing/2010/main" xmlns="" w="9525">
                 <a:solidFill>
                   <a:srgbClr val="000000"/>
                 </a:solidFill>
@@ -19083,14 +19083,14 @@
           </a:ln>
           <a:extLst>
             <a:ext uri="{909E8E84-426E-40dd-AFC4-6F175D3DCCD1}">
-              <a14:hiddenFill xmlns="" xmlns:a14="http://schemas.microsoft.com/office/drawing/2010/main">
+              <a14:hiddenFill xmlns:a14="http://schemas.microsoft.com/office/drawing/2010/main" xmlns="">
                 <a:solidFill>
                   <a:srgbClr val="FFFFFF"/>
                 </a:solidFill>
               </a14:hiddenFill>
             </a:ext>
             <a:ext uri="{91240B29-F687-4f45-9708-019B960494DF}">
-              <a14:hiddenLine xmlns="" xmlns:a14="http://schemas.microsoft.com/office/drawing/2010/main" w="9525">
+              <a14:hiddenLine xmlns:a14="http://schemas.microsoft.com/office/drawing/2010/main" xmlns="" w="9525">
                 <a:solidFill>
                   <a:srgbClr val="000000"/>
                 </a:solidFill>
@@ -19341,14 +19341,14 @@
           </a:ln>
           <a:extLst>
             <a:ext uri="{909E8E84-426E-40dd-AFC4-6F175D3DCCD1}">
-              <a14:hiddenFill xmlns="" xmlns:a14="http://schemas.microsoft.com/office/drawing/2010/main">
+              <a14:hiddenFill xmlns:a14="http://schemas.microsoft.com/office/drawing/2010/main" xmlns="">
                 <a:solidFill>
                   <a:srgbClr val="FFFFFF"/>
                 </a:solidFill>
               </a14:hiddenFill>
             </a:ext>
             <a:ext uri="{91240B29-F687-4f45-9708-019B960494DF}">
-              <a14:hiddenLine xmlns="" xmlns:a14="http://schemas.microsoft.com/office/drawing/2010/main" w="9525">
+              <a14:hiddenLine xmlns:a14="http://schemas.microsoft.com/office/drawing/2010/main" xmlns="" w="9525">
                 <a:solidFill>
                   <a:srgbClr val="000000"/>
                 </a:solidFill>
@@ -19540,14 +19540,14 @@
           </a:ln>
           <a:extLst>
             <a:ext uri="{909E8E84-426E-40dd-AFC4-6F175D3DCCD1}">
-              <a14:hiddenFill xmlns="" xmlns:a14="http://schemas.microsoft.com/office/drawing/2010/main">
+              <a14:hiddenFill xmlns:a14="http://schemas.microsoft.com/office/drawing/2010/main" xmlns="">
                 <a:solidFill>
                   <a:srgbClr val="FFFFFF"/>
                 </a:solidFill>
               </a14:hiddenFill>
             </a:ext>
             <a:ext uri="{91240B29-F687-4f45-9708-019B960494DF}">
-              <a14:hiddenLine xmlns="" xmlns:a14="http://schemas.microsoft.com/office/drawing/2010/main" w="9525">
+              <a14:hiddenLine xmlns:a14="http://schemas.microsoft.com/office/drawing/2010/main" xmlns="" w="9525">
                 <a:solidFill>
                   <a:srgbClr val="000000"/>
                 </a:solidFill>
@@ -23196,7 +23196,7 @@
           <a:p>
             <a:r>
               <a:rPr lang="en-US" dirty="0"/>
-              <a:t>Solution Architecture</a:t>
+              <a:t>Solution Diagram</a:t>
             </a:r>
           </a:p>
         </p:txBody>
@@ -23232,7 +23232,7 @@
         </p:blipFill>
         <p:spPr>
           <a:xfrm>
-            <a:off x="1576494" y="2773326"/>
+            <a:off x="1574532" y="2459047"/>
             <a:ext cx="914400" cy="914400"/>
           </a:xfrm>
           <a:prstGeom prst="rect">
@@ -23240,419 +23240,236 @@
           </a:prstGeom>
         </p:spPr>
       </p:pic>
-      <p:grpSp>
-        <p:nvGrpSpPr>
-          <p:cNvPr id="59" name="Group 58">
+      <p:sp>
+        <p:nvSpPr>
+          <p:cNvPr id="25" name="TextBox 24">
             <a:extLst>
               <a:ext uri="{FF2B5EF4-FFF2-40B4-BE49-F238E27FC236}">
-                <a16:creationId xmlns:a16="http://schemas.microsoft.com/office/drawing/2014/main" id="{9E6F3796-BF51-D643-B826-804A259CD4B2}"/>
+                <a16:creationId xmlns:a16="http://schemas.microsoft.com/office/drawing/2014/main" id="{696B0F94-56A5-424D-ADA7-B5E82157A4D1}"/>
               </a:ext>
             </a:extLst>
           </p:cNvPr>
-          <p:cNvGrpSpPr/>
+          <p:cNvSpPr txBox="1"/>
           <p:nvPr/>
-        </p:nvGrpSpPr>
-        <p:grpSpPr>
-          <a:xfrm>
-            <a:off x="6332625" y="2832775"/>
-            <a:ext cx="5048519" cy="1684569"/>
-            <a:chOff x="5821250" y="2068335"/>
-            <a:chExt cx="5048519" cy="1684569"/>
-          </a:xfrm>
-        </p:grpSpPr>
-        <p:sp>
-          <p:nvSpPr>
-            <p:cNvPr id="25" name="TextBox 24">
-              <a:extLst>
-                <a:ext uri="{FF2B5EF4-FFF2-40B4-BE49-F238E27FC236}">
-                  <a16:creationId xmlns:a16="http://schemas.microsoft.com/office/drawing/2014/main" id="{696B0F94-56A5-424D-ADA7-B5E82157A4D1}"/>
-                </a:ext>
-              </a:extLst>
-            </p:cNvPr>
-            <p:cNvSpPr txBox="1"/>
-            <p:nvPr/>
-          </p:nvSpPr>
-          <p:spPr>
-            <a:xfrm>
-              <a:off x="9635226" y="3269961"/>
-              <a:ext cx="1045479" cy="276999"/>
-            </a:xfrm>
-            <a:prstGeom prst="rect">
-              <a:avLst/>
-            </a:prstGeom>
-            <a:noFill/>
-          </p:spPr>
-          <p:txBody>
-            <a:bodyPr wrap="none" rtlCol="0">
-              <a:spAutoFit/>
-            </a:bodyPr>
-            <a:lstStyle/>
-            <a:p>
-              <a:pPr algn="ctr"/>
-              <a:r>
-                <a:rPr lang="en-US" sz="1200" dirty="0"/>
-                <a:t>3A4 Backlog</a:t>
-              </a:r>
-            </a:p>
-          </p:txBody>
-        </p:sp>
-        <p:sp>
-          <p:nvSpPr>
-            <p:cNvPr id="23" name="TextBox 22">
-              <a:extLst>
-                <a:ext uri="{FF2B5EF4-FFF2-40B4-BE49-F238E27FC236}">
-                  <a16:creationId xmlns:a16="http://schemas.microsoft.com/office/drawing/2014/main" id="{03DC60F9-3C68-A740-A98C-8BCCB3497215}"/>
-                </a:ext>
-              </a:extLst>
-            </p:cNvPr>
-            <p:cNvSpPr txBox="1"/>
-            <p:nvPr/>
-          </p:nvSpPr>
-          <p:spPr>
-            <a:xfrm>
-              <a:off x="7873085" y="3269961"/>
-              <a:ext cx="1612810" cy="276999"/>
-            </a:xfrm>
-            <a:prstGeom prst="rect">
-              <a:avLst/>
-            </a:prstGeom>
-            <a:noFill/>
-          </p:spPr>
-          <p:txBody>
-            <a:bodyPr wrap="square" rtlCol="0">
-              <a:spAutoFit/>
-            </a:bodyPr>
-            <a:lstStyle/>
-            <a:p>
-              <a:pPr algn="ctr"/>
-              <a:r>
-                <a:rPr lang="en-US" sz="1200" dirty="0"/>
-                <a:t>OH, In-transit, SCR</a:t>
-              </a:r>
-            </a:p>
-          </p:txBody>
-        </p:sp>
-        <p:sp>
-          <p:nvSpPr>
-            <p:cNvPr id="24" name="TextBox 23">
-              <a:extLst>
-                <a:ext uri="{FF2B5EF4-FFF2-40B4-BE49-F238E27FC236}">
-                  <a16:creationId xmlns:a16="http://schemas.microsoft.com/office/drawing/2014/main" id="{CF201E88-CBD8-1D43-B4B1-D1956ACBE457}"/>
-                </a:ext>
-              </a:extLst>
-            </p:cNvPr>
-            <p:cNvSpPr txBox="1"/>
-            <p:nvPr/>
-          </p:nvSpPr>
-          <p:spPr>
-            <a:xfrm>
-              <a:off x="5901633" y="3223992"/>
-              <a:ext cx="1912511" cy="461665"/>
-            </a:xfrm>
-            <a:prstGeom prst="rect">
-              <a:avLst/>
-            </a:prstGeom>
-            <a:noFill/>
-          </p:spPr>
-          <p:txBody>
-            <a:bodyPr wrap="none" rtlCol="0">
-              <a:spAutoFit/>
-            </a:bodyPr>
-            <a:lstStyle/>
-            <a:p>
-              <a:pPr algn="ctr"/>
-              <a:r>
-                <a:rPr lang="en-US" sz="1200" dirty="0"/>
-                <a:t>Exceptional order priority,</a:t>
-              </a:r>
-            </a:p>
-            <a:p>
-              <a:pPr algn="ctr"/>
-              <a:r>
-                <a:rPr lang="en-US" sz="1200" dirty="0"/>
-                <a:t>TAN group mapping</a:t>
-              </a:r>
-            </a:p>
-          </p:txBody>
-        </p:sp>
-        <p:sp>
-          <p:nvSpPr>
-            <p:cNvPr id="46" name="Rounded Rectangle 45">
-              <a:extLst>
-                <a:ext uri="{FF2B5EF4-FFF2-40B4-BE49-F238E27FC236}">
-                  <a16:creationId xmlns:a16="http://schemas.microsoft.com/office/drawing/2014/main" id="{F38CD34B-EC19-B045-8F7E-3D16416E5159}"/>
-                </a:ext>
-              </a:extLst>
-            </p:cNvPr>
-            <p:cNvSpPr/>
-            <p:nvPr/>
-          </p:nvSpPr>
-          <p:spPr>
-            <a:xfrm>
-              <a:off x="5821250" y="2068335"/>
-              <a:ext cx="5048519" cy="1684569"/>
-            </a:xfrm>
-            <a:prstGeom prst="roundRect">
-              <a:avLst/>
-            </a:prstGeom>
-            <a:noFill/>
-            <a:ln>
-              <a:solidFill>
-                <a:schemeClr val="bg1">
-                  <a:lumMod val="50000"/>
-                </a:schemeClr>
-              </a:solidFill>
-            </a:ln>
-            <a:effectLst/>
-          </p:spPr>
-          <p:style>
-            <a:lnRef idx="2">
-              <a:schemeClr val="accent1">
-                <a:shade val="50000"/>
-              </a:schemeClr>
-            </a:lnRef>
-            <a:fillRef idx="1">
-              <a:schemeClr val="accent1"/>
-            </a:fillRef>
-            <a:effectRef idx="0">
-              <a:schemeClr val="accent1"/>
-            </a:effectRef>
-            <a:fontRef idx="minor">
-              <a:schemeClr val="lt1"/>
-            </a:fontRef>
-          </p:style>
-          <p:txBody>
-            <a:bodyPr rtlCol="0" anchor="ctr"/>
-            <a:lstStyle/>
-            <a:p>
-              <a:pPr algn="ctr"/>
-              <a:endParaRPr lang="en-CN" dirty="0"/>
-            </a:p>
-          </p:txBody>
-        </p:sp>
-        <p:pic>
-          <p:nvPicPr>
-            <p:cNvPr id="48" name="Graphic 47" descr="Document">
-              <a:extLst>
-                <a:ext uri="{FF2B5EF4-FFF2-40B4-BE49-F238E27FC236}">
-                  <a16:creationId xmlns:a16="http://schemas.microsoft.com/office/drawing/2014/main" id="{8E8C036F-3A2A-594E-9229-DAD2FA4020BF}"/>
-                </a:ext>
-              </a:extLst>
-            </p:cNvPr>
-            <p:cNvPicPr>
-              <a:picLocks noChangeAspect="1"/>
-            </p:cNvPicPr>
-            <p:nvPr/>
-          </p:nvPicPr>
-          <p:blipFill>
-            <a:blip r:embed="rId4">
-              <a:extLst>
-                <a:ext uri="{28A0092B-C50C-407E-A947-70E740481C1C}">
-                  <a14:useLocalDpi xmlns:a14="http://schemas.microsoft.com/office/drawing/2010/main" val="0"/>
-                </a:ext>
-                <a:ext uri="{96DAC541-7B7A-43D3-8B79-37D633B846F1}">
-                  <asvg:svgBlip xmlns:asvg="http://schemas.microsoft.com/office/drawing/2016/SVG/main" r:embed="rId5"/>
-                </a:ext>
-              </a:extLst>
-            </a:blip>
-            <a:stretch>
-              <a:fillRect/>
-            </a:stretch>
-          </p:blipFill>
-          <p:spPr>
-            <a:xfrm>
-              <a:off x="9673863" y="2381319"/>
-              <a:ext cx="836627" cy="836627"/>
-            </a:xfrm>
-            <a:prstGeom prst="rect">
-              <a:avLst/>
-            </a:prstGeom>
-          </p:spPr>
-        </p:pic>
-        <p:pic>
-          <p:nvPicPr>
-            <p:cNvPr id="50" name="Graphic 49" descr="Database">
-              <a:extLst>
-                <a:ext uri="{FF2B5EF4-FFF2-40B4-BE49-F238E27FC236}">
-                  <a16:creationId xmlns:a16="http://schemas.microsoft.com/office/drawing/2014/main" id="{3E8103E0-359E-F54C-A7F1-59C1D86128F6}"/>
-                </a:ext>
-              </a:extLst>
-            </p:cNvPr>
-            <p:cNvPicPr>
-              <a:picLocks noChangeAspect="1"/>
-            </p:cNvPicPr>
-            <p:nvPr/>
-          </p:nvPicPr>
-          <p:blipFill>
-            <a:blip r:embed="rId6">
-              <a:extLst>
-                <a:ext uri="{28A0092B-C50C-407E-A947-70E740481C1C}">
-                  <a14:useLocalDpi xmlns:a14="http://schemas.microsoft.com/office/drawing/2010/main" val="0"/>
-                </a:ext>
-                <a:ext uri="{96DAC541-7B7A-43D3-8B79-37D633B846F1}">
-                  <asvg:svgBlip xmlns:asvg="http://schemas.microsoft.com/office/drawing/2016/SVG/main" r:embed="rId7"/>
-                </a:ext>
-              </a:extLst>
-            </a:blip>
-            <a:stretch>
-              <a:fillRect/>
-            </a:stretch>
-          </p:blipFill>
-          <p:spPr>
-            <a:xfrm>
-              <a:off x="6342492" y="2369996"/>
-              <a:ext cx="914400" cy="914400"/>
-            </a:xfrm>
-            <a:prstGeom prst="rect">
-              <a:avLst/>
-            </a:prstGeom>
-          </p:spPr>
-        </p:pic>
-        <p:pic>
-          <p:nvPicPr>
-            <p:cNvPr id="51" name="Graphic 50" descr="Database">
-              <a:extLst>
-                <a:ext uri="{FF2B5EF4-FFF2-40B4-BE49-F238E27FC236}">
-                  <a16:creationId xmlns:a16="http://schemas.microsoft.com/office/drawing/2014/main" id="{4AD1EC9A-A39A-2349-8B37-82663506F3A8}"/>
-                </a:ext>
-              </a:extLst>
-            </p:cNvPr>
-            <p:cNvPicPr>
-              <a:picLocks noChangeAspect="1"/>
-            </p:cNvPicPr>
-            <p:nvPr/>
-          </p:nvPicPr>
-          <p:blipFill>
-            <a:blip r:embed="rId6">
-              <a:extLst>
-                <a:ext uri="{28A0092B-C50C-407E-A947-70E740481C1C}">
-                  <a14:useLocalDpi xmlns:a14="http://schemas.microsoft.com/office/drawing/2010/main" val="0"/>
-                </a:ext>
-                <a:ext uri="{96DAC541-7B7A-43D3-8B79-37D633B846F1}">
-                  <asvg:svgBlip xmlns:asvg="http://schemas.microsoft.com/office/drawing/2016/SVG/main" r:embed="rId7"/>
-                </a:ext>
-              </a:extLst>
-            </a:blip>
-            <a:stretch>
-              <a:fillRect/>
-            </a:stretch>
-          </p:blipFill>
-          <p:spPr>
-            <a:xfrm>
-              <a:off x="8149324" y="2355561"/>
-              <a:ext cx="914400" cy="914400"/>
-            </a:xfrm>
-            <a:prstGeom prst="rect">
-              <a:avLst/>
-            </a:prstGeom>
-          </p:spPr>
-        </p:pic>
-        <p:sp>
-          <p:nvSpPr>
-            <p:cNvPr id="52" name="TextBox 51">
-              <a:extLst>
-                <a:ext uri="{FF2B5EF4-FFF2-40B4-BE49-F238E27FC236}">
-                  <a16:creationId xmlns:a16="http://schemas.microsoft.com/office/drawing/2014/main" id="{EDFA64B5-3D06-A940-B522-0EFA64FD8AFA}"/>
-                </a:ext>
-              </a:extLst>
-            </p:cNvPr>
-            <p:cNvSpPr txBox="1"/>
-            <p:nvPr/>
-          </p:nvSpPr>
-          <p:spPr>
-            <a:xfrm>
-              <a:off x="6188424" y="2091793"/>
-              <a:ext cx="1234633" cy="338554"/>
-            </a:xfrm>
-            <a:prstGeom prst="rect">
-              <a:avLst/>
-            </a:prstGeom>
-            <a:noFill/>
-          </p:spPr>
-          <p:txBody>
-            <a:bodyPr wrap="none" rtlCol="0">
-              <a:spAutoFit/>
-            </a:bodyPr>
-            <a:lstStyle/>
-            <a:p>
-              <a:r>
-                <a:rPr lang="en-CN" sz="1600" dirty="0"/>
-                <a:t>Smartsheet</a:t>
-              </a:r>
-            </a:p>
-          </p:txBody>
-        </p:sp>
-        <p:sp>
-          <p:nvSpPr>
-            <p:cNvPr id="53" name="TextBox 52">
-              <a:extLst>
-                <a:ext uri="{FF2B5EF4-FFF2-40B4-BE49-F238E27FC236}">
-                  <a16:creationId xmlns:a16="http://schemas.microsoft.com/office/drawing/2014/main" id="{74313FD7-F24C-2740-A16F-4DC20F162B7A}"/>
-                </a:ext>
-              </a:extLst>
-            </p:cNvPr>
-            <p:cNvSpPr txBox="1"/>
-            <p:nvPr/>
-          </p:nvSpPr>
-          <p:spPr>
-            <a:xfrm>
-              <a:off x="8257254" y="2111271"/>
-              <a:ext cx="718466" cy="338554"/>
-            </a:xfrm>
-            <a:prstGeom prst="rect">
-              <a:avLst/>
-            </a:prstGeom>
-            <a:noFill/>
-          </p:spPr>
-          <p:txBody>
-            <a:bodyPr wrap="none" rtlCol="0">
-              <a:spAutoFit/>
-            </a:bodyPr>
-            <a:lstStyle/>
-            <a:p>
-              <a:r>
-                <a:rPr lang="en-CN" sz="1600" dirty="0"/>
-                <a:t>SCDx</a:t>
-              </a:r>
-            </a:p>
-          </p:txBody>
-        </p:sp>
-        <p:sp>
-          <p:nvSpPr>
-            <p:cNvPr id="54" name="TextBox 53">
-              <a:extLst>
-                <a:ext uri="{FF2B5EF4-FFF2-40B4-BE49-F238E27FC236}">
-                  <a16:creationId xmlns:a16="http://schemas.microsoft.com/office/drawing/2014/main" id="{7699D868-6E86-114A-94B1-A93737E6E426}"/>
-                </a:ext>
-              </a:extLst>
-            </p:cNvPr>
-            <p:cNvSpPr txBox="1"/>
-            <p:nvPr/>
-          </p:nvSpPr>
-          <p:spPr>
-            <a:xfrm>
-              <a:off x="9704646" y="2111271"/>
-              <a:ext cx="766557" cy="338554"/>
-            </a:xfrm>
-            <a:prstGeom prst="rect">
-              <a:avLst/>
-            </a:prstGeom>
-            <a:noFill/>
-          </p:spPr>
-          <p:txBody>
-            <a:bodyPr wrap="none" rtlCol="0">
-              <a:spAutoFit/>
-            </a:bodyPr>
-            <a:lstStyle/>
-            <a:p>
-              <a:r>
-                <a:rPr lang="en-CN" sz="1600" dirty="0"/>
-                <a:t>(UOV)</a:t>
-              </a:r>
-            </a:p>
-          </p:txBody>
-        </p:sp>
-      </p:grpSp>
+        </p:nvSpPr>
+        <p:spPr>
+          <a:xfrm>
+            <a:off x="8150827" y="2399234"/>
+            <a:ext cx="966674" cy="400110"/>
+          </a:xfrm>
+          <a:prstGeom prst="rect">
+            <a:avLst/>
+          </a:prstGeom>
+          <a:noFill/>
+        </p:spPr>
+        <p:txBody>
+          <a:bodyPr wrap="square" rtlCol="0">
+            <a:spAutoFit/>
+          </a:bodyPr>
+          <a:lstStyle/>
+          <a:p>
+            <a:pPr algn="ctr"/>
+            <a:r>
+              <a:rPr lang="en-US" sz="1000" dirty="0"/>
+              <a:t>3A4 Backlog</a:t>
+            </a:r>
+          </a:p>
+          <a:p>
+            <a:pPr algn="ctr"/>
+            <a:r>
+              <a:rPr lang="en-US" sz="1000" dirty="0"/>
+              <a:t>(UOV)</a:t>
+            </a:r>
+          </a:p>
+        </p:txBody>
+      </p:sp>
+      <p:pic>
+        <p:nvPicPr>
+          <p:cNvPr id="48" name="Graphic 47" descr="Document">
+            <a:extLst>
+              <a:ext uri="{FF2B5EF4-FFF2-40B4-BE49-F238E27FC236}">
+                <a16:creationId xmlns:a16="http://schemas.microsoft.com/office/drawing/2014/main" id="{8E8C036F-3A2A-594E-9229-DAD2FA4020BF}"/>
+              </a:ext>
+            </a:extLst>
+          </p:cNvPr>
+          <p:cNvPicPr>
+            <a:picLocks noChangeAspect="1"/>
+          </p:cNvPicPr>
+          <p:nvPr/>
+        </p:nvPicPr>
+        <p:blipFill>
+          <a:blip r:embed="rId4">
+            <a:extLst>
+              <a:ext uri="{28A0092B-C50C-407E-A947-70E740481C1C}">
+                <a14:useLocalDpi xmlns:a14="http://schemas.microsoft.com/office/drawing/2010/main" val="0"/>
+              </a:ext>
+              <a:ext uri="{96DAC541-7B7A-43D3-8B79-37D633B846F1}">
+                <asvg:svgBlip xmlns:asvg="http://schemas.microsoft.com/office/drawing/2016/SVG/main" r:embed="rId5"/>
+              </a:ext>
+            </a:extLst>
+          </a:blip>
+          <a:stretch>
+            <a:fillRect/>
+          </a:stretch>
+        </p:blipFill>
+        <p:spPr>
+          <a:xfrm>
+            <a:off x="7692522" y="2218422"/>
+            <a:ext cx="668426" cy="668426"/>
+          </a:xfrm>
+          <a:prstGeom prst="rect">
+            <a:avLst/>
+          </a:prstGeom>
+        </p:spPr>
+      </p:pic>
+      <p:pic>
+        <p:nvPicPr>
+          <p:cNvPr id="50" name="Graphic 49" descr="Database">
+            <a:extLst>
+              <a:ext uri="{FF2B5EF4-FFF2-40B4-BE49-F238E27FC236}">
+                <a16:creationId xmlns:a16="http://schemas.microsoft.com/office/drawing/2014/main" id="{3E8103E0-359E-F54C-A7F1-59C1D86128F6}"/>
+              </a:ext>
+            </a:extLst>
+          </p:cNvPr>
+          <p:cNvPicPr>
+            <a:picLocks noChangeAspect="1"/>
+          </p:cNvPicPr>
+          <p:nvPr/>
+        </p:nvPicPr>
+        <p:blipFill>
+          <a:blip r:embed="rId6">
+            <a:extLst>
+              <a:ext uri="{28A0092B-C50C-407E-A947-70E740481C1C}">
+                <a14:useLocalDpi xmlns:a14="http://schemas.microsoft.com/office/drawing/2010/main" val="0"/>
+              </a:ext>
+              <a:ext uri="{96DAC541-7B7A-43D3-8B79-37D633B846F1}">
+                <asvg:svgBlip xmlns:asvg="http://schemas.microsoft.com/office/drawing/2016/SVG/main" r:embed="rId7"/>
+              </a:ext>
+            </a:extLst>
+          </a:blip>
+          <a:stretch>
+            <a:fillRect/>
+          </a:stretch>
+        </p:blipFill>
+        <p:spPr>
+          <a:xfrm>
+            <a:off x="7734425" y="3618809"/>
+            <a:ext cx="588988" cy="588988"/>
+          </a:xfrm>
+          <a:prstGeom prst="rect">
+            <a:avLst/>
+          </a:prstGeom>
+        </p:spPr>
+      </p:pic>
+      <p:pic>
+        <p:nvPicPr>
+          <p:cNvPr id="51" name="Graphic 50" descr="Database">
+            <a:extLst>
+              <a:ext uri="{FF2B5EF4-FFF2-40B4-BE49-F238E27FC236}">
+                <a16:creationId xmlns:a16="http://schemas.microsoft.com/office/drawing/2014/main" id="{4AD1EC9A-A39A-2349-8B37-82663506F3A8}"/>
+              </a:ext>
+            </a:extLst>
+          </p:cNvPr>
+          <p:cNvPicPr>
+            <a:picLocks noChangeAspect="1"/>
+          </p:cNvPicPr>
+          <p:nvPr/>
+        </p:nvPicPr>
+        <p:blipFill>
+          <a:blip r:embed="rId6">
+            <a:extLst>
+              <a:ext uri="{28A0092B-C50C-407E-A947-70E740481C1C}">
+                <a14:useLocalDpi xmlns:a14="http://schemas.microsoft.com/office/drawing/2010/main" val="0"/>
+              </a:ext>
+              <a:ext uri="{96DAC541-7B7A-43D3-8B79-37D633B846F1}">
+                <asvg:svgBlip xmlns:asvg="http://schemas.microsoft.com/office/drawing/2016/SVG/main" r:embed="rId7"/>
+              </a:ext>
+            </a:extLst>
+          </a:blip>
+          <a:stretch>
+            <a:fillRect/>
+          </a:stretch>
+        </p:blipFill>
+        <p:spPr>
+          <a:xfrm>
+            <a:off x="7732241" y="4187958"/>
+            <a:ext cx="588988" cy="588988"/>
+          </a:xfrm>
+          <a:prstGeom prst="rect">
+            <a:avLst/>
+          </a:prstGeom>
+        </p:spPr>
+      </p:pic>
+      <p:sp>
+        <p:nvSpPr>
+          <p:cNvPr id="52" name="TextBox 51">
+            <a:extLst>
+              <a:ext uri="{FF2B5EF4-FFF2-40B4-BE49-F238E27FC236}">
+                <a16:creationId xmlns:a16="http://schemas.microsoft.com/office/drawing/2014/main" id="{EDFA64B5-3D06-A940-B522-0EFA64FD8AFA}"/>
+              </a:ext>
+            </a:extLst>
+          </p:cNvPr>
+          <p:cNvSpPr txBox="1"/>
+          <p:nvPr/>
+        </p:nvSpPr>
+        <p:spPr>
+          <a:xfrm>
+            <a:off x="8147364" y="3794936"/>
+            <a:ext cx="970137" cy="276999"/>
+          </a:xfrm>
+          <a:prstGeom prst="rect">
+            <a:avLst/>
+          </a:prstGeom>
+          <a:noFill/>
+        </p:spPr>
+        <p:txBody>
+          <a:bodyPr wrap="none" rtlCol="0">
+            <a:spAutoFit/>
+          </a:bodyPr>
+          <a:lstStyle/>
+          <a:p>
+            <a:r>
+              <a:rPr lang="en-CN" sz="1200" dirty="0"/>
+              <a:t>Smartsheet</a:t>
+            </a:r>
+          </a:p>
+        </p:txBody>
+      </p:sp>
+      <p:sp>
+        <p:nvSpPr>
+          <p:cNvPr id="53" name="TextBox 52">
+            <a:extLst>
+              <a:ext uri="{FF2B5EF4-FFF2-40B4-BE49-F238E27FC236}">
+                <a16:creationId xmlns:a16="http://schemas.microsoft.com/office/drawing/2014/main" id="{74313FD7-F24C-2740-A16F-4DC20F162B7A}"/>
+              </a:ext>
+            </a:extLst>
+          </p:cNvPr>
+          <p:cNvSpPr txBox="1"/>
+          <p:nvPr/>
+        </p:nvSpPr>
+        <p:spPr>
+          <a:xfrm>
+            <a:off x="8147364" y="4383924"/>
+            <a:ext cx="1353256" cy="276999"/>
+          </a:xfrm>
+          <a:prstGeom prst="rect">
+            <a:avLst/>
+          </a:prstGeom>
+          <a:noFill/>
+        </p:spPr>
+        <p:txBody>
+          <a:bodyPr wrap="none" rtlCol="0">
+            <a:spAutoFit/>
+          </a:bodyPr>
+          <a:lstStyle/>
+          <a:p>
+            <a:r>
+              <a:rPr lang="en-CN" sz="1200" dirty="0"/>
+              <a:t>MongoDB: SCDx</a:t>
+            </a:r>
+          </a:p>
+        </p:txBody>
+      </p:sp>
       <p:grpSp>
         <p:nvGrpSpPr>
           <p:cNvPr id="58" name="Group 57">
@@ -23667,8 +23484,8 @@
         </p:nvGrpSpPr>
         <p:grpSpPr>
           <a:xfrm>
-            <a:off x="3347111" y="1729814"/>
-            <a:ext cx="2241759" cy="3997105"/>
+            <a:off x="3376651" y="1404260"/>
+            <a:ext cx="3436257" cy="4998655"/>
             <a:chOff x="2355999" y="1888540"/>
             <a:chExt cx="2241759" cy="3997105"/>
           </a:xfrm>
@@ -23743,8 +23560,8 @@
           </p:nvSpPr>
           <p:spPr>
             <a:xfrm>
-              <a:off x="2781224" y="2058102"/>
-              <a:ext cx="1524263" cy="338554"/>
+              <a:off x="2518122" y="2111060"/>
+              <a:ext cx="1917513" cy="446276"/>
             </a:xfrm>
             <a:prstGeom prst="rect">
               <a:avLst/>
@@ -23757,9 +23574,29 @@
             </a:bodyPr>
             <a:lstStyle/>
             <a:p>
+              <a:pPr algn="ctr"/>
               <a:r>
                 <a:rPr lang="en-CN" sz="1600" dirty="0"/>
                 <a:t>Cisco IT Cloud</a:t>
+              </a:r>
+            </a:p>
+            <a:p>
+              <a:pPr algn="ctr"/>
+              <a:r>
+                <a:rPr lang="en-CN" sz="700" dirty="0"/>
+                <a:t>(</a:t>
+              </a:r>
+              <a:r>
+                <a:rPr lang="en-US" sz="700" dirty="0"/>
+                <a:t>http://10.123.219.22:5000/</a:t>
+              </a:r>
+              <a:r>
+                <a:rPr lang="en-US" sz="700" dirty="0" err="1"/>
+                <a:t>pcba_allocation</a:t>
+              </a:r>
+              <a:r>
+                <a:rPr lang="en-CN" sz="700" dirty="0"/>
+                <a:t>)</a:t>
               </a:r>
             </a:p>
           </p:txBody>
@@ -23778,7 +23615,7 @@
           </p:nvSpPr>
           <p:spPr>
             <a:xfrm>
-              <a:off x="2789445" y="3127094"/>
+              <a:off x="2781224" y="2780640"/>
               <a:ext cx="1401137" cy="633880"/>
             </a:xfrm>
             <a:prstGeom prst="roundRect">
@@ -23840,7 +23677,7 @@
           </p:nvSpPr>
           <p:spPr>
             <a:xfrm>
-              <a:off x="2781405" y="3965501"/>
+              <a:off x="2768004" y="3798929"/>
               <a:ext cx="1409177" cy="633880"/>
             </a:xfrm>
             <a:prstGeom prst="roundRect">
@@ -23902,7 +23739,7 @@
           </p:nvSpPr>
           <p:spPr>
             <a:xfrm>
-              <a:off x="2781224" y="4819649"/>
+              <a:off x="2768004" y="4819649"/>
               <a:ext cx="1409177" cy="633880"/>
             </a:xfrm>
             <a:prstGeom prst="roundRect">
@@ -23962,14 +23799,15 @@
           </p:cNvPr>
           <p:cNvCxnSpPr>
             <a:cxnSpLocks/>
+            <a:stCxn id="45" idx="3"/>
             <a:endCxn id="55" idx="1"/>
           </p:cNvCxnSpPr>
           <p:nvPr/>
         </p:nvCxnSpPr>
         <p:spPr>
           <a:xfrm>
-            <a:off x="2586630" y="3285308"/>
-            <a:ext cx="1193927" cy="0"/>
+            <a:off x="2488932" y="2916247"/>
+            <a:ext cx="1539521" cy="1"/>
           </a:xfrm>
           <a:prstGeom prst="straightConnector1">
             <a:avLst/>
@@ -24004,13 +23842,12 @@
           </p:cNvPr>
           <p:cNvCxnSpPr>
             <a:cxnSpLocks/>
-            <a:endCxn id="55" idx="3"/>
           </p:cNvCxnSpPr>
           <p:nvPr/>
         </p:nvCxnSpPr>
         <p:spPr>
           <a:xfrm flipH="1" flipV="1">
-            <a:off x="5181694" y="3285308"/>
+            <a:off x="6368591" y="2624883"/>
             <a:ext cx="1150932" cy="9614"/>
           </a:xfrm>
           <a:prstGeom prst="straightConnector1">
@@ -24051,9 +23888,9 @@
           <p:nvPr/>
         </p:nvCxnSpPr>
         <p:spPr>
-          <a:xfrm flipH="1">
-            <a:off x="4477106" y="3602248"/>
-            <a:ext cx="2720" cy="204527"/>
+          <a:xfrm>
+            <a:off x="5088209" y="3312310"/>
+            <a:ext cx="1" cy="481023"/>
           </a:xfrm>
           <a:prstGeom prst="straightConnector1">
             <a:avLst/>
@@ -24094,9 +23931,9 @@
           <p:nvPr/>
         </p:nvCxnSpPr>
         <p:spPr>
-          <a:xfrm flipH="1">
-            <a:off x="4476925" y="4440655"/>
-            <a:ext cx="181" cy="220268"/>
+          <a:xfrm>
+            <a:off x="5088210" y="4586044"/>
+            <a:ext cx="0" cy="483770"/>
           </a:xfrm>
           <a:prstGeom prst="straightConnector1">
             <a:avLst/>
@@ -24136,7 +23973,7 @@
         </p:nvCxnSpPr>
         <p:spPr>
           <a:xfrm flipH="1" flipV="1">
-            <a:off x="5180994" y="4131420"/>
+            <a:off x="6416318" y="3963501"/>
             <a:ext cx="1150932" cy="9614"/>
           </a:xfrm>
           <a:prstGeom prst="straightConnector1">
@@ -24161,6 +23998,217 @@
           </a:fontRef>
         </p:style>
       </p:cxnSp>
+      <p:sp>
+        <p:nvSpPr>
+          <p:cNvPr id="4" name="TextBox 3">
+            <a:extLst>
+              <a:ext uri="{FF2B5EF4-FFF2-40B4-BE49-F238E27FC236}">
+                <a16:creationId xmlns:a16="http://schemas.microsoft.com/office/drawing/2014/main" id="{969CF5F9-DEA6-EB4F-827B-B43EE72154DD}"/>
+              </a:ext>
+            </a:extLst>
+          </p:cNvPr>
+          <p:cNvSpPr txBox="1"/>
+          <p:nvPr/>
+        </p:nvSpPr>
+        <p:spPr>
+          <a:xfrm>
+            <a:off x="6601533" y="4121542"/>
+            <a:ext cx="873957" cy="261610"/>
+          </a:xfrm>
+          <a:prstGeom prst="rect">
+            <a:avLst/>
+          </a:prstGeom>
+          <a:noFill/>
+        </p:spPr>
+        <p:txBody>
+          <a:bodyPr wrap="none" rtlCol="0">
+            <a:spAutoFit/>
+          </a:bodyPr>
+          <a:lstStyle/>
+          <a:p>
+            <a:r>
+              <a:rPr lang="en-US" sz="1100" dirty="0"/>
+              <a:t>P</a:t>
+            </a:r>
+            <a:r>
+              <a:rPr lang="en-CN" sz="1100" dirty="0"/>
+              <a:t>ort:37600</a:t>
+            </a:r>
+          </a:p>
+        </p:txBody>
+      </p:sp>
+      <p:cxnSp>
+        <p:nvCxnSpPr>
+          <p:cNvPr id="28" name="Straight Arrow Connector 27">
+            <a:extLst>
+              <a:ext uri="{FF2B5EF4-FFF2-40B4-BE49-F238E27FC236}">
+                <a16:creationId xmlns:a16="http://schemas.microsoft.com/office/drawing/2014/main" id="{A2F24371-E72E-9741-BBF3-C917CA24EB99}"/>
+              </a:ext>
+            </a:extLst>
+          </p:cNvPr>
+          <p:cNvCxnSpPr>
+            <a:cxnSpLocks/>
+          </p:cNvCxnSpPr>
+          <p:nvPr/>
+        </p:nvCxnSpPr>
+        <p:spPr>
+          <a:xfrm flipH="1" flipV="1">
+            <a:off x="6427165" y="4349510"/>
+            <a:ext cx="1150932" cy="9614"/>
+          </a:xfrm>
+          <a:prstGeom prst="straightConnector1">
+            <a:avLst/>
+          </a:prstGeom>
+          <a:ln>
+            <a:tailEnd type="triangle"/>
+          </a:ln>
+        </p:spPr>
+        <p:style>
+          <a:lnRef idx="1">
+            <a:schemeClr val="accent1"/>
+          </a:lnRef>
+          <a:fillRef idx="0">
+            <a:schemeClr val="accent1"/>
+          </a:fillRef>
+          <a:effectRef idx="0">
+            <a:schemeClr val="accent1"/>
+          </a:effectRef>
+          <a:fontRef idx="minor">
+            <a:schemeClr val="tx1"/>
+          </a:fontRef>
+        </p:style>
+      </p:cxnSp>
+      <p:pic>
+        <p:nvPicPr>
+          <p:cNvPr id="36" name="Graphic 35" descr="Document">
+            <a:extLst>
+              <a:ext uri="{FF2B5EF4-FFF2-40B4-BE49-F238E27FC236}">
+                <a16:creationId xmlns:a16="http://schemas.microsoft.com/office/drawing/2014/main" id="{988D0D40-C777-9447-A3FA-68CBE6875849}"/>
+              </a:ext>
+            </a:extLst>
+          </p:cNvPr>
+          <p:cNvPicPr>
+            <a:picLocks noChangeAspect="1"/>
+          </p:cNvPicPr>
+          <p:nvPr/>
+        </p:nvPicPr>
+        <p:blipFill>
+          <a:blip r:embed="rId4">
+            <a:extLst>
+              <a:ext uri="{28A0092B-C50C-407E-A947-70E740481C1C}">
+                <a14:useLocalDpi xmlns:a14="http://schemas.microsoft.com/office/drawing/2010/main" val="0"/>
+              </a:ext>
+              <a:ext uri="{96DAC541-7B7A-43D3-8B79-37D633B846F1}">
+                <asvg:svgBlip xmlns:asvg="http://schemas.microsoft.com/office/drawing/2016/SVG/main" r:embed="rId5"/>
+              </a:ext>
+            </a:extLst>
+          </a:blip>
+          <a:stretch>
+            <a:fillRect/>
+          </a:stretch>
+        </p:blipFill>
+        <p:spPr>
+          <a:xfrm>
+            <a:off x="7700627" y="2862320"/>
+            <a:ext cx="668426" cy="668426"/>
+          </a:xfrm>
+          <a:prstGeom prst="rect">
+            <a:avLst/>
+          </a:prstGeom>
+        </p:spPr>
+      </p:pic>
+      <p:cxnSp>
+        <p:nvCxnSpPr>
+          <p:cNvPr id="37" name="Straight Arrow Connector 36">
+            <a:extLst>
+              <a:ext uri="{FF2B5EF4-FFF2-40B4-BE49-F238E27FC236}">
+                <a16:creationId xmlns:a16="http://schemas.microsoft.com/office/drawing/2014/main" id="{5F3F51FF-9E72-124C-99AF-DBDFF46462DD}"/>
+              </a:ext>
+            </a:extLst>
+          </p:cNvPr>
+          <p:cNvCxnSpPr>
+            <a:cxnSpLocks/>
+          </p:cNvCxnSpPr>
+          <p:nvPr/>
+        </p:nvCxnSpPr>
+        <p:spPr>
+          <a:xfrm flipH="1" flipV="1">
+            <a:off x="6380420" y="3180197"/>
+            <a:ext cx="1150932" cy="9614"/>
+          </a:xfrm>
+          <a:prstGeom prst="straightConnector1">
+            <a:avLst/>
+          </a:prstGeom>
+          <a:ln>
+            <a:tailEnd type="triangle"/>
+          </a:ln>
+        </p:spPr>
+        <p:style>
+          <a:lnRef idx="1">
+            <a:schemeClr val="accent1"/>
+          </a:lnRef>
+          <a:fillRef idx="0">
+            <a:schemeClr val="accent1"/>
+          </a:fillRef>
+          <a:effectRef idx="0">
+            <a:schemeClr val="accent1"/>
+          </a:effectRef>
+          <a:fontRef idx="minor">
+            <a:schemeClr val="tx1"/>
+          </a:fontRef>
+        </p:style>
+      </p:cxnSp>
+      <p:sp>
+        <p:nvSpPr>
+          <p:cNvPr id="38" name="TextBox 37">
+            <a:extLst>
+              <a:ext uri="{FF2B5EF4-FFF2-40B4-BE49-F238E27FC236}">
+                <a16:creationId xmlns:a16="http://schemas.microsoft.com/office/drawing/2014/main" id="{3466DE87-E036-3249-AD50-C3435F266CDE}"/>
+              </a:ext>
+            </a:extLst>
+          </p:cNvPr>
+          <p:cNvSpPr txBox="1"/>
+          <p:nvPr/>
+        </p:nvSpPr>
+        <p:spPr>
+          <a:xfrm>
+            <a:off x="8176539" y="3014210"/>
+            <a:ext cx="966674" cy="553998"/>
+          </a:xfrm>
+          <a:prstGeom prst="rect">
+            <a:avLst/>
+          </a:prstGeom>
+          <a:noFill/>
+        </p:spPr>
+        <p:txBody>
+          <a:bodyPr wrap="square" rtlCol="0">
+            <a:spAutoFit/>
+          </a:bodyPr>
+          <a:lstStyle/>
+          <a:p>
+            <a:pPr algn="ctr"/>
+            <a:r>
+              <a:rPr lang="en-US" sz="1000" dirty="0"/>
+              <a:t>OH, in-transit, SCR</a:t>
+            </a:r>
+          </a:p>
+          <a:p>
+            <a:pPr algn="ctr"/>
+            <a:r>
+              <a:rPr lang="en-US" sz="1000" dirty="0"/>
+              <a:t>(</a:t>
+            </a:r>
+            <a:r>
+              <a:rPr lang="en-US" sz="1000" dirty="0" err="1"/>
+              <a:t>SCDx</a:t>
+            </a:r>
+            <a:r>
+              <a:rPr lang="en-US" sz="1000" dirty="0"/>
+              <a:t>)</a:t>
+            </a:r>
+          </a:p>
+        </p:txBody>
+      </p:sp>
     </p:spTree>
     <p:extLst>
       <p:ext uri="{BB962C8B-B14F-4D97-AF65-F5344CB8AC3E}">

--- a/PCBA allocation procedure and logic - Nov 12.pptx
+++ b/PCBA allocation procedure and logic - Nov 12.pptx
@@ -235,7 +235,7 @@
           <a:p>
             <a:fld id="{055D18FD-D4CC-4163-B221-261AEA246121}" type="datetimeFigureOut">
               <a:rPr lang="en-US" smtClean="0"/>
-              <a:t>11/20/20</a:t>
+              <a:t>11/23/20</a:t>
             </a:fld>
             <a:endParaRPr lang="en-US"/>
           </a:p>
@@ -570,14 +570,14 @@
           </a:ln>
           <a:extLst>
             <a:ext uri="{909E8E84-426E-40dd-AFC4-6F175D3DCCD1}">
-              <a14:hiddenFill xmlns:a14="http://schemas.microsoft.com/office/drawing/2010/main" xmlns="">
+              <a14:hiddenFill xmlns="" xmlns:a14="http://schemas.microsoft.com/office/drawing/2010/main">
                 <a:solidFill>
                   <a:srgbClr val="FFFFFF"/>
                 </a:solidFill>
               </a14:hiddenFill>
             </a:ext>
             <a:ext uri="{91240B29-F687-4f45-9708-019B960494DF}">
-              <a14:hiddenLine xmlns:a14="http://schemas.microsoft.com/office/drawing/2010/main" xmlns="" w="9525">
+              <a14:hiddenLine xmlns="" xmlns:a14="http://schemas.microsoft.com/office/drawing/2010/main" w="9525">
                 <a:solidFill>
                   <a:srgbClr val="000000"/>
                 </a:solidFill>
@@ -1362,14 +1362,14 @@
           </a:ln>
           <a:extLst>
             <a:ext uri="{909E8E84-426E-40dd-AFC4-6F175D3DCCD1}">
-              <a14:hiddenFill xmlns:a14="http://schemas.microsoft.com/office/drawing/2010/main" xmlns="">
+              <a14:hiddenFill xmlns="" xmlns:a14="http://schemas.microsoft.com/office/drawing/2010/main">
                 <a:solidFill>
                   <a:srgbClr val="FFFFFF"/>
                 </a:solidFill>
               </a14:hiddenFill>
             </a:ext>
             <a:ext uri="{91240B29-F687-4f45-9708-019B960494DF}">
-              <a14:hiddenLine xmlns:a14="http://schemas.microsoft.com/office/drawing/2010/main" xmlns="" w="9525">
+              <a14:hiddenLine xmlns="" xmlns:a14="http://schemas.microsoft.com/office/drawing/2010/main" w="9525">
                 <a:solidFill>
                   <a:srgbClr val="000000"/>
                 </a:solidFill>
@@ -1758,14 +1758,14 @@
           </a:ln>
           <a:extLst>
             <a:ext uri="{909E8E84-426E-40dd-AFC4-6F175D3DCCD1}">
-              <a14:hiddenFill xmlns:a14="http://schemas.microsoft.com/office/drawing/2010/main" xmlns="">
+              <a14:hiddenFill xmlns="" xmlns:a14="http://schemas.microsoft.com/office/drawing/2010/main">
                 <a:solidFill>
                   <a:srgbClr val="FFFFFF"/>
                 </a:solidFill>
               </a14:hiddenFill>
             </a:ext>
             <a:ext uri="{91240B29-F687-4f45-9708-019B960494DF}">
-              <a14:hiddenLine xmlns:a14="http://schemas.microsoft.com/office/drawing/2010/main" xmlns="" w="9525">
+              <a14:hiddenLine xmlns="" xmlns:a14="http://schemas.microsoft.com/office/drawing/2010/main" w="9525">
                 <a:solidFill>
                   <a:srgbClr val="000000"/>
                 </a:solidFill>
@@ -3407,14 +3407,14 @@
           </a:ln>
           <a:extLst>
             <a:ext uri="{909E8E84-426E-40dd-AFC4-6F175D3DCCD1}">
-              <a14:hiddenFill xmlns:a14="http://schemas.microsoft.com/office/drawing/2010/main" xmlns="">
+              <a14:hiddenFill xmlns="" xmlns:a14="http://schemas.microsoft.com/office/drawing/2010/main">
                 <a:solidFill>
                   <a:srgbClr val="FFFFFF"/>
                 </a:solidFill>
               </a14:hiddenFill>
             </a:ext>
             <a:ext uri="{91240B29-F687-4f45-9708-019B960494DF}">
-              <a14:hiddenLine xmlns:a14="http://schemas.microsoft.com/office/drawing/2010/main" xmlns="" w="9525">
+              <a14:hiddenLine xmlns="" xmlns:a14="http://schemas.microsoft.com/office/drawing/2010/main" w="9525">
                 <a:solidFill>
                   <a:srgbClr val="000000"/>
                 </a:solidFill>
@@ -3503,14 +3503,14 @@
           </a:ln>
           <a:extLst>
             <a:ext uri="{909E8E84-426E-40dd-AFC4-6F175D3DCCD1}">
-              <a14:hiddenFill xmlns:a14="http://schemas.microsoft.com/office/drawing/2010/main" xmlns="">
+              <a14:hiddenFill xmlns="" xmlns:a14="http://schemas.microsoft.com/office/drawing/2010/main">
                 <a:solidFill>
                   <a:srgbClr val="FFFFFF"/>
                 </a:solidFill>
               </a14:hiddenFill>
             </a:ext>
             <a:ext uri="{91240B29-F687-4f45-9708-019B960494DF}">
-              <a14:hiddenLine xmlns:a14="http://schemas.microsoft.com/office/drawing/2010/main" xmlns="" w="9525">
+              <a14:hiddenLine xmlns="" xmlns:a14="http://schemas.microsoft.com/office/drawing/2010/main" w="9525">
                 <a:solidFill>
                   <a:srgbClr val="000000"/>
                 </a:solidFill>
@@ -4038,14 +4038,14 @@
           </a:ln>
           <a:extLst>
             <a:ext uri="{909E8E84-426E-40dd-AFC4-6F175D3DCCD1}">
-              <a14:hiddenFill xmlns:a14="http://schemas.microsoft.com/office/drawing/2010/main" xmlns="">
+              <a14:hiddenFill xmlns="" xmlns:a14="http://schemas.microsoft.com/office/drawing/2010/main">
                 <a:solidFill>
                   <a:srgbClr val="FFFFFF"/>
                 </a:solidFill>
               </a14:hiddenFill>
             </a:ext>
             <a:ext uri="{91240B29-F687-4f45-9708-019B960494DF}">
-              <a14:hiddenLine xmlns:a14="http://schemas.microsoft.com/office/drawing/2010/main" xmlns="" w="9525">
+              <a14:hiddenLine xmlns="" xmlns:a14="http://schemas.microsoft.com/office/drawing/2010/main" w="9525">
                 <a:solidFill>
                   <a:srgbClr val="000000"/>
                 </a:solidFill>
@@ -4514,14 +4514,14 @@
           </a:ln>
           <a:extLst>
             <a:ext uri="{909E8E84-426E-40dd-AFC4-6F175D3DCCD1}">
-              <a14:hiddenFill xmlns:a14="http://schemas.microsoft.com/office/drawing/2010/main" xmlns="">
+              <a14:hiddenFill xmlns="" xmlns:a14="http://schemas.microsoft.com/office/drawing/2010/main">
                 <a:solidFill>
                   <a:srgbClr val="FFFFFF"/>
                 </a:solidFill>
               </a14:hiddenFill>
             </a:ext>
             <a:ext uri="{91240B29-F687-4f45-9708-019B960494DF}">
-              <a14:hiddenLine xmlns:a14="http://schemas.microsoft.com/office/drawing/2010/main" xmlns="" w="9525">
+              <a14:hiddenLine xmlns="" xmlns:a14="http://schemas.microsoft.com/office/drawing/2010/main" w="9525">
                 <a:solidFill>
                   <a:srgbClr val="000000"/>
                 </a:solidFill>
@@ -4735,14 +4735,14 @@
           </a:ln>
           <a:extLst>
             <a:ext uri="{909E8E84-426E-40dd-AFC4-6F175D3DCCD1}">
-              <a14:hiddenFill xmlns:a14="http://schemas.microsoft.com/office/drawing/2010/main" xmlns="">
+              <a14:hiddenFill xmlns="" xmlns:a14="http://schemas.microsoft.com/office/drawing/2010/main">
                 <a:solidFill>
                   <a:srgbClr val="FFFFFF"/>
                 </a:solidFill>
               </a14:hiddenFill>
             </a:ext>
             <a:ext uri="{91240B29-F687-4f45-9708-019B960494DF}">
-              <a14:hiddenLine xmlns:a14="http://schemas.microsoft.com/office/drawing/2010/main" xmlns="" w="9525">
+              <a14:hiddenLine xmlns="" xmlns:a14="http://schemas.microsoft.com/office/drawing/2010/main" w="9525">
                 <a:solidFill>
                   <a:srgbClr val="000000"/>
                 </a:solidFill>
@@ -4956,14 +4956,14 @@
           </a:ln>
           <a:extLst>
             <a:ext uri="{909E8E84-426E-40dd-AFC4-6F175D3DCCD1}">
-              <a14:hiddenFill xmlns:a14="http://schemas.microsoft.com/office/drawing/2010/main" xmlns="">
+              <a14:hiddenFill xmlns="" xmlns:a14="http://schemas.microsoft.com/office/drawing/2010/main">
                 <a:solidFill>
                   <a:srgbClr val="FFFFFF"/>
                 </a:solidFill>
               </a14:hiddenFill>
             </a:ext>
             <a:ext uri="{91240B29-F687-4f45-9708-019B960494DF}">
-              <a14:hiddenLine xmlns:a14="http://schemas.microsoft.com/office/drawing/2010/main" xmlns="" w="9525">
+              <a14:hiddenLine xmlns="" xmlns:a14="http://schemas.microsoft.com/office/drawing/2010/main" w="9525">
                 <a:solidFill>
                   <a:srgbClr val="000000"/>
                 </a:solidFill>
@@ -5625,7 +5625,7 @@
           </a:ln>
           <a:extLst>
             <a:ext uri="{91240B29-F687-4f45-9708-019B960494DF}">
-              <a14:hiddenLine xmlns:a14="http://schemas.microsoft.com/office/drawing/2010/main" xmlns="" w="25400" algn="ctr">
+              <a14:hiddenLine xmlns="" xmlns:a14="http://schemas.microsoft.com/office/drawing/2010/main" w="25400" algn="ctr">
                 <a:solidFill>
                   <a:srgbClr val="000000"/>
                 </a:solidFill>
@@ -5781,7 +5781,7 @@
           </a:ln>
           <a:extLst>
             <a:ext uri="{91240B29-F687-4f45-9708-019B960494DF}">
-              <a14:hiddenLine xmlns:a14="http://schemas.microsoft.com/office/drawing/2010/main" xmlns="" w="25400" algn="ctr">
+              <a14:hiddenLine xmlns="" xmlns:a14="http://schemas.microsoft.com/office/drawing/2010/main" w="25400" algn="ctr">
                 <a:solidFill>
                   <a:srgbClr val="000000"/>
                 </a:solidFill>
@@ -5937,7 +5937,7 @@
           </a:ln>
           <a:extLst>
             <a:ext uri="{91240B29-F687-4f45-9708-019B960494DF}">
-              <a14:hiddenLine xmlns:a14="http://schemas.microsoft.com/office/drawing/2010/main" xmlns="" w="25400" algn="ctr">
+              <a14:hiddenLine xmlns="" xmlns:a14="http://schemas.microsoft.com/office/drawing/2010/main" w="25400" algn="ctr">
                 <a:solidFill>
                   <a:srgbClr val="000000"/>
                 </a:solidFill>
@@ -6091,14 +6091,14 @@
           </a:ln>
           <a:extLst>
             <a:ext uri="{909E8E84-426E-40dd-AFC4-6F175D3DCCD1}">
-              <a14:hiddenFill xmlns:a14="http://schemas.microsoft.com/office/drawing/2010/main" xmlns="">
+              <a14:hiddenFill xmlns="" xmlns:a14="http://schemas.microsoft.com/office/drawing/2010/main">
                 <a:solidFill>
                   <a:srgbClr val="FFFFFF"/>
                 </a:solidFill>
               </a14:hiddenFill>
             </a:ext>
             <a:ext uri="{91240B29-F687-4f45-9708-019B960494DF}">
-              <a14:hiddenLine xmlns:a14="http://schemas.microsoft.com/office/drawing/2010/main" xmlns="" w="9525">
+              <a14:hiddenLine xmlns="" xmlns:a14="http://schemas.microsoft.com/office/drawing/2010/main" w="9525">
                 <a:solidFill>
                   <a:srgbClr val="000000"/>
                 </a:solidFill>
@@ -12963,14 +12963,14 @@
           <a:noFill/>
           <a:extLst>
             <a:ext uri="{909E8E84-426E-40dd-AFC4-6F175D3DCCD1}">
-              <a14:hiddenFill xmlns:a14="http://schemas.microsoft.com/office/drawing/2010/main" xmlns="">
+              <a14:hiddenFill xmlns="" xmlns:a14="http://schemas.microsoft.com/office/drawing/2010/main">
                 <a:solidFill>
                   <a:srgbClr val="FFFFFF"/>
                 </a:solidFill>
               </a14:hiddenFill>
             </a:ext>
             <a:ext uri="{91240B29-F687-4f45-9708-019B960494DF}">
-              <a14:hiddenLine xmlns:a14="http://schemas.microsoft.com/office/drawing/2010/main" xmlns="" w="9525">
+              <a14:hiddenLine xmlns="" xmlns:a14="http://schemas.microsoft.com/office/drawing/2010/main" w="9525">
                 <a:solidFill>
                   <a:srgbClr val="000000"/>
                 </a:solidFill>
@@ -15393,14 +15393,14 @@
           </a:ln>
           <a:extLst>
             <a:ext uri="{909E8E84-426E-40dd-AFC4-6F175D3DCCD1}">
-              <a14:hiddenFill xmlns:a14="http://schemas.microsoft.com/office/drawing/2010/main" xmlns="">
+              <a14:hiddenFill xmlns="" xmlns:a14="http://schemas.microsoft.com/office/drawing/2010/main">
                 <a:solidFill>
                   <a:srgbClr val="FFFFFF"/>
                 </a:solidFill>
               </a14:hiddenFill>
             </a:ext>
             <a:ext uri="{91240B29-F687-4f45-9708-019B960494DF}">
-              <a14:hiddenLine xmlns:a14="http://schemas.microsoft.com/office/drawing/2010/main" xmlns="" w="9525">
+              <a14:hiddenLine xmlns="" xmlns:a14="http://schemas.microsoft.com/office/drawing/2010/main" w="9525">
                 <a:solidFill>
                   <a:srgbClr val="000000"/>
                 </a:solidFill>
@@ -15697,14 +15697,14 @@
           </a:ln>
           <a:extLst>
             <a:ext uri="{909E8E84-426E-40dd-AFC4-6F175D3DCCD1}">
-              <a14:hiddenFill xmlns:a14="http://schemas.microsoft.com/office/drawing/2010/main" xmlns="">
+              <a14:hiddenFill xmlns="" xmlns:a14="http://schemas.microsoft.com/office/drawing/2010/main">
                 <a:solidFill>
                   <a:srgbClr val="FFFFFF"/>
                 </a:solidFill>
               </a14:hiddenFill>
             </a:ext>
             <a:ext uri="{91240B29-F687-4f45-9708-019B960494DF}">
-              <a14:hiddenLine xmlns:a14="http://schemas.microsoft.com/office/drawing/2010/main" xmlns="" w="9525">
+              <a14:hiddenLine xmlns="" xmlns:a14="http://schemas.microsoft.com/office/drawing/2010/main" w="9525">
                 <a:solidFill>
                   <a:srgbClr val="000000"/>
                 </a:solidFill>
@@ -15827,14 +15827,14 @@
           </a:ln>
           <a:extLst>
             <a:ext uri="{909E8E84-426E-40dd-AFC4-6F175D3DCCD1}">
-              <a14:hiddenFill xmlns:a14="http://schemas.microsoft.com/office/drawing/2010/main" xmlns="">
+              <a14:hiddenFill xmlns="" xmlns:a14="http://schemas.microsoft.com/office/drawing/2010/main">
                 <a:solidFill>
                   <a:srgbClr val="FFFFFF"/>
                 </a:solidFill>
               </a14:hiddenFill>
             </a:ext>
             <a:ext uri="{91240B29-F687-4f45-9708-019B960494DF}">
-              <a14:hiddenLine xmlns:a14="http://schemas.microsoft.com/office/drawing/2010/main" xmlns="" w="9525">
+              <a14:hiddenLine xmlns="" xmlns:a14="http://schemas.microsoft.com/office/drawing/2010/main" w="9525">
                 <a:solidFill>
                   <a:srgbClr val="000000"/>
                 </a:solidFill>
@@ -16065,14 +16065,14 @@
           <a:noFill/>
           <a:extLst>
             <a:ext uri="{909E8E84-426E-40dd-AFC4-6F175D3DCCD1}">
-              <a14:hiddenFill xmlns:a14="http://schemas.microsoft.com/office/drawing/2010/main" xmlns="">
+              <a14:hiddenFill xmlns="" xmlns:a14="http://schemas.microsoft.com/office/drawing/2010/main">
                 <a:solidFill>
                   <a:srgbClr val="FFFFFF"/>
                 </a:solidFill>
               </a14:hiddenFill>
             </a:ext>
             <a:ext uri="{91240B29-F687-4f45-9708-019B960494DF}">
-              <a14:hiddenLine xmlns:a14="http://schemas.microsoft.com/office/drawing/2010/main" xmlns="" w="9525">
+              <a14:hiddenLine xmlns="" xmlns:a14="http://schemas.microsoft.com/office/drawing/2010/main" w="9525">
                 <a:solidFill>
                   <a:srgbClr val="000000"/>
                 </a:solidFill>
@@ -18038,14 +18038,14 @@
           <a:noFill/>
           <a:extLst>
             <a:ext uri="{909E8E84-426E-40dd-AFC4-6F175D3DCCD1}">
-              <a14:hiddenFill xmlns:a14="http://schemas.microsoft.com/office/drawing/2010/main" xmlns="">
+              <a14:hiddenFill xmlns="" xmlns:a14="http://schemas.microsoft.com/office/drawing/2010/main">
                 <a:solidFill>
                   <a:srgbClr val="FFFFFF"/>
                 </a:solidFill>
               </a14:hiddenFill>
             </a:ext>
             <a:ext uri="{91240B29-F687-4f45-9708-019B960494DF}">
-              <a14:hiddenLine xmlns:a14="http://schemas.microsoft.com/office/drawing/2010/main" xmlns="" w="9525">
+              <a14:hiddenLine xmlns="" xmlns:a14="http://schemas.microsoft.com/office/drawing/2010/main" w="9525">
                 <a:solidFill>
                   <a:srgbClr val="000000"/>
                 </a:solidFill>
@@ -18426,14 +18426,14 @@
           </a:ln>
           <a:extLst>
             <a:ext uri="{909E8E84-426E-40dd-AFC4-6F175D3DCCD1}">
-              <a14:hiddenFill xmlns:a14="http://schemas.microsoft.com/office/drawing/2010/main" xmlns="">
+              <a14:hiddenFill xmlns="" xmlns:a14="http://schemas.microsoft.com/office/drawing/2010/main">
                 <a:solidFill>
                   <a:srgbClr val="FFFFFF"/>
                 </a:solidFill>
               </a14:hiddenFill>
             </a:ext>
             <a:ext uri="{91240B29-F687-4f45-9708-019B960494DF}">
-              <a14:hiddenLine xmlns:a14="http://schemas.microsoft.com/office/drawing/2010/main" xmlns="" w="9525">
+              <a14:hiddenLine xmlns="" xmlns:a14="http://schemas.microsoft.com/office/drawing/2010/main" w="9525">
                 <a:solidFill>
                   <a:srgbClr val="000000"/>
                 </a:solidFill>
@@ -18640,14 +18640,14 @@
           </a:ln>
           <a:extLst>
             <a:ext uri="{909E8E84-426E-40dd-AFC4-6F175D3DCCD1}">
-              <a14:hiddenFill xmlns:a14="http://schemas.microsoft.com/office/drawing/2010/main" xmlns="">
+              <a14:hiddenFill xmlns="" xmlns:a14="http://schemas.microsoft.com/office/drawing/2010/main">
                 <a:solidFill>
                   <a:srgbClr val="FFFFFF"/>
                 </a:solidFill>
               </a14:hiddenFill>
             </a:ext>
             <a:ext uri="{91240B29-F687-4f45-9708-019B960494DF}">
-              <a14:hiddenLine xmlns:a14="http://schemas.microsoft.com/office/drawing/2010/main" xmlns="" w="9525">
+              <a14:hiddenLine xmlns="" xmlns:a14="http://schemas.microsoft.com/office/drawing/2010/main" w="9525">
                 <a:solidFill>
                   <a:srgbClr val="000000"/>
                 </a:solidFill>
@@ -18866,14 +18866,14 @@
           </a:ln>
           <a:extLst>
             <a:ext uri="{909E8E84-426E-40dd-AFC4-6F175D3DCCD1}">
-              <a14:hiddenFill xmlns:a14="http://schemas.microsoft.com/office/drawing/2010/main" xmlns="">
+              <a14:hiddenFill xmlns="" xmlns:a14="http://schemas.microsoft.com/office/drawing/2010/main">
                 <a:solidFill>
                   <a:srgbClr val="FFFFFF"/>
                 </a:solidFill>
               </a14:hiddenFill>
             </a:ext>
             <a:ext uri="{91240B29-F687-4f45-9708-019B960494DF}">
-              <a14:hiddenLine xmlns:a14="http://schemas.microsoft.com/office/drawing/2010/main" xmlns="" w="9525">
+              <a14:hiddenLine xmlns="" xmlns:a14="http://schemas.microsoft.com/office/drawing/2010/main" w="9525">
                 <a:solidFill>
                   <a:srgbClr val="000000"/>
                 </a:solidFill>
@@ -19083,14 +19083,14 @@
           </a:ln>
           <a:extLst>
             <a:ext uri="{909E8E84-426E-40dd-AFC4-6F175D3DCCD1}">
-              <a14:hiddenFill xmlns:a14="http://schemas.microsoft.com/office/drawing/2010/main" xmlns="">
+              <a14:hiddenFill xmlns="" xmlns:a14="http://schemas.microsoft.com/office/drawing/2010/main">
                 <a:solidFill>
                   <a:srgbClr val="FFFFFF"/>
                 </a:solidFill>
               </a14:hiddenFill>
             </a:ext>
             <a:ext uri="{91240B29-F687-4f45-9708-019B960494DF}">
-              <a14:hiddenLine xmlns:a14="http://schemas.microsoft.com/office/drawing/2010/main" xmlns="" w="9525">
+              <a14:hiddenLine xmlns="" xmlns:a14="http://schemas.microsoft.com/office/drawing/2010/main" w="9525">
                 <a:solidFill>
                   <a:srgbClr val="000000"/>
                 </a:solidFill>
@@ -19341,14 +19341,14 @@
           </a:ln>
           <a:extLst>
             <a:ext uri="{909E8E84-426E-40dd-AFC4-6F175D3DCCD1}">
-              <a14:hiddenFill xmlns:a14="http://schemas.microsoft.com/office/drawing/2010/main" xmlns="">
+              <a14:hiddenFill xmlns="" xmlns:a14="http://schemas.microsoft.com/office/drawing/2010/main">
                 <a:solidFill>
                   <a:srgbClr val="FFFFFF"/>
                 </a:solidFill>
               </a14:hiddenFill>
             </a:ext>
             <a:ext uri="{91240B29-F687-4f45-9708-019B960494DF}">
-              <a14:hiddenLine xmlns:a14="http://schemas.microsoft.com/office/drawing/2010/main" xmlns="" w="9525">
+              <a14:hiddenLine xmlns="" xmlns:a14="http://schemas.microsoft.com/office/drawing/2010/main" w="9525">
                 <a:solidFill>
                   <a:srgbClr val="000000"/>
                 </a:solidFill>
@@ -19540,14 +19540,14 @@
           </a:ln>
           <a:extLst>
             <a:ext uri="{909E8E84-426E-40dd-AFC4-6F175D3DCCD1}">
-              <a14:hiddenFill xmlns:a14="http://schemas.microsoft.com/office/drawing/2010/main" xmlns="">
+              <a14:hiddenFill xmlns="" xmlns:a14="http://schemas.microsoft.com/office/drawing/2010/main">
                 <a:solidFill>
                   <a:srgbClr val="FFFFFF"/>
                 </a:solidFill>
               </a14:hiddenFill>
             </a:ext>
             <a:ext uri="{91240B29-F687-4f45-9708-019B960494DF}">
-              <a14:hiddenLine xmlns:a14="http://schemas.microsoft.com/office/drawing/2010/main" xmlns="" w="9525">
+              <a14:hiddenLine xmlns="" xmlns:a14="http://schemas.microsoft.com/office/drawing/2010/main" w="9525">
                 <a:solidFill>
                   <a:srgbClr val="000000"/>
                 </a:solidFill>
@@ -21695,7 +21695,7 @@
         </p:nvSpPr>
         <p:spPr>
           <a:xfrm>
-            <a:off x="1004569" y="5494129"/>
+            <a:off x="1004569" y="4302330"/>
             <a:ext cx="1166655" cy="504493"/>
           </a:xfrm>
           <a:prstGeom prst="roundRect">
@@ -21732,7 +21732,7 @@
             <a:pPr algn="ctr"/>
             <a:r>
               <a:rPr lang="en-CN" sz="1100" dirty="0"/>
-              <a:t>SCR (incl. OH)</a:t>
+              <a:t>SCR</a:t>
             </a:r>
           </a:p>
         </p:txBody>
@@ -21751,7 +21751,7 @@
         </p:nvSpPr>
         <p:spPr>
           <a:xfrm>
-            <a:off x="998469" y="3701403"/>
+            <a:off x="998469" y="3095229"/>
             <a:ext cx="1166655" cy="504493"/>
           </a:xfrm>
           <a:prstGeom prst="roundRect">
@@ -21807,7 +21807,7 @@
         </p:nvSpPr>
         <p:spPr>
           <a:xfrm>
-            <a:off x="1004569" y="4298799"/>
+            <a:off x="1004569" y="3692625"/>
             <a:ext cx="1166655" cy="504493"/>
           </a:xfrm>
           <a:prstGeom prst="roundRect">
@@ -21870,7 +21870,9 @@
             <a:avLst/>
           </a:prstGeom>
           <a:solidFill>
-            <a:srgbClr val="36A4D7"/>
+            <a:schemeClr val="accent5">
+              <a:lumMod val="75000"/>
+            </a:schemeClr>
           </a:solidFill>
           <a:ln>
             <a:noFill/>
@@ -21969,7 +21971,9 @@
             <a:avLst/>
           </a:prstGeom>
           <a:solidFill>
-            <a:srgbClr val="36A4D7"/>
+            <a:schemeClr val="accent5">
+              <a:lumMod val="75000"/>
+            </a:schemeClr>
           </a:solidFill>
           <a:ln>
             <a:noFill/>
@@ -22025,7 +22029,9 @@
             <a:avLst/>
           </a:prstGeom>
           <a:solidFill>
-            <a:srgbClr val="36A4D7"/>
+            <a:schemeClr val="accent5">
+              <a:lumMod val="75000"/>
+            </a:schemeClr>
           </a:solidFill>
           <a:ln>
             <a:noFill/>
@@ -22081,7 +22087,9 @@
             <a:avLst/>
           </a:prstGeom>
           <a:solidFill>
-            <a:srgbClr val="36A4D7"/>
+            <a:schemeClr val="accent5">
+              <a:lumMod val="75000"/>
+            </a:schemeClr>
           </a:solidFill>
           <a:ln>
             <a:noFill/>
@@ -22137,7 +22145,9 @@
             <a:avLst/>
           </a:prstGeom>
           <a:solidFill>
-            <a:srgbClr val="36A4D7"/>
+            <a:schemeClr val="accent5">
+              <a:lumMod val="75000"/>
+            </a:schemeClr>
           </a:solidFill>
           <a:ln>
             <a:noFill/>
@@ -22363,7 +22373,7 @@
         <p:spPr>
           <a:xfrm flipV="1">
             <a:off x="2165124" y="2396361"/>
-            <a:ext cx="4335516" cy="1557289"/>
+            <a:ext cx="4335516" cy="951115"/>
           </a:xfrm>
           <a:prstGeom prst="bentConnector2">
             <a:avLst/>
@@ -22406,7 +22416,7 @@
         <p:spPr>
           <a:xfrm flipV="1">
             <a:off x="2171224" y="2385848"/>
-            <a:ext cx="5974287" cy="2165198"/>
+            <a:ext cx="5974287" cy="1559024"/>
           </a:xfrm>
           <a:prstGeom prst="bentConnector2">
             <a:avLst/>
@@ -22449,7 +22459,7 @@
         <p:spPr>
           <a:xfrm flipV="1">
             <a:off x="2171224" y="2385847"/>
-            <a:ext cx="7524565" cy="3360529"/>
+            <a:ext cx="7524565" cy="2168730"/>
           </a:xfrm>
           <a:prstGeom prst="bentConnector2">
             <a:avLst/>
@@ -22504,7 +22514,13 @@
           <a:lstStyle/>
           <a:p>
             <a:r>
-              <a:rPr lang="en-CN" sz="1600" dirty="0"/>
+              <a:rPr lang="en-CN" sz="1600" dirty="0">
+                <a:solidFill>
+                  <a:schemeClr val="bg1">
+                    <a:lumMod val="85000"/>
+                  </a:schemeClr>
+                </a:solidFill>
+              </a:rPr>
               <a:t>Input Data</a:t>
             </a:r>
           </a:p>
@@ -22531,7 +22547,9 @@
             <a:avLst/>
           </a:prstGeom>
           <a:solidFill>
-            <a:schemeClr val="accent2"/>
+            <a:schemeClr val="accent5">
+              <a:lumMod val="75000"/>
+            </a:schemeClr>
           </a:solidFill>
         </p:spPr>
         <p:txBody>
@@ -22542,8 +22560,14 @@
           <a:p>
             <a:pPr algn="ctr"/>
             <a:r>
-              <a:rPr lang="en-CN" sz="1600" dirty="0"/>
-              <a:t>Procedures</a:t>
+              <a:rPr lang="en-CN" sz="1600" dirty="0">
+                <a:solidFill>
+                  <a:schemeClr val="bg1">
+                    <a:lumMod val="85000"/>
+                  </a:schemeClr>
+                </a:solidFill>
+              </a:rPr>
+              <a:t>Main procedures</a:t>
             </a:r>
           </a:p>
         </p:txBody>
@@ -22648,12 +22672,119 @@
           </a:fontRef>
         </p:style>
       </p:cxnSp>
-      <p:sp>
-        <p:nvSpPr>
-          <p:cNvPr id="49" name="TextBox 48">
+      <p:grpSp>
+        <p:nvGrpSpPr>
+          <p:cNvPr id="11" name="Group 10">
             <a:extLst>
               <a:ext uri="{FF2B5EF4-FFF2-40B4-BE49-F238E27FC236}">
-                <a16:creationId xmlns:a16="http://schemas.microsoft.com/office/drawing/2014/main" id="{28843030-455F-4044-B55E-4E3250FB9312}"/>
+                <a16:creationId xmlns:a16="http://schemas.microsoft.com/office/drawing/2014/main" id="{4481A13F-2047-AF42-A694-678C59BC48A6}"/>
+              </a:ext>
+            </a:extLst>
+          </p:cNvPr>
+          <p:cNvGrpSpPr/>
+          <p:nvPr/>
+        </p:nvGrpSpPr>
+        <p:grpSpPr>
+          <a:xfrm>
+            <a:off x="4532358" y="5502184"/>
+            <a:ext cx="7396640" cy="790805"/>
+            <a:chOff x="2600817" y="5845978"/>
+            <a:chExt cx="7396640" cy="790805"/>
+          </a:xfrm>
+        </p:grpSpPr>
+        <p:sp>
+          <p:nvSpPr>
+            <p:cNvPr id="49" name="TextBox 48">
+              <a:extLst>
+                <a:ext uri="{FF2B5EF4-FFF2-40B4-BE49-F238E27FC236}">
+                  <a16:creationId xmlns:a16="http://schemas.microsoft.com/office/drawing/2014/main" id="{28843030-455F-4044-B55E-4E3250FB9312}"/>
+                </a:ext>
+              </a:extLst>
+            </p:cNvPr>
+            <p:cNvSpPr txBox="1"/>
+            <p:nvPr/>
+          </p:nvSpPr>
+          <p:spPr>
+            <a:xfrm>
+              <a:off x="4170477" y="5898119"/>
+              <a:ext cx="5826980" cy="738664"/>
+            </a:xfrm>
+            <a:prstGeom prst="rect">
+              <a:avLst/>
+            </a:prstGeom>
+            <a:solidFill>
+              <a:schemeClr val="bg1"/>
+            </a:solidFill>
+          </p:spPr>
+          <p:txBody>
+            <a:bodyPr wrap="none" rtlCol="0">
+              <a:spAutoFit/>
+            </a:bodyPr>
+            <a:lstStyle/>
+            <a:p>
+              <a:r>
+                <a:rPr lang="en-CN" sz="1400" dirty="0"/>
+                <a:t>Versions: different versions considered as same</a:t>
+              </a:r>
+            </a:p>
+            <a:p>
+              <a:r>
+                <a:rPr lang="en-CN" sz="1400" dirty="0"/>
+                <a:t>Sourcing rules: each DF only source same TAN from one PCBA site</a:t>
+              </a:r>
+            </a:p>
+            <a:p>
+              <a:r>
+                <a:rPr lang="en-CN" sz="1400" dirty="0"/>
+                <a:t>Transit time: air transit time – backlog gap should be covered by air ship</a:t>
+              </a:r>
+            </a:p>
+          </p:txBody>
+        </p:sp>
+        <p:sp>
+          <p:nvSpPr>
+            <p:cNvPr id="19" name="TextBox 18">
+              <a:extLst>
+                <a:ext uri="{FF2B5EF4-FFF2-40B4-BE49-F238E27FC236}">
+                  <a16:creationId xmlns:a16="http://schemas.microsoft.com/office/drawing/2014/main" id="{75712387-A6FC-074B-A331-7DF4715D4021}"/>
+                </a:ext>
+              </a:extLst>
+            </p:cNvPr>
+            <p:cNvSpPr txBox="1"/>
+            <p:nvPr/>
+          </p:nvSpPr>
+          <p:spPr>
+            <a:xfrm>
+              <a:off x="2600817" y="5845978"/>
+              <a:ext cx="1569660" cy="369332"/>
+            </a:xfrm>
+            <a:prstGeom prst="rect">
+              <a:avLst/>
+            </a:prstGeom>
+            <a:solidFill>
+              <a:schemeClr val="bg1"/>
+            </a:solidFill>
+          </p:spPr>
+          <p:txBody>
+            <a:bodyPr wrap="none" rtlCol="0">
+              <a:spAutoFit/>
+            </a:bodyPr>
+            <a:lstStyle/>
+            <a:p>
+              <a:r>
+                <a:rPr lang="en-CN" dirty="0"/>
+                <a:t>Assumptions:</a:t>
+              </a:r>
+            </a:p>
+          </p:txBody>
+        </p:sp>
+      </p:grpSp>
+      <p:sp>
+        <p:nvSpPr>
+          <p:cNvPr id="33" name="TextBox 32">
+            <a:extLst>
+              <a:ext uri="{FF2B5EF4-FFF2-40B4-BE49-F238E27FC236}">
+                <a16:creationId xmlns:a16="http://schemas.microsoft.com/office/drawing/2014/main" id="{158DB9B5-DB86-E747-8B78-67938A7CEF49}"/>
               </a:ext>
             </a:extLst>
           </p:cNvPr>
@@ -22662,15 +22793,13 @@
         </p:nvSpPr>
         <p:spPr>
           <a:xfrm>
-            <a:off x="4170477" y="5898119"/>
-            <a:ext cx="5826980" cy="738664"/>
+            <a:off x="2410971" y="3728858"/>
+            <a:ext cx="4891083" cy="246221"/>
           </a:xfrm>
           <a:prstGeom prst="rect">
             <a:avLst/>
           </a:prstGeom>
-          <a:solidFill>
-            <a:schemeClr val="bg1"/>
-          </a:solidFill>
+          <a:noFill/>
         </p:spPr>
         <p:txBody>
           <a:bodyPr wrap="none" rtlCol="0">
@@ -22679,30 +22808,18 @@
           <a:lstStyle/>
           <a:p>
             <a:r>
-              <a:rPr lang="en-CN" sz="1400" dirty="0"/>
-              <a:t>Versions: different versions considered as same</a:t>
-            </a:r>
-          </a:p>
-          <a:p>
-            <a:r>
-              <a:rPr lang="en-CN" sz="1400" dirty="0"/>
-              <a:t>Sourcing rules: each DF only source same TAN from one PCBA site</a:t>
-            </a:r>
-          </a:p>
-          <a:p>
-            <a:r>
-              <a:rPr lang="en-CN" sz="1400" dirty="0"/>
-              <a:t>Transit time: air transit time – backlog gap should be covered by air ship</a:t>
-            </a:r>
-          </a:p>
-        </p:txBody>
-      </p:sp>
-      <p:sp>
-        <p:nvSpPr>
-          <p:cNvPr id="27" name="Rounded Rectangle 26">
+              <a:rPr lang="en-CN" sz="1000" dirty="0"/>
+              <a:t>ETA&lt;=15days considered as OH; ETA&gt;15days can backward fulfill -10 days OSSD</a:t>
+            </a:r>
+          </a:p>
+        </p:txBody>
+      </p:sp>
+      <p:sp>
+        <p:nvSpPr>
+          <p:cNvPr id="42" name="Rounded Rectangle 41">
             <a:extLst>
               <a:ext uri="{FF2B5EF4-FFF2-40B4-BE49-F238E27FC236}">
-                <a16:creationId xmlns:a16="http://schemas.microsoft.com/office/drawing/2014/main" id="{CD40F9E5-5FD3-4645-B4CF-E93EE130EDEE}"/>
+                <a16:creationId xmlns:a16="http://schemas.microsoft.com/office/drawing/2014/main" id="{C0293DE8-F633-9444-B73D-1490ACEB9EFD}"/>
               </a:ext>
             </a:extLst>
           </p:cNvPr>
@@ -22711,14 +22828,16 @@
         </p:nvSpPr>
         <p:spPr>
           <a:xfrm>
-            <a:off x="1004569" y="4896194"/>
+            <a:off x="2640700" y="1886604"/>
             <a:ext cx="1166655" cy="504493"/>
           </a:xfrm>
           <a:prstGeom prst="roundRect">
             <a:avLst/>
           </a:prstGeom>
           <a:solidFill>
-            <a:srgbClr val="36A4D7"/>
+            <a:schemeClr val="accent5">
+              <a:lumMod val="75000"/>
+            </a:schemeClr>
           </a:solidFill>
           <a:ln>
             <a:noFill/>
@@ -22748,33 +22867,33 @@
             <a:pPr algn="ctr"/>
             <a:r>
               <a:rPr lang="en-CN" sz="1100" dirty="0"/>
-              <a:t>SB</a:t>
+              <a:t>Offsset 3A4 OSSD, FCD </a:t>
             </a:r>
           </a:p>
         </p:txBody>
       </p:sp>
       <p:cxnSp>
         <p:nvCxnSpPr>
-          <p:cNvPr id="5" name="Elbow Connector 4">
+          <p:cNvPr id="45" name="Straight Arrow Connector 44">
             <a:extLst>
               <a:ext uri="{FF2B5EF4-FFF2-40B4-BE49-F238E27FC236}">
-                <a16:creationId xmlns:a16="http://schemas.microsoft.com/office/drawing/2014/main" id="{50044E46-EAB1-8345-9ABA-4E42D7512F21}"/>
+                <a16:creationId xmlns:a16="http://schemas.microsoft.com/office/drawing/2014/main" id="{261995B6-7B71-8947-A65E-9C365866AD54}"/>
               </a:ext>
             </a:extLst>
           </p:cNvPr>
           <p:cNvCxnSpPr>
             <a:cxnSpLocks/>
-            <a:stCxn id="27" idx="3"/>
-            <a:endCxn id="14" idx="2"/>
+            <a:stCxn id="42" idx="3"/>
+            <a:endCxn id="9" idx="1"/>
           </p:cNvCxnSpPr>
           <p:nvPr/>
         </p:nvCxnSpPr>
         <p:spPr>
-          <a:xfrm flipV="1">
-            <a:off x="2171224" y="2385848"/>
-            <a:ext cx="5974287" cy="2762593"/>
-          </a:xfrm>
-          <a:prstGeom prst="bentConnector2">
+          <a:xfrm>
+            <a:off x="3807355" y="2138851"/>
+            <a:ext cx="423046" cy="5264"/>
+          </a:xfrm>
+          <a:prstGeom prst="straightConnector1">
             <a:avLst/>
           </a:prstGeom>
           <a:ln>
@@ -22798,117 +22917,10 @@
       </p:cxnSp>
       <p:sp>
         <p:nvSpPr>
-          <p:cNvPr id="19" name="TextBox 18">
+          <p:cNvPr id="36" name="Rounded Rectangle 35">
             <a:extLst>
               <a:ext uri="{FF2B5EF4-FFF2-40B4-BE49-F238E27FC236}">
-                <a16:creationId xmlns:a16="http://schemas.microsoft.com/office/drawing/2014/main" id="{75712387-A6FC-074B-A331-7DF4715D4021}"/>
-              </a:ext>
-            </a:extLst>
-          </p:cNvPr>
-          <p:cNvSpPr txBox="1"/>
-          <p:nvPr/>
-        </p:nvSpPr>
-        <p:spPr>
-          <a:xfrm>
-            <a:off x="2593421" y="5849148"/>
-            <a:ext cx="1569660" cy="369332"/>
-          </a:xfrm>
-          <a:prstGeom prst="rect">
-            <a:avLst/>
-          </a:prstGeom>
-          <a:solidFill>
-            <a:schemeClr val="bg1"/>
-          </a:solidFill>
-        </p:spPr>
-        <p:txBody>
-          <a:bodyPr wrap="none" rtlCol="0">
-            <a:spAutoFit/>
-          </a:bodyPr>
-          <a:lstStyle/>
-          <a:p>
-            <a:r>
-              <a:rPr lang="en-CN" dirty="0"/>
-              <a:t>Assumptions:</a:t>
-            </a:r>
-          </a:p>
-        </p:txBody>
-      </p:sp>
-      <p:sp>
-        <p:nvSpPr>
-          <p:cNvPr id="31" name="TextBox 30">
-            <a:extLst>
-              <a:ext uri="{FF2B5EF4-FFF2-40B4-BE49-F238E27FC236}">
-                <a16:creationId xmlns:a16="http://schemas.microsoft.com/office/drawing/2014/main" id="{2773AE47-D6B4-6F42-BBF1-A5883D416888}"/>
-              </a:ext>
-            </a:extLst>
-          </p:cNvPr>
-          <p:cNvSpPr txBox="1"/>
-          <p:nvPr/>
-        </p:nvSpPr>
-        <p:spPr>
-          <a:xfrm>
-            <a:off x="2420006" y="4892154"/>
-            <a:ext cx="2795958" cy="246221"/>
-          </a:xfrm>
-          <a:prstGeom prst="rect">
-            <a:avLst/>
-          </a:prstGeom>
-          <a:noFill/>
-        </p:spPr>
-        <p:txBody>
-          <a:bodyPr wrap="none" rtlCol="0">
-            <a:spAutoFit/>
-          </a:bodyPr>
-          <a:lstStyle/>
-          <a:p>
-            <a:r>
-              <a:rPr lang="en-CN" sz="1000" dirty="0"/>
-              <a:t>To be considered if we have good data source</a:t>
-            </a:r>
-          </a:p>
-        </p:txBody>
-      </p:sp>
-      <p:sp>
-        <p:nvSpPr>
-          <p:cNvPr id="33" name="TextBox 32">
-            <a:extLst>
-              <a:ext uri="{FF2B5EF4-FFF2-40B4-BE49-F238E27FC236}">
-                <a16:creationId xmlns:a16="http://schemas.microsoft.com/office/drawing/2014/main" id="{158DB9B5-DB86-E747-8B78-67938A7CEF49}"/>
-              </a:ext>
-            </a:extLst>
-          </p:cNvPr>
-          <p:cNvSpPr txBox="1"/>
-          <p:nvPr/>
-        </p:nvSpPr>
-        <p:spPr>
-          <a:xfrm>
-            <a:off x="2410971" y="4335032"/>
-            <a:ext cx="4891083" cy="246221"/>
-          </a:xfrm>
-          <a:prstGeom prst="rect">
-            <a:avLst/>
-          </a:prstGeom>
-          <a:noFill/>
-        </p:spPr>
-        <p:txBody>
-          <a:bodyPr wrap="none" rtlCol="0">
-            <a:spAutoFit/>
-          </a:bodyPr>
-          <a:lstStyle/>
-          <a:p>
-            <a:r>
-              <a:rPr lang="en-CN" sz="1000" dirty="0"/>
-              <a:t>ETA&lt;=15days considered as OH; ETA&gt;15days can backward fulfill -10 days OSSD</a:t>
-            </a:r>
-          </a:p>
-        </p:txBody>
-      </p:sp>
-      <p:sp>
-        <p:nvSpPr>
-          <p:cNvPr id="42" name="Rounded Rectangle 41">
-            <a:extLst>
-              <a:ext uri="{FF2B5EF4-FFF2-40B4-BE49-F238E27FC236}">
-                <a16:creationId xmlns:a16="http://schemas.microsoft.com/office/drawing/2014/main" id="{C0293DE8-F633-9444-B73D-1490ACEB9EFD}"/>
+                <a16:creationId xmlns:a16="http://schemas.microsoft.com/office/drawing/2014/main" id="{E595A90E-5155-434A-A99C-386522CB19AD}"/>
               </a:ext>
             </a:extLst>
           </p:cNvPr>
@@ -22917,8 +22929,8 @@
         </p:nvSpPr>
         <p:spPr>
           <a:xfrm>
-            <a:off x="2640700" y="1886604"/>
-            <a:ext cx="1166655" cy="504493"/>
+            <a:off x="1017285" y="4914772"/>
+            <a:ext cx="2691685" cy="931206"/>
           </a:xfrm>
           <a:prstGeom prst="roundRect">
             <a:avLst/>
@@ -22951,191 +22963,39 @@
           <a:bodyPr rtlCol="0" anchor="ctr"/>
           <a:lstStyle/>
           <a:p>
-            <a:pPr algn="ctr"/>
             <a:r>
               <a:rPr lang="en-CN" sz="1100" dirty="0"/>
-              <a:t>Offsset 3A4 OSSD, FCD </a:t>
-            </a:r>
-          </a:p>
-        </p:txBody>
-      </p:sp>
-      <p:cxnSp>
-        <p:nvCxnSpPr>
-          <p:cNvPr id="45" name="Straight Arrow Connector 44">
-            <a:extLst>
-              <a:ext uri="{FF2B5EF4-FFF2-40B4-BE49-F238E27FC236}">
-                <a16:creationId xmlns:a16="http://schemas.microsoft.com/office/drawing/2014/main" id="{261995B6-7B71-8947-A65E-9C365866AD54}"/>
-              </a:ext>
-            </a:extLst>
-          </p:cNvPr>
-          <p:cNvCxnSpPr>
-            <a:cxnSpLocks/>
-            <a:stCxn id="42" idx="3"/>
-            <a:endCxn id="9" idx="1"/>
-          </p:cNvCxnSpPr>
-          <p:nvPr/>
-        </p:nvCxnSpPr>
-        <p:spPr>
-          <a:xfrm>
-            <a:off x="3807355" y="2138851"/>
-            <a:ext cx="423046" cy="5264"/>
-          </a:xfrm>
-          <a:prstGeom prst="straightConnector1">
-            <a:avLst/>
-          </a:prstGeom>
-          <a:ln>
-            <a:tailEnd type="triangle"/>
-          </a:ln>
-        </p:spPr>
-        <p:style>
-          <a:lnRef idx="1">
-            <a:schemeClr val="accent1"/>
-          </a:lnRef>
-          <a:fillRef idx="0">
-            <a:schemeClr val="accent1"/>
-          </a:fillRef>
-          <a:effectRef idx="0">
-            <a:schemeClr val="accent1"/>
-          </a:effectRef>
-          <a:fontRef idx="minor">
-            <a:schemeClr val="tx1"/>
-          </a:fontRef>
-        </p:style>
-      </p:cxnSp>
-      <p:sp>
-        <p:nvSpPr>
-          <p:cNvPr id="34" name="Rounded Rectangle 33">
-            <a:extLst>
-              <a:ext uri="{FF2B5EF4-FFF2-40B4-BE49-F238E27FC236}">
-                <a16:creationId xmlns:a16="http://schemas.microsoft.com/office/drawing/2014/main" id="{3B63C6B8-498B-9944-9A86-062129BF2EBB}"/>
-              </a:ext>
-            </a:extLst>
-          </p:cNvPr>
-          <p:cNvSpPr/>
-          <p:nvPr/>
-        </p:nvSpPr>
-        <p:spPr>
-          <a:xfrm>
-            <a:off x="995427" y="3100789"/>
-            <a:ext cx="1166655" cy="504493"/>
-          </a:xfrm>
-          <a:prstGeom prst="roundRect">
-            <a:avLst/>
-          </a:prstGeom>
-          <a:solidFill>
-            <a:srgbClr val="36A4D7"/>
-          </a:solidFill>
-          <a:ln>
-            <a:noFill/>
-          </a:ln>
-          <a:effectLst/>
-        </p:spPr>
-        <p:style>
-          <a:lnRef idx="2">
-            <a:schemeClr val="accent1">
-              <a:shade val="50000"/>
-            </a:schemeClr>
-          </a:lnRef>
-          <a:fillRef idx="1">
-            <a:schemeClr val="accent1"/>
-          </a:fillRef>
-          <a:effectRef idx="0">
-            <a:schemeClr val="accent1"/>
-          </a:effectRef>
-          <a:fontRef idx="minor">
-            <a:schemeClr val="lt1"/>
-          </a:fontRef>
-        </p:style>
-        <p:txBody>
-          <a:bodyPr rtlCol="0" anchor="ctr"/>
-          <a:lstStyle/>
-          <a:p>
-            <a:pPr algn="ctr"/>
+              <a:t>Other exceptional data considered: </a:t>
+            </a:r>
+          </a:p>
+          <a:p>
+            <a:pPr marL="171450" indent="-171450">
+              <a:buFont typeface="Arial" panose="020B0604020202020204" pitchFamily="34" charset="0"/>
+              <a:buChar char="•"/>
+            </a:pPr>
             <a:r>
               <a:rPr lang="en-CN" sz="1100" dirty="0"/>
-              <a:t>Exception order priority</a:t>
-            </a:r>
-          </a:p>
-        </p:txBody>
-      </p:sp>
-      <p:cxnSp>
-        <p:nvCxnSpPr>
-          <p:cNvPr id="40" name="Elbow Connector 39">
-            <a:extLst>
-              <a:ext uri="{FF2B5EF4-FFF2-40B4-BE49-F238E27FC236}">
-                <a16:creationId xmlns:a16="http://schemas.microsoft.com/office/drawing/2014/main" id="{A605DB4C-393F-C944-A178-59D73102A370}"/>
-              </a:ext>
-            </a:extLst>
-          </p:cNvPr>
-          <p:cNvCxnSpPr>
-            <a:cxnSpLocks/>
-            <a:stCxn id="34" idx="3"/>
-            <a:endCxn id="9" idx="2"/>
-          </p:cNvCxnSpPr>
-          <p:nvPr/>
-        </p:nvCxnSpPr>
-        <p:spPr>
-          <a:xfrm flipV="1">
-            <a:off x="2162082" y="2396361"/>
-            <a:ext cx="2651647" cy="956675"/>
-          </a:xfrm>
-          <a:prstGeom prst="bentConnector2">
-            <a:avLst/>
-          </a:prstGeom>
-          <a:ln>
-            <a:tailEnd type="triangle"/>
-          </a:ln>
-        </p:spPr>
-        <p:style>
-          <a:lnRef idx="1">
-            <a:schemeClr val="accent1"/>
-          </a:lnRef>
-          <a:fillRef idx="0">
-            <a:schemeClr val="accent1"/>
-          </a:fillRef>
-          <a:effectRef idx="0">
-            <a:schemeClr val="accent1"/>
-          </a:effectRef>
-          <a:fontRef idx="minor">
-            <a:schemeClr val="tx1"/>
-          </a:fontRef>
-        </p:style>
-      </p:cxnSp>
-      <p:sp>
-        <p:nvSpPr>
-          <p:cNvPr id="3" name="TextBox 2">
-            <a:extLst>
-              <a:ext uri="{FF2B5EF4-FFF2-40B4-BE49-F238E27FC236}">
-                <a16:creationId xmlns:a16="http://schemas.microsoft.com/office/drawing/2014/main" id="{A596070C-1FDF-B947-927F-8114FDC309C8}"/>
-              </a:ext>
-            </a:extLst>
-          </p:cNvPr>
-          <p:cNvSpPr txBox="1"/>
-          <p:nvPr/>
-        </p:nvSpPr>
-        <p:spPr>
-          <a:xfrm>
-            <a:off x="2410780" y="3131733"/>
-            <a:ext cx="1786066" cy="276999"/>
-          </a:xfrm>
-          <a:prstGeom prst="rect">
-            <a:avLst/>
-          </a:prstGeom>
-          <a:noFill/>
-        </p:spPr>
-        <p:txBody>
-          <a:bodyPr wrap="none" rtlCol="0">
-            <a:spAutoFit/>
-          </a:bodyPr>
-          <a:lstStyle/>
-          <a:p>
-            <a:r>
-              <a:rPr lang="en-CN" sz="1200" dirty="0">
-                <a:solidFill>
-                  <a:srgbClr val="FF0000"/>
-                </a:solidFill>
-              </a:rPr>
-              <a:t>(only use exceptionally)</a:t>
+              <a:t>Exceptional priority</a:t>
+            </a:r>
+          </a:p>
+          <a:p>
+            <a:pPr marL="171450" indent="-171450">
+              <a:buFont typeface="Arial" panose="020B0604020202020204" pitchFamily="34" charset="0"/>
+              <a:buChar char="•"/>
+            </a:pPr>
+            <a:r>
+              <a:rPr lang="en-CN" sz="1100" dirty="0"/>
+              <a:t>cross-CM intransit</a:t>
+            </a:r>
+          </a:p>
+          <a:p>
+            <a:pPr marL="171450" indent="-171450">
+              <a:buFont typeface="Arial" panose="020B0604020202020204" pitchFamily="34" charset="0"/>
+              <a:buChar char="•"/>
+            </a:pPr>
+            <a:r>
+              <a:rPr lang="en-CN" sz="1100" dirty="0"/>
+              <a:t>TAN grouping</a:t>
             </a:r>
           </a:p>
         </p:txBody>
@@ -23353,7 +23213,7 @@
         </p:blipFill>
         <p:spPr>
           <a:xfrm>
-            <a:off x="7734425" y="3618809"/>
+            <a:off x="7734425" y="3814015"/>
             <a:ext cx="588988" cy="588988"/>
           </a:xfrm>
           <a:prstGeom prst="rect">
@@ -23392,7 +23252,7 @@
         </p:blipFill>
         <p:spPr>
           <a:xfrm>
-            <a:off x="7732241" y="4187958"/>
+            <a:off x="7700627" y="2893959"/>
             <a:ext cx="588988" cy="588988"/>
           </a:xfrm>
           <a:prstGeom prst="rect">
@@ -23414,7 +23274,7 @@
         </p:nvSpPr>
         <p:spPr>
           <a:xfrm>
-            <a:off x="8147364" y="3794936"/>
+            <a:off x="8147364" y="3990142"/>
             <a:ext cx="970137" cy="276999"/>
           </a:xfrm>
           <a:prstGeom prst="rect">
@@ -23431,41 +23291,6 @@
             <a:r>
               <a:rPr lang="en-CN" sz="1200" dirty="0"/>
               <a:t>Smartsheet</a:t>
-            </a:r>
-          </a:p>
-        </p:txBody>
-      </p:sp>
-      <p:sp>
-        <p:nvSpPr>
-          <p:cNvPr id="53" name="TextBox 52">
-            <a:extLst>
-              <a:ext uri="{FF2B5EF4-FFF2-40B4-BE49-F238E27FC236}">
-                <a16:creationId xmlns:a16="http://schemas.microsoft.com/office/drawing/2014/main" id="{74313FD7-F24C-2740-A16F-4DC20F162B7A}"/>
-              </a:ext>
-            </a:extLst>
-          </p:cNvPr>
-          <p:cNvSpPr txBox="1"/>
-          <p:nvPr/>
-        </p:nvSpPr>
-        <p:spPr>
-          <a:xfrm>
-            <a:off x="8147364" y="4383924"/>
-            <a:ext cx="1353256" cy="276999"/>
-          </a:xfrm>
-          <a:prstGeom prst="rect">
-            <a:avLst/>
-          </a:prstGeom>
-          <a:noFill/>
-        </p:spPr>
-        <p:txBody>
-          <a:bodyPr wrap="none" rtlCol="0">
-            <a:spAutoFit/>
-          </a:bodyPr>
-          <a:lstStyle/>
-          <a:p>
-            <a:r>
-              <a:rPr lang="en-CN" sz="1200" dirty="0"/>
-              <a:t>MongoDB: SCDx</a:t>
             </a:r>
           </a:p>
         </p:txBody>
@@ -23560,8 +23385,8 @@
           </p:nvSpPr>
           <p:spPr>
             <a:xfrm>
-              <a:off x="2518122" y="2111060"/>
-              <a:ext cx="1917513" cy="446276"/>
+              <a:off x="2767219" y="2111060"/>
+              <a:ext cx="1419324" cy="356858"/>
             </a:xfrm>
             <a:prstGeom prst="rect">
               <a:avLst/>
@@ -23588,11 +23413,7 @@
               </a:r>
               <a:r>
                 <a:rPr lang="en-US" sz="700" dirty="0"/>
-                <a:t>http://10.123.219.22:5000/</a:t>
-              </a:r>
-              <a:r>
-                <a:rPr lang="en-US" sz="700" dirty="0" err="1"/>
-                <a:t>pcba_allocation</a:t>
+                <a:t>http://pcba-allocation.cisco.com:5000/allocation</a:t>
               </a:r>
               <a:r>
                 <a:rPr lang="en-CN" sz="700" dirty="0"/>
@@ -23739,7 +23560,7 @@
           </p:nvSpPr>
           <p:spPr>
             <a:xfrm>
-              <a:off x="2768004" y="4819649"/>
+              <a:off x="2774704" y="4819649"/>
               <a:ext cx="1409177" cy="633880"/>
             </a:xfrm>
             <a:prstGeom prst="roundRect">
@@ -23916,24 +23737,22 @@
       </p:cxnSp>
       <p:cxnSp>
         <p:nvCxnSpPr>
-          <p:cNvPr id="69" name="Straight Arrow Connector 68">
+          <p:cNvPr id="27" name="Straight Arrow Connector 26">
             <a:extLst>
               <a:ext uri="{FF2B5EF4-FFF2-40B4-BE49-F238E27FC236}">
-                <a16:creationId xmlns:a16="http://schemas.microsoft.com/office/drawing/2014/main" id="{826545FC-97B6-CF42-A117-E7B6ECF1011C}"/>
+                <a16:creationId xmlns:a16="http://schemas.microsoft.com/office/drawing/2014/main" id="{3783B2AB-7099-0F4E-B3BE-49C3C9D1401D}"/>
               </a:ext>
             </a:extLst>
           </p:cNvPr>
           <p:cNvCxnSpPr>
             <a:cxnSpLocks/>
-            <a:stCxn id="56" idx="2"/>
-            <a:endCxn id="57" idx="0"/>
           </p:cNvCxnSpPr>
           <p:nvPr/>
         </p:nvCxnSpPr>
         <p:spPr>
-          <a:xfrm>
-            <a:off x="5088210" y="4586044"/>
-            <a:ext cx="0" cy="483770"/>
+          <a:xfrm flipH="1" flipV="1">
+            <a:off x="6416318" y="4158707"/>
+            <a:ext cx="1150932" cy="9614"/>
           </a:xfrm>
           <a:prstGeom prst="straightConnector1">
             <a:avLst/>
@@ -23957,12 +23776,51 @@
           </a:fontRef>
         </p:style>
       </p:cxnSp>
+      <p:sp>
+        <p:nvSpPr>
+          <p:cNvPr id="4" name="TextBox 3">
+            <a:extLst>
+              <a:ext uri="{FF2B5EF4-FFF2-40B4-BE49-F238E27FC236}">
+                <a16:creationId xmlns:a16="http://schemas.microsoft.com/office/drawing/2014/main" id="{969CF5F9-DEA6-EB4F-827B-B43EE72154DD}"/>
+              </a:ext>
+            </a:extLst>
+          </p:cNvPr>
+          <p:cNvSpPr txBox="1"/>
+          <p:nvPr/>
+        </p:nvSpPr>
+        <p:spPr>
+          <a:xfrm>
+            <a:off x="6590753" y="2993712"/>
+            <a:ext cx="873957" cy="261610"/>
+          </a:xfrm>
+          <a:prstGeom prst="rect">
+            <a:avLst/>
+          </a:prstGeom>
+          <a:noFill/>
+        </p:spPr>
+        <p:txBody>
+          <a:bodyPr wrap="none" rtlCol="0">
+            <a:spAutoFit/>
+          </a:bodyPr>
+          <a:lstStyle/>
+          <a:p>
+            <a:r>
+              <a:rPr lang="en-US" sz="1100" dirty="0"/>
+              <a:t>P</a:t>
+            </a:r>
+            <a:r>
+              <a:rPr lang="en-CN" sz="1100" dirty="0"/>
+              <a:t>ort:37600</a:t>
+            </a:r>
+          </a:p>
+        </p:txBody>
+      </p:sp>
       <p:cxnSp>
         <p:nvCxnSpPr>
-          <p:cNvPr id="27" name="Straight Arrow Connector 26">
+          <p:cNvPr id="37" name="Straight Arrow Connector 36">
             <a:extLst>
               <a:ext uri="{FF2B5EF4-FFF2-40B4-BE49-F238E27FC236}">
-                <a16:creationId xmlns:a16="http://schemas.microsoft.com/office/drawing/2014/main" id="{3783B2AB-7099-0F4E-B3BE-49C3C9D1401D}"/>
+                <a16:creationId xmlns:a16="http://schemas.microsoft.com/office/drawing/2014/main" id="{5F3F51FF-9E72-124C-99AF-DBDFF46462DD}"/>
               </a:ext>
             </a:extLst>
           </p:cNvPr>
@@ -23973,7 +23831,7 @@
         </p:nvCxnSpPr>
         <p:spPr>
           <a:xfrm flipH="1" flipV="1">
-            <a:off x="6416318" y="3963501"/>
+            <a:off x="6380420" y="3180197"/>
             <a:ext cx="1150932" cy="9614"/>
           </a:xfrm>
           <a:prstGeom prst="straightConnector1">
@@ -24000,10 +23858,10 @@
       </p:cxnSp>
       <p:sp>
         <p:nvSpPr>
-          <p:cNvPr id="4" name="TextBox 3">
+          <p:cNvPr id="38" name="TextBox 37">
             <a:extLst>
               <a:ext uri="{FF2B5EF4-FFF2-40B4-BE49-F238E27FC236}">
-                <a16:creationId xmlns:a16="http://schemas.microsoft.com/office/drawing/2014/main" id="{969CF5F9-DEA6-EB4F-827B-B43EE72154DD}"/>
+                <a16:creationId xmlns:a16="http://schemas.microsoft.com/office/drawing/2014/main" id="{3466DE87-E036-3249-AD50-C3435F266CDE}"/>
               </a:ext>
             </a:extLst>
           </p:cNvPr>
@@ -24012,8 +23870,8 @@
         </p:nvSpPr>
         <p:spPr>
           <a:xfrm>
-            <a:off x="6601533" y="4121542"/>
-            <a:ext cx="873957" cy="261610"/>
+            <a:off x="8176538" y="3014210"/>
+            <a:ext cx="1324081" cy="400110"/>
           </a:xfrm>
           <a:prstGeom prst="rect">
             <a:avLst/>
@@ -24021,40 +23879,54 @@
           <a:noFill/>
         </p:spPr>
         <p:txBody>
-          <a:bodyPr wrap="none" rtlCol="0">
+          <a:bodyPr wrap="square" rtlCol="0">
             <a:spAutoFit/>
           </a:bodyPr>
           <a:lstStyle/>
           <a:p>
-            <a:r>
-              <a:rPr lang="en-US" sz="1100" dirty="0"/>
-              <a:t>P</a:t>
-            </a:r>
-            <a:r>
-              <a:rPr lang="en-CN" sz="1100" dirty="0"/>
-              <a:t>ort:37600</a:t>
+            <a:pPr algn="ctr"/>
+            <a:r>
+              <a:rPr lang="en-US" sz="1000" dirty="0"/>
+              <a:t>OH, in-transit, SCR</a:t>
+            </a:r>
+          </a:p>
+          <a:p>
+            <a:pPr algn="ctr"/>
+            <a:r>
+              <a:rPr lang="en-US" sz="1000" dirty="0"/>
+              <a:t>(MongoDB: </a:t>
+            </a:r>
+            <a:r>
+              <a:rPr lang="en-US" sz="1000" dirty="0" err="1"/>
+              <a:t>SCDx</a:t>
+            </a:r>
+            <a:r>
+              <a:rPr lang="en-US" sz="1000" dirty="0"/>
+              <a:t>)</a:t>
             </a:r>
           </a:p>
         </p:txBody>
       </p:sp>
       <p:cxnSp>
         <p:nvCxnSpPr>
-          <p:cNvPr id="28" name="Straight Arrow Connector 27">
+          <p:cNvPr id="39" name="Straight Arrow Connector 38">
             <a:extLst>
               <a:ext uri="{FF2B5EF4-FFF2-40B4-BE49-F238E27FC236}">
-                <a16:creationId xmlns:a16="http://schemas.microsoft.com/office/drawing/2014/main" id="{A2F24371-E72E-9741-BBF3-C917CA24EB99}"/>
+                <a16:creationId xmlns:a16="http://schemas.microsoft.com/office/drawing/2014/main" id="{0A175E23-E26D-FA4D-963E-1841F4C48B7C}"/>
               </a:ext>
             </a:extLst>
           </p:cNvPr>
           <p:cNvCxnSpPr>
             <a:cxnSpLocks/>
+            <a:stCxn id="56" idx="2"/>
+            <a:endCxn id="57" idx="0"/>
           </p:cNvCxnSpPr>
           <p:nvPr/>
         </p:nvCxnSpPr>
         <p:spPr>
-          <a:xfrm flipH="1" flipV="1">
-            <a:off x="6427165" y="4349510"/>
-            <a:ext cx="1150932" cy="9614"/>
+          <a:xfrm>
+            <a:off x="5088210" y="4586044"/>
+            <a:ext cx="10270" cy="483770"/>
           </a:xfrm>
           <a:prstGeom prst="straightConnector1">
             <a:avLst/>
@@ -24078,137 +23950,6 @@
           </a:fontRef>
         </p:style>
       </p:cxnSp>
-      <p:pic>
-        <p:nvPicPr>
-          <p:cNvPr id="36" name="Graphic 35" descr="Document">
-            <a:extLst>
-              <a:ext uri="{FF2B5EF4-FFF2-40B4-BE49-F238E27FC236}">
-                <a16:creationId xmlns:a16="http://schemas.microsoft.com/office/drawing/2014/main" id="{988D0D40-C777-9447-A3FA-68CBE6875849}"/>
-              </a:ext>
-            </a:extLst>
-          </p:cNvPr>
-          <p:cNvPicPr>
-            <a:picLocks noChangeAspect="1"/>
-          </p:cNvPicPr>
-          <p:nvPr/>
-        </p:nvPicPr>
-        <p:blipFill>
-          <a:blip r:embed="rId4">
-            <a:extLst>
-              <a:ext uri="{28A0092B-C50C-407E-A947-70E740481C1C}">
-                <a14:useLocalDpi xmlns:a14="http://schemas.microsoft.com/office/drawing/2010/main" val="0"/>
-              </a:ext>
-              <a:ext uri="{96DAC541-7B7A-43D3-8B79-37D633B846F1}">
-                <asvg:svgBlip xmlns:asvg="http://schemas.microsoft.com/office/drawing/2016/SVG/main" r:embed="rId5"/>
-              </a:ext>
-            </a:extLst>
-          </a:blip>
-          <a:stretch>
-            <a:fillRect/>
-          </a:stretch>
-        </p:blipFill>
-        <p:spPr>
-          <a:xfrm>
-            <a:off x="7700627" y="2862320"/>
-            <a:ext cx="668426" cy="668426"/>
-          </a:xfrm>
-          <a:prstGeom prst="rect">
-            <a:avLst/>
-          </a:prstGeom>
-        </p:spPr>
-      </p:pic>
-      <p:cxnSp>
-        <p:nvCxnSpPr>
-          <p:cNvPr id="37" name="Straight Arrow Connector 36">
-            <a:extLst>
-              <a:ext uri="{FF2B5EF4-FFF2-40B4-BE49-F238E27FC236}">
-                <a16:creationId xmlns:a16="http://schemas.microsoft.com/office/drawing/2014/main" id="{5F3F51FF-9E72-124C-99AF-DBDFF46462DD}"/>
-              </a:ext>
-            </a:extLst>
-          </p:cNvPr>
-          <p:cNvCxnSpPr>
-            <a:cxnSpLocks/>
-          </p:cNvCxnSpPr>
-          <p:nvPr/>
-        </p:nvCxnSpPr>
-        <p:spPr>
-          <a:xfrm flipH="1" flipV="1">
-            <a:off x="6380420" y="3180197"/>
-            <a:ext cx="1150932" cy="9614"/>
-          </a:xfrm>
-          <a:prstGeom prst="straightConnector1">
-            <a:avLst/>
-          </a:prstGeom>
-          <a:ln>
-            <a:tailEnd type="triangle"/>
-          </a:ln>
-        </p:spPr>
-        <p:style>
-          <a:lnRef idx="1">
-            <a:schemeClr val="accent1"/>
-          </a:lnRef>
-          <a:fillRef idx="0">
-            <a:schemeClr val="accent1"/>
-          </a:fillRef>
-          <a:effectRef idx="0">
-            <a:schemeClr val="accent1"/>
-          </a:effectRef>
-          <a:fontRef idx="minor">
-            <a:schemeClr val="tx1"/>
-          </a:fontRef>
-        </p:style>
-      </p:cxnSp>
-      <p:sp>
-        <p:nvSpPr>
-          <p:cNvPr id="38" name="TextBox 37">
-            <a:extLst>
-              <a:ext uri="{FF2B5EF4-FFF2-40B4-BE49-F238E27FC236}">
-                <a16:creationId xmlns:a16="http://schemas.microsoft.com/office/drawing/2014/main" id="{3466DE87-E036-3249-AD50-C3435F266CDE}"/>
-              </a:ext>
-            </a:extLst>
-          </p:cNvPr>
-          <p:cNvSpPr txBox="1"/>
-          <p:nvPr/>
-        </p:nvSpPr>
-        <p:spPr>
-          <a:xfrm>
-            <a:off x="8176539" y="3014210"/>
-            <a:ext cx="966674" cy="553998"/>
-          </a:xfrm>
-          <a:prstGeom prst="rect">
-            <a:avLst/>
-          </a:prstGeom>
-          <a:noFill/>
-        </p:spPr>
-        <p:txBody>
-          <a:bodyPr wrap="square" rtlCol="0">
-            <a:spAutoFit/>
-          </a:bodyPr>
-          <a:lstStyle/>
-          <a:p>
-            <a:pPr algn="ctr"/>
-            <a:r>
-              <a:rPr lang="en-US" sz="1000" dirty="0"/>
-              <a:t>OH, in-transit, SCR</a:t>
-            </a:r>
-          </a:p>
-          <a:p>
-            <a:pPr algn="ctr"/>
-            <a:r>
-              <a:rPr lang="en-US" sz="1000" dirty="0"/>
-              <a:t>(</a:t>
-            </a:r>
-            <a:r>
-              <a:rPr lang="en-US" sz="1000" dirty="0" err="1"/>
-              <a:t>SCDx</a:t>
-            </a:r>
-            <a:r>
-              <a:rPr lang="en-US" sz="1000" dirty="0"/>
-              <a:t>)</a:t>
-            </a:r>
-          </a:p>
-        </p:txBody>
-      </p:sp>
     </p:spTree>
     <p:extLst>
       <p:ext uri="{BB962C8B-B14F-4D97-AF65-F5344CB8AC3E}">

--- a/PCBA allocation procedure and logic - Nov 12.pptx
+++ b/PCBA allocation procedure and logic - Nov 12.pptx
@@ -22516,9 +22516,7 @@
             <a:r>
               <a:rPr lang="en-CN" sz="1600" dirty="0">
                 <a:solidFill>
-                  <a:schemeClr val="bg1">
-                    <a:lumMod val="85000"/>
-                  </a:schemeClr>
+                  <a:schemeClr val="bg1"/>
                 </a:solidFill>
               </a:rPr>
               <a:t>Input Data</a:t>
@@ -23114,7 +23112,7 @@
         </p:nvSpPr>
         <p:spPr>
           <a:xfrm>
-            <a:off x="8150827" y="2399234"/>
+            <a:off x="8202197" y="2399234"/>
             <a:ext cx="966674" cy="400110"/>
           </a:xfrm>
           <a:prstGeom prst="rect">
@@ -23128,14 +23126,12 @@
           </a:bodyPr>
           <a:lstStyle/>
           <a:p>
-            <a:pPr algn="ctr"/>
             <a:r>
               <a:rPr lang="en-US" sz="1000" dirty="0"/>
               <a:t>3A4 Backlog</a:t>
             </a:r>
           </a:p>
           <a:p>
-            <a:pPr algn="ctr"/>
             <a:r>
               <a:rPr lang="en-US" sz="1000" dirty="0"/>
               <a:t>(UOV)</a:t>
@@ -23275,7 +23271,7 @@
         <p:spPr>
           <a:xfrm>
             <a:off x="8147364" y="3990142"/>
-            <a:ext cx="970137" cy="276999"/>
+            <a:ext cx="3836371" cy="461665"/>
           </a:xfrm>
           <a:prstGeom prst="rect">
             <a:avLst/>
@@ -23290,7 +23286,13 @@
           <a:p>
             <a:r>
               <a:rPr lang="en-CN" sz="1200" dirty="0"/>
-              <a:t>Smartsheet</a:t>
+              <a:t>Exceptional priority, TAN grouping, Cross CM intransit</a:t>
+            </a:r>
+          </a:p>
+          <a:p>
+            <a:r>
+              <a:rPr lang="en-CN" sz="1200" dirty="0"/>
+              <a:t>(Smartsheet)</a:t>
             </a:r>
           </a:p>
         </p:txBody>
@@ -23385,8 +23387,8 @@
           </p:nvSpPr>
           <p:spPr>
             <a:xfrm>
-              <a:off x="2767219" y="2111060"/>
-              <a:ext cx="1419324" cy="356858"/>
+              <a:off x="2603033" y="2111060"/>
+              <a:ext cx="1747696" cy="381470"/>
             </a:xfrm>
             <a:prstGeom prst="rect">
               <a:avLst/>
@@ -23408,15 +23410,17 @@
             <a:p>
               <a:pPr algn="ctr"/>
               <a:r>
-                <a:rPr lang="en-CN" sz="700" dirty="0"/>
+                <a:rPr lang="en-CN" sz="900" dirty="0"/>
                 <a:t>(</a:t>
               </a:r>
               <a:r>
-                <a:rPr lang="en-US" sz="700" dirty="0"/>
+                <a:rPr lang="en-US" sz="900" dirty="0">
+                  <a:hlinkClick r:id="rId8"/>
+                </a:rPr>
                 <a:t>http://pcba-allocation.cisco.com:5000/allocation</a:t>
               </a:r>
               <a:r>
-                <a:rPr lang="en-CN" sz="700" dirty="0"/>
+                <a:rPr lang="en-CN" sz="900" dirty="0"/>
                 <a:t>)</a:t>
               </a:r>
             </a:p>
@@ -23668,7 +23672,7 @@
         </p:nvCxnSpPr>
         <p:spPr>
           <a:xfrm flipH="1" flipV="1">
-            <a:off x="6368591" y="2624883"/>
+            <a:off x="6368591" y="2635157"/>
             <a:ext cx="1150932" cy="9614"/>
           </a:xfrm>
           <a:prstGeom prst="straightConnector1">
@@ -23790,7 +23794,7 @@
         </p:nvSpPr>
         <p:spPr>
           <a:xfrm>
-            <a:off x="6590753" y="2993712"/>
+            <a:off x="6590753" y="2973164"/>
             <a:ext cx="873957" cy="261610"/>
           </a:xfrm>
           <a:prstGeom prst="rect">
@@ -23884,14 +23888,12 @@
           </a:bodyPr>
           <a:lstStyle/>
           <a:p>
-            <a:pPr algn="ctr"/>
             <a:r>
               <a:rPr lang="en-US" sz="1000" dirty="0"/>
               <a:t>OH, in-transit, SCR</a:t>
             </a:r>
           </a:p>
           <a:p>
-            <a:pPr algn="ctr"/>
             <a:r>
               <a:rPr lang="en-US" sz="1000" dirty="0"/>
               <a:t>(MongoDB: </a:t>
